--- a/LectureNotes/PythonControlStructure.pptx
+++ b/LectureNotes/PythonControlStructure.pptx
@@ -5,30 +5,40 @@
     <p:sldMasterId id="2147483648" r:id="rId1"/>
   </p:sldMasterIdLst>
   <p:notesMasterIdLst>
-    <p:notesMasterId r:id="rId20"/>
+    <p:notesMasterId r:id="rId30"/>
   </p:notesMasterIdLst>
   <p:handoutMasterIdLst>
-    <p:handoutMasterId r:id="rId21"/>
+    <p:handoutMasterId r:id="rId31"/>
   </p:handoutMasterIdLst>
   <p:sldIdLst>
     <p:sldId id="256" r:id="rId2"/>
     <p:sldId id="360" r:id="rId3"/>
     <p:sldId id="361" r:id="rId4"/>
-    <p:sldId id="362" r:id="rId5"/>
-    <p:sldId id="367" r:id="rId6"/>
+    <p:sldId id="383" r:id="rId5"/>
+    <p:sldId id="385" r:id="rId6"/>
     <p:sldId id="368" r:id="rId7"/>
     <p:sldId id="382" r:id="rId8"/>
-    <p:sldId id="370" r:id="rId9"/>
-    <p:sldId id="371" r:id="rId10"/>
-    <p:sldId id="372" r:id="rId11"/>
-    <p:sldId id="374" r:id="rId12"/>
-    <p:sldId id="375" r:id="rId13"/>
-    <p:sldId id="376" r:id="rId14"/>
-    <p:sldId id="377" r:id="rId15"/>
-    <p:sldId id="378" r:id="rId16"/>
-    <p:sldId id="379" r:id="rId17"/>
-    <p:sldId id="380" r:id="rId18"/>
-    <p:sldId id="381" r:id="rId19"/>
+    <p:sldId id="384" r:id="rId9"/>
+    <p:sldId id="362" r:id="rId10"/>
+    <p:sldId id="370" r:id="rId11"/>
+    <p:sldId id="371" r:id="rId12"/>
+    <p:sldId id="372" r:id="rId13"/>
+    <p:sldId id="374" r:id="rId14"/>
+    <p:sldId id="386" r:id="rId15"/>
+    <p:sldId id="387" r:id="rId16"/>
+    <p:sldId id="375" r:id="rId17"/>
+    <p:sldId id="376" r:id="rId18"/>
+    <p:sldId id="377" r:id="rId19"/>
+    <p:sldId id="378" r:id="rId20"/>
+    <p:sldId id="379" r:id="rId21"/>
+    <p:sldId id="380" r:id="rId22"/>
+    <p:sldId id="389" r:id="rId23"/>
+    <p:sldId id="390" r:id="rId24"/>
+    <p:sldId id="388" r:id="rId25"/>
+    <p:sldId id="391" r:id="rId26"/>
+    <p:sldId id="392" r:id="rId27"/>
+    <p:sldId id="393" r:id="rId28"/>
+    <p:sldId id="381" r:id="rId29"/>
   </p:sldIdLst>
   <p:sldSz cx="12192000" cy="6858000"/>
   <p:notesSz cx="6858000" cy="9144000"/>
@@ -243,7 +253,7 @@
           <a:p>
             <a:fld id="{762B48F5-BACC-47D6-A0F7-82FBF9C6BC85}" type="datetimeFigureOut">
               <a:rPr lang="en-US"/>
-              <a:t>10/3/2019</a:t>
+              <a:t>10/14/2019</a:t>
             </a:fld>
             <a:endParaRPr/>
           </a:p>
@@ -408,7 +418,7 @@
           <a:p>
             <a:fld id="{0CB1CD00-5424-4675-AB18-2C419B060449}" type="datetimeFigureOut">
               <a:rPr lang="en-US"/>
-              <a:t>10/3/2019</a:t>
+              <a:t>10/14/2019</a:t>
             </a:fld>
             <a:endParaRPr/>
           </a:p>
@@ -974,7 +984,7 @@
                 <a:latin typeface="Tahoma" panose="020B0604030504040204" pitchFamily="34" charset="0"/>
               </a:rPr>
               <a:pPr eaLnBrk="1" hangingPunct="1"/>
-              <a:t>13</a:t>
+              <a:t>17</a:t>
             </a:fld>
             <a:endParaRPr lang="en-CA" altLang="en-US" sz="1200">
               <a:latin typeface="Tahoma" panose="020B0604030504040204" pitchFamily="34" charset="0"/>
@@ -1210,7 +1220,7 @@
                 <a:latin typeface="Tahoma" panose="020B0604030504040204" pitchFamily="34" charset="0"/>
               </a:rPr>
               <a:pPr eaLnBrk="1" hangingPunct="1"/>
-              <a:t>14</a:t>
+              <a:t>18</a:t>
             </a:fld>
             <a:endParaRPr lang="en-CA" altLang="en-US" sz="1200">
               <a:latin typeface="Tahoma" panose="020B0604030504040204" pitchFamily="34" charset="0"/>
@@ -1446,7 +1456,7 @@
                 <a:latin typeface="Tahoma" panose="020B0604030504040204" pitchFamily="34" charset="0"/>
               </a:rPr>
               <a:pPr eaLnBrk="1" hangingPunct="1"/>
-              <a:t>15</a:t>
+              <a:t>19</a:t>
             </a:fld>
             <a:endParaRPr lang="en-CA" altLang="en-US" sz="1200">
               <a:latin typeface="Tahoma" panose="020B0604030504040204" pitchFamily="34" charset="0"/>
@@ -1682,7 +1692,7 @@
                 <a:latin typeface="Tahoma" panose="020B0604030504040204" pitchFamily="34" charset="0"/>
               </a:rPr>
               <a:pPr eaLnBrk="1" hangingPunct="1"/>
-              <a:t>16</a:t>
+              <a:t>20</a:t>
             </a:fld>
             <a:endParaRPr lang="en-CA" altLang="en-US" sz="1200">
               <a:latin typeface="Tahoma" panose="020B0604030504040204" pitchFamily="34" charset="0"/>
@@ -2087,7 +2097,7 @@
           <a:p>
             <a:fld id="{37CC0096-1860-4642-9CD2-0079EA5E7CD1}" type="datetimeFigureOut">
               <a:rPr lang="en-US" smtClean="0"/>
-              <a:t>10/3/2019</a:t>
+              <a:t>10/14/2019</a:t>
             </a:fld>
             <a:endParaRPr lang="en-US"/>
           </a:p>
@@ -2267,7 +2277,7 @@
           <a:p>
             <a:fld id="{37CC0096-1860-4642-9CD2-0079EA5E7CD1}" type="datetimeFigureOut">
               <a:rPr lang="en-US" smtClean="0"/>
-              <a:t>10/3/2019</a:t>
+              <a:t>10/14/2019</a:t>
             </a:fld>
             <a:endParaRPr lang="en-US"/>
           </a:p>
@@ -2447,7 +2457,7 @@
           <a:p>
             <a:fld id="{37CC0096-1860-4642-9CD2-0079EA5E7CD1}" type="datetimeFigureOut">
               <a:rPr lang="en-US" smtClean="0"/>
-              <a:t>10/3/2019</a:t>
+              <a:t>10/14/2019</a:t>
             </a:fld>
             <a:endParaRPr lang="en-US"/>
           </a:p>
@@ -2882,7 +2892,7 @@
           <a:p>
             <a:fld id="{37CC0096-1860-4642-9CD2-0079EA5E7CD1}" type="datetimeFigureOut">
               <a:rPr lang="en-US" smtClean="0"/>
-              <a:t>10/3/2019</a:t>
+              <a:t>10/14/2019</a:t>
             </a:fld>
             <a:endParaRPr lang="en-US"/>
           </a:p>
@@ -3322,7 +3332,7 @@
           <a:p>
             <a:fld id="{37CC0096-1860-4642-9CD2-0079EA5E7CD1}" type="datetimeFigureOut">
               <a:rPr lang="en-US" smtClean="0"/>
-              <a:t>10/3/2019</a:t>
+              <a:t>10/14/2019</a:t>
             </a:fld>
             <a:endParaRPr lang="en-US"/>
           </a:p>
@@ -3440,7 +3450,7 @@
           <a:p>
             <a:fld id="{37CC0096-1860-4642-9CD2-0079EA5E7CD1}" type="datetimeFigureOut">
               <a:rPr lang="en-US" smtClean="0"/>
-              <a:t>10/3/2019</a:t>
+              <a:t>10/14/2019</a:t>
             </a:fld>
             <a:endParaRPr lang="en-US"/>
           </a:p>
@@ -3535,7 +3545,7 @@
           <a:p>
             <a:fld id="{37CC0096-1860-4642-9CD2-0079EA5E7CD1}" type="datetimeFigureOut">
               <a:rPr lang="en-US" smtClean="0"/>
-              <a:t>10/3/2019</a:t>
+              <a:t>10/14/2019</a:t>
             </a:fld>
             <a:endParaRPr lang="en-US"/>
           </a:p>
@@ -3819,7 +3829,7 @@
           <a:p>
             <a:fld id="{37CC0096-1860-4642-9CD2-0079EA5E7CD1}" type="datetimeFigureOut">
               <a:rPr lang="en-US" smtClean="0"/>
-              <a:t>10/3/2019</a:t>
+              <a:t>10/14/2019</a:t>
             </a:fld>
             <a:endParaRPr lang="en-US"/>
           </a:p>
@@ -4132,7 +4142,7 @@
           <a:p>
             <a:fld id="{37CC0096-1860-4642-9CD2-0079EA5E7CD1}" type="datetimeFigureOut">
               <a:rPr lang="en-US" smtClean="0"/>
-              <a:t>10/3/2019</a:t>
+              <a:t>10/14/2019</a:t>
             </a:fld>
             <a:endParaRPr lang="en-US"/>
           </a:p>
@@ -4364,7 +4374,7 @@
             <a:fld id="{37CC0096-1860-4642-9CD2-0079EA5E7CD1}" type="datetimeFigureOut">
               <a:rPr lang="en-US" smtClean="0"/>
               <a:pPr/>
-              <a:t>10/3/2019</a:t>
+              <a:t>10/14/2019</a:t>
             </a:fld>
             <a:endParaRPr lang="en-US"/>
           </a:p>
@@ -4882,7 +4892,129 @@
           <a:p>
             <a:r>
               <a:rPr lang="en-US" dirty="0" smtClean="0"/>
-              <a:t>Nested If statement</a:t>
+              <a:t>Work Through Example </a:t>
+            </a:r>
+            <a:endParaRPr lang="en-US" dirty="0"/>
+          </a:p>
+        </p:txBody>
+      </p:sp>
+      <p:sp>
+        <p:nvSpPr>
+          <p:cNvPr id="3" name="Content Placeholder 2"/>
+          <p:cNvSpPr>
+            <a:spLocks noGrp="1"/>
+          </p:cNvSpPr>
+          <p:nvPr>
+            <p:ph idx="1"/>
+          </p:nvPr>
+        </p:nvSpPr>
+        <p:spPr/>
+        <p:txBody>
+          <a:bodyPr>
+            <a:normAutofit/>
+          </a:bodyPr>
+          <a:lstStyle/>
+          <a:p>
+            <a:r>
+              <a:rPr lang="en-US" dirty="0" smtClean="0"/>
+              <a:t>Change your BMI.py </a:t>
+            </a:r>
+          </a:p>
+          <a:p>
+            <a:pPr marL="0" indent="0">
+              <a:buNone/>
+            </a:pPr>
+            <a:r>
+              <a:rPr lang="en-US" dirty="0" smtClean="0"/>
+              <a:t>Calculate your BMI and display  the range according to the following  guidelines. </a:t>
+            </a:r>
+          </a:p>
+          <a:p>
+            <a:pPr marL="365760" lvl="1" indent="0">
+              <a:buNone/>
+            </a:pPr>
+            <a:r>
+              <a:rPr lang="en-US" dirty="0"/>
+              <a:t>If your BMI is less than 18.5, it falls within the underweight range.</a:t>
+            </a:r>
+          </a:p>
+          <a:p>
+            <a:pPr marL="365760" lvl="1" indent="0">
+              <a:buNone/>
+            </a:pPr>
+            <a:r>
+              <a:rPr lang="en-US" dirty="0"/>
+              <a:t>If your BMI is 18.5 to &lt;25, it falls within the normal.</a:t>
+            </a:r>
+          </a:p>
+          <a:p>
+            <a:pPr marL="365760" lvl="1" indent="0">
+              <a:buNone/>
+            </a:pPr>
+            <a:r>
+              <a:rPr lang="en-US" dirty="0"/>
+              <a:t>If your BMI is 25.0 to &lt;30, it falls within the overweight range.</a:t>
+            </a:r>
+          </a:p>
+          <a:p>
+            <a:pPr marL="365760" lvl="1" indent="0">
+              <a:buNone/>
+            </a:pPr>
+            <a:r>
+              <a:rPr lang="en-US" dirty="0"/>
+              <a:t>If your BMI is 30.0 or higher, it falls within the obese range</a:t>
+            </a:r>
+          </a:p>
+        </p:txBody>
+      </p:sp>
+    </p:spTree>
+    <p:extLst>
+      <p:ext uri="{BB962C8B-B14F-4D97-AF65-F5344CB8AC3E}">
+        <p14:creationId xmlns:p14="http://schemas.microsoft.com/office/powerpoint/2010/main" val="1279469961"/>
+      </p:ext>
+    </p:extLst>
+  </p:cSld>
+  <p:clrMapOvr>
+    <a:masterClrMapping/>
+  </p:clrMapOvr>
+</p:sld>
+</file>
+
+<file path=ppt/slides/slide11.xml><?xml version="1.0" encoding="utf-8"?>
+<p:sld xmlns:a="http://schemas.openxmlformats.org/drawingml/2006/main" xmlns:r="http://schemas.openxmlformats.org/officeDocument/2006/relationships" xmlns:p="http://schemas.openxmlformats.org/presentationml/2006/main">
+  <p:cSld>
+    <p:spTree>
+      <p:nvGrpSpPr>
+        <p:cNvPr id="1" name=""/>
+        <p:cNvGrpSpPr/>
+        <p:nvPr/>
+      </p:nvGrpSpPr>
+      <p:grpSpPr>
+        <a:xfrm>
+          <a:off x="0" y="0"/>
+          <a:ext cx="0" cy="0"/>
+          <a:chOff x="0" y="0"/>
+          <a:chExt cx="0" cy="0"/>
+        </a:xfrm>
+      </p:grpSpPr>
+      <p:sp>
+        <p:nvSpPr>
+          <p:cNvPr id="2" name="Title 1"/>
+          <p:cNvSpPr>
+            <a:spLocks noGrp="1"/>
+          </p:cNvSpPr>
+          <p:nvPr>
+            <p:ph type="title"/>
+          </p:nvPr>
+        </p:nvSpPr>
+        <p:spPr/>
+        <p:txBody>
+          <a:bodyPr/>
+          <a:lstStyle/>
+          <a:p>
+            <a:r>
+              <a:rPr lang="en-US" altLang="zh-CN" dirty="0" smtClean="0"/>
+              <a:t>More work through example – use function</a:t>
             </a:r>
             <a:endParaRPr lang="en-US" dirty="0"/>
           </a:p>
@@ -4903,6 +5035,156 @@
           <a:bodyPr/>
           <a:lstStyle/>
           <a:p>
+            <a:pPr>
+              <a:defRPr/>
+            </a:pPr>
+            <a:r>
+              <a:rPr lang="en-US" dirty="0"/>
+              <a:t>Find the shipping rate of a package</a:t>
+            </a:r>
+          </a:p>
+          <a:p>
+            <a:pPr marL="0" indent="0">
+              <a:buFont typeface="Wingdings" panose="05000000000000000000" pitchFamily="2" charset="2"/>
+              <a:buNone/>
+              <a:defRPr/>
+            </a:pPr>
+            <a:r>
+              <a:rPr lang="en-US" dirty="0"/>
+              <a:t>Weight of the package in kilogram        Shipping rate</a:t>
+            </a:r>
+          </a:p>
+          <a:p>
+            <a:pPr marL="0" indent="0">
+              <a:buFont typeface="Wingdings" panose="05000000000000000000" pitchFamily="2" charset="2"/>
+              <a:buNone/>
+              <a:defRPr/>
+            </a:pPr>
+            <a:r>
+              <a:rPr lang="en-US" dirty="0"/>
+              <a:t>   2kg or less                                              $0.01</a:t>
+            </a:r>
+          </a:p>
+          <a:p>
+            <a:pPr marL="0" indent="0">
+              <a:buFont typeface="Wingdings" panose="05000000000000000000" pitchFamily="2" charset="2"/>
+              <a:buNone/>
+              <a:defRPr/>
+            </a:pPr>
+            <a:r>
+              <a:rPr lang="en-US" dirty="0"/>
+              <a:t>  over 2kg, but not more than 6kg              $0.015</a:t>
+            </a:r>
+          </a:p>
+          <a:p>
+            <a:pPr marL="0" indent="0">
+              <a:buFont typeface="Wingdings" panose="05000000000000000000" pitchFamily="2" charset="2"/>
+              <a:buNone/>
+              <a:defRPr/>
+            </a:pPr>
+            <a:r>
+              <a:rPr lang="en-US" dirty="0"/>
+              <a:t>  over 6kg, but not more than 10kg            $0.02</a:t>
+            </a:r>
+          </a:p>
+          <a:p>
+            <a:pPr marL="0" indent="0">
+              <a:buFont typeface="Wingdings" panose="05000000000000000000" pitchFamily="2" charset="2"/>
+              <a:buNone/>
+              <a:defRPr/>
+            </a:pPr>
+            <a:r>
+              <a:rPr lang="en-US" dirty="0"/>
+              <a:t>  over 10kg, but not more than 20kg          $0.025</a:t>
+            </a:r>
+          </a:p>
+          <a:p>
+            <a:pPr marL="0" indent="0">
+              <a:buFont typeface="Wingdings" panose="05000000000000000000" pitchFamily="2" charset="2"/>
+              <a:buNone/>
+              <a:defRPr/>
+            </a:pPr>
+            <a:r>
+              <a:rPr lang="en-US" dirty="0"/>
+              <a:t>Over20kg  ----- No allowed for shipping</a:t>
+            </a:r>
+          </a:p>
+          <a:p>
+            <a:pPr marL="0" indent="0">
+              <a:buNone/>
+            </a:pPr>
+            <a:endParaRPr lang="en-US" dirty="0"/>
+          </a:p>
+        </p:txBody>
+      </p:sp>
+    </p:spTree>
+    <p:extLst>
+      <p:ext uri="{BB962C8B-B14F-4D97-AF65-F5344CB8AC3E}">
+        <p14:creationId xmlns:p14="http://schemas.microsoft.com/office/powerpoint/2010/main" val="3849930280"/>
+      </p:ext>
+    </p:extLst>
+  </p:cSld>
+  <p:clrMapOvr>
+    <a:masterClrMapping/>
+  </p:clrMapOvr>
+</p:sld>
+</file>
+
+<file path=ppt/slides/slide12.xml><?xml version="1.0" encoding="utf-8"?>
+<p:sld xmlns:a="http://schemas.openxmlformats.org/drawingml/2006/main" xmlns:r="http://schemas.openxmlformats.org/officeDocument/2006/relationships" xmlns:p="http://schemas.openxmlformats.org/presentationml/2006/main">
+  <p:cSld>
+    <p:spTree>
+      <p:nvGrpSpPr>
+        <p:cNvPr id="1" name=""/>
+        <p:cNvGrpSpPr/>
+        <p:nvPr/>
+      </p:nvGrpSpPr>
+      <p:grpSpPr>
+        <a:xfrm>
+          <a:off x="0" y="0"/>
+          <a:ext cx="0" cy="0"/>
+          <a:chOff x="0" y="0"/>
+          <a:chExt cx="0" cy="0"/>
+        </a:xfrm>
+      </p:grpSpPr>
+      <p:sp>
+        <p:nvSpPr>
+          <p:cNvPr id="2" name="Title 1"/>
+          <p:cNvSpPr>
+            <a:spLocks noGrp="1"/>
+          </p:cNvSpPr>
+          <p:nvPr>
+            <p:ph type="title"/>
+          </p:nvPr>
+        </p:nvSpPr>
+        <p:spPr/>
+        <p:txBody>
+          <a:bodyPr/>
+          <a:lstStyle/>
+          <a:p>
+            <a:r>
+              <a:rPr lang="en-US" dirty="0" smtClean="0"/>
+              <a:t>Nested If statement</a:t>
+            </a:r>
+            <a:endParaRPr lang="en-US" dirty="0"/>
+          </a:p>
+        </p:txBody>
+      </p:sp>
+      <p:sp>
+        <p:nvSpPr>
+          <p:cNvPr id="3" name="Content Placeholder 2"/>
+          <p:cNvSpPr>
+            <a:spLocks noGrp="1"/>
+          </p:cNvSpPr>
+          <p:nvPr>
+            <p:ph idx="1"/>
+          </p:nvPr>
+        </p:nvSpPr>
+        <p:spPr/>
+        <p:txBody>
+          <a:bodyPr/>
+          <a:lstStyle/>
+          <a:p>
             <a:r>
               <a:rPr lang="en-US" altLang="en-US" sz="2600" dirty="0"/>
               <a:t>A bank customer qualifies for a special loan if:</a:t>
@@ -4943,7 +5225,7 @@
 </p:sld>
 </file>
 
-<file path=ppt/slides/slide11.xml><?xml version="1.0" encoding="utf-8"?>
+<file path=ppt/slides/slide13.xml><?xml version="1.0" encoding="utf-8"?>
 <p:sld xmlns:a="http://schemas.openxmlformats.org/drawingml/2006/main" xmlns:r="http://schemas.openxmlformats.org/officeDocument/2006/relationships" xmlns:p="http://schemas.openxmlformats.org/presentationml/2006/main">
   <p:cSld>
     <p:spTree>
@@ -7795,7 +8077,7 @@
 </p:sld>
 </file>
 
-<file path=ppt/slides/slide12.xml><?xml version="1.0" encoding="utf-8"?>
+<file path=ppt/slides/slide14.xml><?xml version="1.0" encoding="utf-8"?>
 <p:sld xmlns:a="http://schemas.openxmlformats.org/drawingml/2006/main" xmlns:r="http://schemas.openxmlformats.org/officeDocument/2006/relationships" xmlns:p="http://schemas.openxmlformats.org/presentationml/2006/main">
   <p:cSld>
     <p:spTree>
@@ -7829,6 +8111,713 @@
           <a:p>
             <a:r>
               <a:rPr lang="en-US" dirty="0" smtClean="0"/>
+              <a:t>Python code version</a:t>
+            </a:r>
+            <a:endParaRPr lang="en-US" dirty="0"/>
+          </a:p>
+        </p:txBody>
+      </p:sp>
+      <p:sp>
+        <p:nvSpPr>
+          <p:cNvPr id="3" name="Content Placeholder 2"/>
+          <p:cNvSpPr>
+            <a:spLocks noGrp="1"/>
+          </p:cNvSpPr>
+          <p:nvPr>
+            <p:ph idx="1"/>
+          </p:nvPr>
+        </p:nvSpPr>
+        <p:spPr>
+          <a:xfrm>
+            <a:off x="1524000" y="1828800"/>
+            <a:ext cx="9144000" cy="4724400"/>
+          </a:xfrm>
+        </p:spPr>
+        <p:txBody>
+          <a:bodyPr>
+            <a:normAutofit fontScale="85000" lnSpcReduction="20000"/>
+          </a:bodyPr>
+          <a:lstStyle/>
+          <a:p>
+            <a:pPr marL="0" indent="0">
+              <a:buNone/>
+            </a:pPr>
+            <a:r>
+              <a:rPr lang="en-US" dirty="0">
+                <a:solidFill>
+                  <a:srgbClr val="C586C0"/>
+                </a:solidFill>
+                <a:latin typeface="Consolas" panose="020B0609020204030204" pitchFamily="49" charset="0"/>
+              </a:rPr>
+              <a:t>if</a:t>
+            </a:r>
+            <a:r>
+              <a:rPr lang="en-US" dirty="0">
+                <a:solidFill>
+                  <a:srgbClr val="D4D4D4"/>
+                </a:solidFill>
+                <a:latin typeface="Consolas" panose="020B0609020204030204" pitchFamily="49" charset="0"/>
+              </a:rPr>
+              <a:t> salary &gt; </a:t>
+            </a:r>
+            <a:r>
+              <a:rPr lang="en-US" dirty="0">
+                <a:solidFill>
+                  <a:srgbClr val="B5CEA8"/>
+                </a:solidFill>
+                <a:latin typeface="Consolas" panose="020B0609020204030204" pitchFamily="49" charset="0"/>
+              </a:rPr>
+              <a:t>3000</a:t>
+            </a:r>
+            <a:r>
+              <a:rPr lang="en-US" dirty="0">
+                <a:solidFill>
+                  <a:srgbClr val="D4D4D4"/>
+                </a:solidFill>
+                <a:latin typeface="Consolas" panose="020B0609020204030204" pitchFamily="49" charset="0"/>
+              </a:rPr>
+              <a:t>:</a:t>
+            </a:r>
+          </a:p>
+          <a:p>
+            <a:pPr marL="0" indent="0">
+              <a:buNone/>
+            </a:pPr>
+            <a:r>
+              <a:rPr lang="en-US" dirty="0">
+                <a:solidFill>
+                  <a:srgbClr val="D4D4D4"/>
+                </a:solidFill>
+                <a:latin typeface="Consolas" panose="020B0609020204030204" pitchFamily="49" charset="0"/>
+              </a:rPr>
+              <a:t>    </a:t>
+            </a:r>
+            <a:r>
+              <a:rPr lang="en-US" dirty="0">
+                <a:solidFill>
+                  <a:srgbClr val="C586C0"/>
+                </a:solidFill>
+                <a:latin typeface="Consolas" panose="020B0609020204030204" pitchFamily="49" charset="0"/>
+              </a:rPr>
+              <a:t>if</a:t>
+            </a:r>
+            <a:r>
+              <a:rPr lang="en-US" dirty="0">
+                <a:solidFill>
+                  <a:srgbClr val="D4D4D4"/>
+                </a:solidFill>
+                <a:latin typeface="Consolas" panose="020B0609020204030204" pitchFamily="49" charset="0"/>
+              </a:rPr>
+              <a:t> </a:t>
+            </a:r>
+            <a:r>
+              <a:rPr lang="en-US" dirty="0" err="1">
+                <a:solidFill>
+                  <a:srgbClr val="D4D4D4"/>
+                </a:solidFill>
+                <a:latin typeface="Consolas" panose="020B0609020204030204" pitchFamily="49" charset="0"/>
+              </a:rPr>
+              <a:t>yearonjob</a:t>
+            </a:r>
+            <a:r>
+              <a:rPr lang="en-US" dirty="0">
+                <a:solidFill>
+                  <a:srgbClr val="D4D4D4"/>
+                </a:solidFill>
+                <a:latin typeface="Consolas" panose="020B0609020204030204" pitchFamily="49" charset="0"/>
+              </a:rPr>
+              <a:t> </a:t>
+            </a:r>
+            <a:r>
+              <a:rPr lang="en-US" dirty="0" smtClean="0">
+                <a:solidFill>
+                  <a:srgbClr val="D4D4D4"/>
+                </a:solidFill>
+                <a:latin typeface="Consolas" panose="020B0609020204030204" pitchFamily="49" charset="0"/>
+              </a:rPr>
+              <a:t>&gt; </a:t>
+            </a:r>
+            <a:r>
+              <a:rPr lang="en-US" dirty="0" smtClean="0">
+                <a:solidFill>
+                  <a:srgbClr val="B5CEA8"/>
+                </a:solidFill>
+                <a:latin typeface="Consolas" panose="020B0609020204030204" pitchFamily="49" charset="0"/>
+              </a:rPr>
+              <a:t>2</a:t>
+            </a:r>
+            <a:r>
+              <a:rPr lang="en-US" dirty="0">
+                <a:solidFill>
+                  <a:srgbClr val="D4D4D4"/>
+                </a:solidFill>
+                <a:latin typeface="Consolas" panose="020B0609020204030204" pitchFamily="49" charset="0"/>
+              </a:rPr>
+              <a:t>:</a:t>
+            </a:r>
+          </a:p>
+          <a:p>
+            <a:pPr marL="0" indent="0">
+              <a:buNone/>
+            </a:pPr>
+            <a:r>
+              <a:rPr lang="en-US" dirty="0">
+                <a:solidFill>
+                  <a:srgbClr val="D4D4D4"/>
+                </a:solidFill>
+                <a:latin typeface="Consolas" panose="020B0609020204030204" pitchFamily="49" charset="0"/>
+              </a:rPr>
+              <a:t>        </a:t>
+            </a:r>
+            <a:r>
+              <a:rPr lang="en-US" dirty="0">
+                <a:solidFill>
+                  <a:srgbClr val="DCDCAA"/>
+                </a:solidFill>
+                <a:latin typeface="Consolas" panose="020B0609020204030204" pitchFamily="49" charset="0"/>
+              </a:rPr>
+              <a:t>print</a:t>
+            </a:r>
+            <a:r>
+              <a:rPr lang="en-US" dirty="0">
+                <a:solidFill>
+                  <a:srgbClr val="D4D4D4"/>
+                </a:solidFill>
+                <a:latin typeface="Consolas" panose="020B0609020204030204" pitchFamily="49" charset="0"/>
+              </a:rPr>
+              <a:t>(</a:t>
+            </a:r>
+            <a:r>
+              <a:rPr lang="en-US" dirty="0">
+                <a:solidFill>
+                  <a:srgbClr val="CE9178"/>
+                </a:solidFill>
+                <a:latin typeface="Consolas" panose="020B0609020204030204" pitchFamily="49" charset="0"/>
+              </a:rPr>
+              <a:t>"Applicant qualifies."</a:t>
+            </a:r>
+            <a:r>
+              <a:rPr lang="en-US" dirty="0">
+                <a:solidFill>
+                  <a:srgbClr val="D4D4D4"/>
+                </a:solidFill>
+                <a:latin typeface="Consolas" panose="020B0609020204030204" pitchFamily="49" charset="0"/>
+              </a:rPr>
+              <a:t>)</a:t>
+            </a:r>
+          </a:p>
+          <a:p>
+            <a:pPr marL="0" indent="0">
+              <a:buNone/>
+            </a:pPr>
+            <a:r>
+              <a:rPr lang="en-US" dirty="0">
+                <a:solidFill>
+                  <a:srgbClr val="D4D4D4"/>
+                </a:solidFill>
+                <a:latin typeface="Consolas" panose="020B0609020204030204" pitchFamily="49" charset="0"/>
+              </a:rPr>
+              <a:t>    </a:t>
+            </a:r>
+            <a:r>
+              <a:rPr lang="en-US" dirty="0">
+                <a:solidFill>
+                  <a:srgbClr val="C586C0"/>
+                </a:solidFill>
+                <a:latin typeface="Consolas" panose="020B0609020204030204" pitchFamily="49" charset="0"/>
+              </a:rPr>
+              <a:t>else</a:t>
+            </a:r>
+            <a:r>
+              <a:rPr lang="en-US" dirty="0">
+                <a:solidFill>
+                  <a:srgbClr val="D4D4D4"/>
+                </a:solidFill>
+                <a:latin typeface="Consolas" panose="020B0609020204030204" pitchFamily="49" charset="0"/>
+              </a:rPr>
+              <a:t>:</a:t>
+            </a:r>
+          </a:p>
+          <a:p>
+            <a:pPr marL="0" indent="0">
+              <a:buNone/>
+            </a:pPr>
+            <a:r>
+              <a:rPr lang="en-US" dirty="0">
+                <a:solidFill>
+                  <a:srgbClr val="D4D4D4"/>
+                </a:solidFill>
+                <a:latin typeface="Consolas" panose="020B0609020204030204" pitchFamily="49" charset="0"/>
+              </a:rPr>
+              <a:t>        </a:t>
+            </a:r>
+            <a:r>
+              <a:rPr lang="en-US" dirty="0">
+                <a:solidFill>
+                  <a:srgbClr val="DCDCAA"/>
+                </a:solidFill>
+                <a:latin typeface="Consolas" panose="020B0609020204030204" pitchFamily="49" charset="0"/>
+              </a:rPr>
+              <a:t>print</a:t>
+            </a:r>
+            <a:r>
+              <a:rPr lang="en-US" dirty="0">
+                <a:solidFill>
+                  <a:srgbClr val="D4D4D4"/>
+                </a:solidFill>
+                <a:latin typeface="Consolas" panose="020B0609020204030204" pitchFamily="49" charset="0"/>
+              </a:rPr>
+              <a:t>(</a:t>
+            </a:r>
+            <a:r>
+              <a:rPr lang="en-US" dirty="0">
+                <a:solidFill>
+                  <a:srgbClr val="CE9178"/>
+                </a:solidFill>
+                <a:latin typeface="Consolas" panose="020B0609020204030204" pitchFamily="49" charset="0"/>
+              </a:rPr>
+              <a:t>"Application does not qualify"</a:t>
+            </a:r>
+            <a:r>
+              <a:rPr lang="en-US" dirty="0">
+                <a:solidFill>
+                  <a:srgbClr val="D4D4D4"/>
+                </a:solidFill>
+                <a:latin typeface="Consolas" panose="020B0609020204030204" pitchFamily="49" charset="0"/>
+              </a:rPr>
+              <a:t>)</a:t>
+            </a:r>
+          </a:p>
+          <a:p>
+            <a:pPr marL="0" indent="0">
+              <a:buNone/>
+            </a:pPr>
+            <a:r>
+              <a:rPr lang="en-US" dirty="0">
+                <a:solidFill>
+                  <a:srgbClr val="C586C0"/>
+                </a:solidFill>
+                <a:latin typeface="Consolas" panose="020B0609020204030204" pitchFamily="49" charset="0"/>
+              </a:rPr>
+              <a:t>else</a:t>
+            </a:r>
+            <a:r>
+              <a:rPr lang="en-US" dirty="0">
+                <a:solidFill>
+                  <a:srgbClr val="D4D4D4"/>
+                </a:solidFill>
+                <a:latin typeface="Consolas" panose="020B0609020204030204" pitchFamily="49" charset="0"/>
+              </a:rPr>
+              <a:t>:</a:t>
+            </a:r>
+          </a:p>
+          <a:p>
+            <a:pPr marL="0" indent="0">
+              <a:buNone/>
+            </a:pPr>
+            <a:r>
+              <a:rPr lang="en-US" dirty="0">
+                <a:solidFill>
+                  <a:srgbClr val="D4D4D4"/>
+                </a:solidFill>
+                <a:latin typeface="Consolas" panose="020B0609020204030204" pitchFamily="49" charset="0"/>
+              </a:rPr>
+              <a:t>    </a:t>
+            </a:r>
+            <a:r>
+              <a:rPr lang="en-US" dirty="0">
+                <a:solidFill>
+                  <a:srgbClr val="C586C0"/>
+                </a:solidFill>
+                <a:latin typeface="Consolas" panose="020B0609020204030204" pitchFamily="49" charset="0"/>
+              </a:rPr>
+              <a:t>if</a:t>
+            </a:r>
+            <a:r>
+              <a:rPr lang="en-US" dirty="0">
+                <a:solidFill>
+                  <a:srgbClr val="D4D4D4"/>
+                </a:solidFill>
+                <a:latin typeface="Consolas" panose="020B0609020204030204" pitchFamily="49" charset="0"/>
+              </a:rPr>
+              <a:t> </a:t>
+            </a:r>
+            <a:r>
+              <a:rPr lang="en-US" dirty="0" err="1">
+                <a:solidFill>
+                  <a:srgbClr val="D4D4D4"/>
+                </a:solidFill>
+                <a:latin typeface="Consolas" panose="020B0609020204030204" pitchFamily="49" charset="0"/>
+              </a:rPr>
+              <a:t>yearonjob</a:t>
+            </a:r>
+            <a:r>
+              <a:rPr lang="en-US" dirty="0">
+                <a:solidFill>
+                  <a:srgbClr val="D4D4D4"/>
+                </a:solidFill>
+                <a:latin typeface="Consolas" panose="020B0609020204030204" pitchFamily="49" charset="0"/>
+              </a:rPr>
+              <a:t> </a:t>
+            </a:r>
+            <a:r>
+              <a:rPr lang="en-US" dirty="0" smtClean="0">
+                <a:solidFill>
+                  <a:srgbClr val="D4D4D4"/>
+                </a:solidFill>
+                <a:latin typeface="Consolas" panose="020B0609020204030204" pitchFamily="49" charset="0"/>
+              </a:rPr>
+              <a:t>&gt; </a:t>
+            </a:r>
+            <a:r>
+              <a:rPr lang="en-US" dirty="0" smtClean="0">
+                <a:solidFill>
+                  <a:srgbClr val="B5CEA8"/>
+                </a:solidFill>
+                <a:latin typeface="Consolas" panose="020B0609020204030204" pitchFamily="49" charset="0"/>
+              </a:rPr>
+              <a:t>5</a:t>
+            </a:r>
+            <a:r>
+              <a:rPr lang="en-US" dirty="0">
+                <a:solidFill>
+                  <a:srgbClr val="D4D4D4"/>
+                </a:solidFill>
+                <a:latin typeface="Consolas" panose="020B0609020204030204" pitchFamily="49" charset="0"/>
+              </a:rPr>
+              <a:t>:</a:t>
+            </a:r>
+          </a:p>
+          <a:p>
+            <a:pPr marL="0" indent="0">
+              <a:buNone/>
+            </a:pPr>
+            <a:r>
+              <a:rPr lang="en-US" dirty="0">
+                <a:solidFill>
+                  <a:srgbClr val="D4D4D4"/>
+                </a:solidFill>
+                <a:latin typeface="Consolas" panose="020B0609020204030204" pitchFamily="49" charset="0"/>
+              </a:rPr>
+              <a:t>        </a:t>
+            </a:r>
+            <a:r>
+              <a:rPr lang="en-US" dirty="0">
+                <a:solidFill>
+                  <a:srgbClr val="DCDCAA"/>
+                </a:solidFill>
+                <a:latin typeface="Consolas" panose="020B0609020204030204" pitchFamily="49" charset="0"/>
+              </a:rPr>
+              <a:t>print</a:t>
+            </a:r>
+            <a:r>
+              <a:rPr lang="en-US" dirty="0">
+                <a:solidFill>
+                  <a:srgbClr val="D4D4D4"/>
+                </a:solidFill>
+                <a:latin typeface="Consolas" panose="020B0609020204030204" pitchFamily="49" charset="0"/>
+              </a:rPr>
+              <a:t>(</a:t>
+            </a:r>
+            <a:r>
+              <a:rPr lang="en-US" dirty="0">
+                <a:solidFill>
+                  <a:srgbClr val="CE9178"/>
+                </a:solidFill>
+                <a:latin typeface="Consolas" panose="020B0609020204030204" pitchFamily="49" charset="0"/>
+              </a:rPr>
+              <a:t>"Applicant qualifies."</a:t>
+            </a:r>
+            <a:r>
+              <a:rPr lang="en-US" dirty="0">
+                <a:solidFill>
+                  <a:srgbClr val="D4D4D4"/>
+                </a:solidFill>
+                <a:latin typeface="Consolas" panose="020B0609020204030204" pitchFamily="49" charset="0"/>
+              </a:rPr>
+              <a:t>)</a:t>
+            </a:r>
+          </a:p>
+          <a:p>
+            <a:pPr marL="0" indent="0">
+              <a:buNone/>
+            </a:pPr>
+            <a:r>
+              <a:rPr lang="en-US" dirty="0">
+                <a:solidFill>
+                  <a:srgbClr val="D4D4D4"/>
+                </a:solidFill>
+                <a:latin typeface="Consolas" panose="020B0609020204030204" pitchFamily="49" charset="0"/>
+              </a:rPr>
+              <a:t>    </a:t>
+            </a:r>
+            <a:r>
+              <a:rPr lang="en-US" dirty="0">
+                <a:solidFill>
+                  <a:srgbClr val="C586C0"/>
+                </a:solidFill>
+                <a:latin typeface="Consolas" panose="020B0609020204030204" pitchFamily="49" charset="0"/>
+              </a:rPr>
+              <a:t>else</a:t>
+            </a:r>
+            <a:r>
+              <a:rPr lang="en-US" dirty="0">
+                <a:solidFill>
+                  <a:srgbClr val="D4D4D4"/>
+                </a:solidFill>
+                <a:latin typeface="Consolas" panose="020B0609020204030204" pitchFamily="49" charset="0"/>
+              </a:rPr>
+              <a:t>:</a:t>
+            </a:r>
+          </a:p>
+          <a:p>
+            <a:pPr marL="0" indent="0">
+              <a:buNone/>
+            </a:pPr>
+            <a:r>
+              <a:rPr lang="en-US" dirty="0">
+                <a:solidFill>
+                  <a:srgbClr val="D4D4D4"/>
+                </a:solidFill>
+                <a:latin typeface="Consolas" panose="020B0609020204030204" pitchFamily="49" charset="0"/>
+              </a:rPr>
+              <a:t>        </a:t>
+            </a:r>
+            <a:r>
+              <a:rPr lang="en-US" dirty="0">
+                <a:solidFill>
+                  <a:srgbClr val="DCDCAA"/>
+                </a:solidFill>
+                <a:latin typeface="Consolas" panose="020B0609020204030204" pitchFamily="49" charset="0"/>
+              </a:rPr>
+              <a:t>print</a:t>
+            </a:r>
+            <a:r>
+              <a:rPr lang="en-US" dirty="0">
+                <a:solidFill>
+                  <a:srgbClr val="D4D4D4"/>
+                </a:solidFill>
+                <a:latin typeface="Consolas" panose="020B0609020204030204" pitchFamily="49" charset="0"/>
+              </a:rPr>
+              <a:t>(</a:t>
+            </a:r>
+            <a:r>
+              <a:rPr lang="en-US" dirty="0">
+                <a:solidFill>
+                  <a:srgbClr val="CE9178"/>
+                </a:solidFill>
+                <a:latin typeface="Consolas" panose="020B0609020204030204" pitchFamily="49" charset="0"/>
+              </a:rPr>
+              <a:t>"Application does not qualify"</a:t>
+            </a:r>
+            <a:r>
+              <a:rPr lang="en-US" dirty="0">
+                <a:solidFill>
+                  <a:srgbClr val="D4D4D4"/>
+                </a:solidFill>
+                <a:latin typeface="Consolas" panose="020B0609020204030204" pitchFamily="49" charset="0"/>
+              </a:rPr>
+              <a:t>)</a:t>
+            </a:r>
+          </a:p>
+          <a:p>
+            <a:pPr marL="0" indent="0">
+              <a:buNone/>
+            </a:pPr>
+            <a:endParaRPr lang="en-US" dirty="0"/>
+          </a:p>
+        </p:txBody>
+      </p:sp>
+    </p:spTree>
+    <p:extLst>
+      <p:ext uri="{BB962C8B-B14F-4D97-AF65-F5344CB8AC3E}">
+        <p14:creationId xmlns:p14="http://schemas.microsoft.com/office/powerpoint/2010/main" val="552883427"/>
+      </p:ext>
+    </p:extLst>
+  </p:cSld>
+  <p:clrMapOvr>
+    <a:masterClrMapping/>
+  </p:clrMapOvr>
+</p:sld>
+</file>
+
+<file path=ppt/slides/slide15.xml><?xml version="1.0" encoding="utf-8"?>
+<p:sld xmlns:a="http://schemas.openxmlformats.org/drawingml/2006/main" xmlns:r="http://schemas.openxmlformats.org/officeDocument/2006/relationships" xmlns:p="http://schemas.openxmlformats.org/presentationml/2006/main">
+  <p:cSld>
+    <p:spTree>
+      <p:nvGrpSpPr>
+        <p:cNvPr id="1" name=""/>
+        <p:cNvGrpSpPr/>
+        <p:nvPr/>
+      </p:nvGrpSpPr>
+      <p:grpSpPr>
+        <a:xfrm>
+          <a:off x="0" y="0"/>
+          <a:ext cx="0" cy="0"/>
+          <a:chOff x="0" y="0"/>
+          <a:chExt cx="0" cy="0"/>
+        </a:xfrm>
+      </p:grpSpPr>
+      <p:sp>
+        <p:nvSpPr>
+          <p:cNvPr id="2" name="Title 1"/>
+          <p:cNvSpPr>
+            <a:spLocks noGrp="1"/>
+          </p:cNvSpPr>
+          <p:nvPr>
+            <p:ph type="title"/>
+          </p:nvPr>
+        </p:nvSpPr>
+        <p:spPr/>
+        <p:txBody>
+          <a:bodyPr/>
+          <a:lstStyle/>
+          <a:p>
+            <a:r>
+              <a:rPr lang="en-US" dirty="0" smtClean="0"/>
+              <a:t>Work through practice – Can you do it</a:t>
+            </a:r>
+            <a:r>
+              <a:rPr lang="en-US" dirty="0" smtClean="0"/>
+              <a:t>? With nested if </a:t>
+            </a:r>
+            <a:endParaRPr lang="en-US" dirty="0"/>
+          </a:p>
+        </p:txBody>
+      </p:sp>
+      <p:sp>
+        <p:nvSpPr>
+          <p:cNvPr id="3" name="Content Placeholder 2"/>
+          <p:cNvSpPr>
+            <a:spLocks noGrp="1"/>
+          </p:cNvSpPr>
+          <p:nvPr>
+            <p:ph idx="1"/>
+          </p:nvPr>
+        </p:nvSpPr>
+        <p:spPr/>
+        <p:txBody>
+          <a:bodyPr/>
+          <a:lstStyle/>
+          <a:p>
+            <a:r>
+              <a:rPr lang="en-US" dirty="0"/>
+              <a:t>A </a:t>
+            </a:r>
+            <a:r>
+              <a:rPr lang="en-US" dirty="0" smtClean="0"/>
+              <a:t>teacher </a:t>
+            </a:r>
+            <a:r>
+              <a:rPr lang="en-US" dirty="0"/>
+              <a:t>qualifies for </a:t>
+            </a:r>
+            <a:r>
+              <a:rPr lang="en-US" dirty="0" smtClean="0"/>
+              <a:t>salary adjustment </a:t>
+            </a:r>
+            <a:r>
+              <a:rPr lang="en-US" dirty="0"/>
+              <a:t>if:</a:t>
+            </a:r>
+          </a:p>
+          <a:p>
+            <a:pPr lvl="1"/>
+            <a:r>
+              <a:rPr lang="en-US" dirty="0"/>
+              <a:t>Earns </a:t>
+            </a:r>
+            <a:r>
+              <a:rPr lang="en-US" dirty="0" smtClean="0"/>
+              <a:t>less than  40000 </a:t>
+            </a:r>
+            <a:r>
+              <a:rPr lang="en-US" dirty="0"/>
+              <a:t>&amp; on the job more than </a:t>
+            </a:r>
+            <a:r>
+              <a:rPr lang="en-US" dirty="0" smtClean="0"/>
+              <a:t>5 </a:t>
+            </a:r>
+            <a:r>
+              <a:rPr lang="en-US" dirty="0"/>
+              <a:t>years</a:t>
+            </a:r>
+          </a:p>
+          <a:p>
+            <a:pPr lvl="1"/>
+            <a:r>
+              <a:rPr lang="en-US" dirty="0" smtClean="0"/>
+              <a:t>Earns less than  60000 &amp;  </a:t>
+            </a:r>
+            <a:r>
+              <a:rPr lang="en-US" dirty="0"/>
+              <a:t>on the job more than </a:t>
+            </a:r>
+            <a:r>
+              <a:rPr lang="en-US" dirty="0" smtClean="0"/>
+              <a:t>25 years</a:t>
+            </a:r>
+          </a:p>
+          <a:p>
+            <a:r>
+              <a:rPr lang="en-US" dirty="0" smtClean="0"/>
+              <a:t>No salary adjustment for any teacher with salary more than 70000</a:t>
+            </a:r>
+            <a:endParaRPr lang="en-US" dirty="0"/>
+          </a:p>
+          <a:p>
+            <a:endParaRPr lang="en-US" dirty="0"/>
+          </a:p>
+        </p:txBody>
+      </p:sp>
+    </p:spTree>
+    <p:extLst>
+      <p:ext uri="{BB962C8B-B14F-4D97-AF65-F5344CB8AC3E}">
+        <p14:creationId xmlns:p14="http://schemas.microsoft.com/office/powerpoint/2010/main" val="701680252"/>
+      </p:ext>
+    </p:extLst>
+  </p:cSld>
+  <p:clrMapOvr>
+    <a:masterClrMapping/>
+  </p:clrMapOvr>
+</p:sld>
+</file>
+
+<file path=ppt/slides/slide16.xml><?xml version="1.0" encoding="utf-8"?>
+<p:sld xmlns:a="http://schemas.openxmlformats.org/drawingml/2006/main" xmlns:r="http://schemas.openxmlformats.org/officeDocument/2006/relationships" xmlns:p="http://schemas.openxmlformats.org/presentationml/2006/main">
+  <p:cSld>
+    <p:spTree>
+      <p:nvGrpSpPr>
+        <p:cNvPr id="1" name=""/>
+        <p:cNvGrpSpPr/>
+        <p:nvPr/>
+      </p:nvGrpSpPr>
+      <p:grpSpPr>
+        <a:xfrm>
+          <a:off x="0" y="0"/>
+          <a:ext cx="0" cy="0"/>
+          <a:chOff x="0" y="0"/>
+          <a:chExt cx="0" cy="0"/>
+        </a:xfrm>
+      </p:grpSpPr>
+      <p:sp>
+        <p:nvSpPr>
+          <p:cNvPr id="2" name="Title 1"/>
+          <p:cNvSpPr>
+            <a:spLocks noGrp="1"/>
+          </p:cNvSpPr>
+          <p:nvPr>
+            <p:ph type="title"/>
+          </p:nvPr>
+        </p:nvSpPr>
+        <p:spPr/>
+        <p:txBody>
+          <a:bodyPr/>
+          <a:lstStyle/>
+          <a:p>
+            <a:r>
+              <a:rPr lang="en-US" dirty="0" smtClean="0"/>
               <a:t>Logical Operator</a:t>
             </a:r>
             <a:endParaRPr lang="en-US" dirty="0"/>
@@ -7984,7 +8973,7 @@
 </p:sld>
 </file>
 
-<file path=ppt/slides/slide13.xml><?xml version="1.0" encoding="utf-8"?>
+<file path=ppt/slides/slide17.xml><?xml version="1.0" encoding="utf-8"?>
 <p:sld xmlns:a="http://schemas.openxmlformats.org/drawingml/2006/main" xmlns:r="http://schemas.openxmlformats.org/officeDocument/2006/relationships" xmlns:p="http://schemas.openxmlformats.org/presentationml/2006/main">
   <p:cSld>
     <p:spTree>
@@ -8622,7 +9611,7 @@
 </p:sld>
 </file>
 
-<file path=ppt/slides/slide14.xml><?xml version="1.0" encoding="utf-8"?>
+<file path=ppt/slides/slide18.xml><?xml version="1.0" encoding="utf-8"?>
 <p:sld xmlns:a="http://schemas.openxmlformats.org/drawingml/2006/main" xmlns:r="http://schemas.openxmlformats.org/officeDocument/2006/relationships" xmlns:p="http://schemas.openxmlformats.org/presentationml/2006/main">
   <p:cSld>
     <p:spTree>
@@ -9263,7 +10252,7 @@
 </p:sld>
 </file>
 
-<file path=ppt/slides/slide15.xml><?xml version="1.0" encoding="utf-8"?>
+<file path=ppt/slides/slide19.xml><?xml version="1.0" encoding="utf-8"?>
 <p:sld xmlns:a="http://schemas.openxmlformats.org/drawingml/2006/main" xmlns:r="http://schemas.openxmlformats.org/officeDocument/2006/relationships" xmlns:p="http://schemas.openxmlformats.org/presentationml/2006/main">
   <p:cSld>
     <p:spTree>
@@ -9430,7 +10419,7 @@
                 </a:solidFill>
               </a:rPr>
               <a:pPr eaLnBrk="1" hangingPunct="1"/>
-              <a:t>15</a:t>
+              <a:t>19</a:t>
             </a:fld>
             <a:endParaRPr lang="en-CA" altLang="en-US" sz="1400">
               <a:solidFill>
@@ -10012,938 +11001,6 @@
       <p:transition spd="slow"/>
     </mc:Fallback>
   </mc:AlternateContent>
-</p:sld>
-</file>
-
-<file path=ppt/slides/slide16.xml><?xml version="1.0" encoding="utf-8"?>
-<p:sld xmlns:a="http://schemas.openxmlformats.org/drawingml/2006/main" xmlns:r="http://schemas.openxmlformats.org/officeDocument/2006/relationships" xmlns:p="http://schemas.openxmlformats.org/presentationml/2006/main">
-  <p:cSld>
-    <p:spTree>
-      <p:nvGrpSpPr>
-        <p:cNvPr id="1" name=""/>
-        <p:cNvGrpSpPr/>
-        <p:nvPr/>
-      </p:nvGrpSpPr>
-      <p:grpSpPr>
-        <a:xfrm>
-          <a:off x="0" y="0"/>
-          <a:ext cx="0" cy="0"/>
-          <a:chOff x="0" y="0"/>
-          <a:chExt cx="0" cy="0"/>
-        </a:xfrm>
-      </p:grpSpPr>
-      <p:sp>
-        <p:nvSpPr>
-          <p:cNvPr id="44034" name="Slide Number Placeholder 3"/>
-          <p:cNvSpPr>
-            <a:spLocks noGrp="1"/>
-          </p:cNvSpPr>
-          <p:nvPr>
-            <p:ph type="sldNum" sz="quarter" idx="10"/>
-          </p:nvPr>
-        </p:nvSpPr>
-        <p:spPr>
-          <a:noFill/>
-          <a:ln/>
-          <a:extLst>
-            <a:ext uri="{909E8E84-426E-40DD-AFC4-6F175D3DCCD1}">
-              <a14:hiddenFill xmlns:a14="http://schemas.microsoft.com/office/drawing/2010/main">
-                <a:solidFill>
-                  <a:srgbClr val="FFFFFF"/>
-                </a:solidFill>
-              </a14:hiddenFill>
-            </a:ext>
-            <a:ext uri="{91240B29-F687-4F45-9708-019B960494DF}">
-              <a14:hiddenLine xmlns:a14="http://schemas.microsoft.com/office/drawing/2010/main" w="9525">
-                <a:solidFill>
-                  <a:srgbClr val="000000"/>
-                </a:solidFill>
-                <a:miter lim="800000"/>
-                <a:headEnd/>
-                <a:tailEnd/>
-              </a14:hiddenLine>
-            </a:ext>
-          </a:extLst>
-        </p:spPr>
-        <p:txBody>
-          <a:bodyPr/>
-          <a:lstStyle>
-            <a:lvl1pPr eaLnBrk="0" hangingPunct="0">
-              <a:defRPr sz="2400">
-                <a:solidFill>
-                  <a:schemeClr val="tx1"/>
-                </a:solidFill>
-                <a:latin typeface="Arial" panose="020B0604020202020204" pitchFamily="34" charset="0"/>
-              </a:defRPr>
-            </a:lvl1pPr>
-            <a:lvl2pPr marL="742950" indent="-285750" eaLnBrk="0" hangingPunct="0">
-              <a:defRPr sz="2400">
-                <a:solidFill>
-                  <a:schemeClr val="tx1"/>
-                </a:solidFill>
-                <a:latin typeface="Arial" panose="020B0604020202020204" pitchFamily="34" charset="0"/>
-              </a:defRPr>
-            </a:lvl2pPr>
-            <a:lvl3pPr marL="1143000" indent="-228600" eaLnBrk="0" hangingPunct="0">
-              <a:defRPr sz="2400">
-                <a:solidFill>
-                  <a:schemeClr val="tx1"/>
-                </a:solidFill>
-                <a:latin typeface="Arial" panose="020B0604020202020204" pitchFamily="34" charset="0"/>
-              </a:defRPr>
-            </a:lvl3pPr>
-            <a:lvl4pPr marL="1600200" indent="-228600" eaLnBrk="0" hangingPunct="0">
-              <a:defRPr sz="2400">
-                <a:solidFill>
-                  <a:schemeClr val="tx1"/>
-                </a:solidFill>
-                <a:latin typeface="Arial" panose="020B0604020202020204" pitchFamily="34" charset="0"/>
-              </a:defRPr>
-            </a:lvl4pPr>
-            <a:lvl5pPr marL="2057400" indent="-228600" eaLnBrk="0" hangingPunct="0">
-              <a:defRPr sz="2400">
-                <a:solidFill>
-                  <a:schemeClr val="tx1"/>
-                </a:solidFill>
-                <a:latin typeface="Arial" panose="020B0604020202020204" pitchFamily="34" charset="0"/>
-              </a:defRPr>
-            </a:lvl5pPr>
-            <a:lvl6pPr marL="2514600" indent="-228600" eaLnBrk="0" fontAlgn="base" hangingPunct="0">
-              <a:spcBef>
-                <a:spcPct val="0"/>
-              </a:spcBef>
-              <a:spcAft>
-                <a:spcPct val="0"/>
-              </a:spcAft>
-              <a:defRPr sz="2400">
-                <a:solidFill>
-                  <a:schemeClr val="tx1"/>
-                </a:solidFill>
-                <a:latin typeface="Arial" panose="020B0604020202020204" pitchFamily="34" charset="0"/>
-              </a:defRPr>
-            </a:lvl6pPr>
-            <a:lvl7pPr marL="2971800" indent="-228600" eaLnBrk="0" fontAlgn="base" hangingPunct="0">
-              <a:spcBef>
-                <a:spcPct val="0"/>
-              </a:spcBef>
-              <a:spcAft>
-                <a:spcPct val="0"/>
-              </a:spcAft>
-              <a:defRPr sz="2400">
-                <a:solidFill>
-                  <a:schemeClr val="tx1"/>
-                </a:solidFill>
-                <a:latin typeface="Arial" panose="020B0604020202020204" pitchFamily="34" charset="0"/>
-              </a:defRPr>
-            </a:lvl7pPr>
-            <a:lvl8pPr marL="3429000" indent="-228600" eaLnBrk="0" fontAlgn="base" hangingPunct="0">
-              <a:spcBef>
-                <a:spcPct val="0"/>
-              </a:spcBef>
-              <a:spcAft>
-                <a:spcPct val="0"/>
-              </a:spcAft>
-              <a:defRPr sz="2400">
-                <a:solidFill>
-                  <a:schemeClr val="tx1"/>
-                </a:solidFill>
-                <a:latin typeface="Arial" panose="020B0604020202020204" pitchFamily="34" charset="0"/>
-              </a:defRPr>
-            </a:lvl8pPr>
-            <a:lvl9pPr marL="3886200" indent="-228600" eaLnBrk="0" fontAlgn="base" hangingPunct="0">
-              <a:spcBef>
-                <a:spcPct val="0"/>
-              </a:spcBef>
-              <a:spcAft>
-                <a:spcPct val="0"/>
-              </a:spcAft>
-              <a:defRPr sz="2400">
-                <a:solidFill>
-                  <a:schemeClr val="tx1"/>
-                </a:solidFill>
-                <a:latin typeface="Arial" panose="020B0604020202020204" pitchFamily="34" charset="0"/>
-              </a:defRPr>
-            </a:lvl9pPr>
-          </a:lstStyle>
-          <a:p>
-            <a:pPr eaLnBrk="1" hangingPunct="1"/>
-            <a:r>
-              <a:rPr lang="en-US" altLang="en-US" sz="1400">
-                <a:solidFill>
-                  <a:srgbClr val="CC0000"/>
-                </a:solidFill>
-              </a:rPr>
-              <a:t>Slide 4- </a:t>
-            </a:r>
-            <a:fld id="{8CF26D0B-2B45-4C5C-AD8F-64C3EF074742}" type="slidenum">
-              <a:rPr lang="en-US" altLang="en-US" sz="1400">
-                <a:solidFill>
-                  <a:srgbClr val="CC0000"/>
-                </a:solidFill>
-              </a:rPr>
-              <a:pPr eaLnBrk="1" hangingPunct="1"/>
-              <a:t>16</a:t>
-            </a:fld>
-            <a:endParaRPr lang="en-CA" altLang="en-US" sz="1400">
-              <a:solidFill>
-                <a:srgbClr val="CC0000"/>
-              </a:solidFill>
-            </a:endParaRPr>
-          </a:p>
-        </p:txBody>
-      </p:sp>
-      <p:sp>
-        <p:nvSpPr>
-          <p:cNvPr id="44035" name="Rectangle 2"/>
-          <p:cNvSpPr>
-            <a:spLocks noGrp="1" noChangeArrowheads="1"/>
-          </p:cNvSpPr>
-          <p:nvPr>
-            <p:ph type="title"/>
-          </p:nvPr>
-        </p:nvSpPr>
-        <p:spPr/>
-        <p:txBody>
-          <a:bodyPr/>
-          <a:lstStyle/>
-          <a:p>
-            <a:pPr eaLnBrk="1" hangingPunct="1"/>
-            <a:r>
-              <a:rPr lang="en-US" altLang="en-US" dirty="0" smtClean="0"/>
-              <a:t>Checking Numerical Ranges</a:t>
-            </a:r>
-          </a:p>
-        </p:txBody>
-      </p:sp>
-      <p:sp>
-        <p:nvSpPr>
-          <p:cNvPr id="44036" name="Rectangle 3"/>
-          <p:cNvSpPr>
-            <a:spLocks noGrp="1" noChangeArrowheads="1"/>
-          </p:cNvSpPr>
-          <p:nvPr>
-            <p:ph type="body" idx="1"/>
-          </p:nvPr>
-        </p:nvSpPr>
-        <p:spPr>
-          <a:xfrm>
-            <a:off x="2057400" y="1219200"/>
-            <a:ext cx="8305800" cy="5029200"/>
-          </a:xfrm>
-        </p:spPr>
-        <p:txBody>
-          <a:bodyPr/>
-          <a:lstStyle/>
-          <a:p>
-            <a:pPr eaLnBrk="1" hangingPunct="1"/>
-            <a:endParaRPr lang="en-US" altLang="en-US" dirty="0" smtClean="0"/>
-          </a:p>
-          <a:p>
-            <a:pPr eaLnBrk="1" hangingPunct="1"/>
-            <a:r>
-              <a:rPr lang="en-US" altLang="en-US" dirty="0" smtClean="0"/>
-              <a:t>Checking for a value inside a range uses </a:t>
-            </a:r>
-            <a:r>
-              <a:rPr lang="en-US" altLang="en-US" i="1" dirty="0" smtClean="0"/>
-              <a:t>And</a:t>
-            </a:r>
-            <a:r>
-              <a:rPr lang="en-US" altLang="en-US" dirty="0" smtClean="0"/>
-              <a:t/>
-            </a:r>
-            <a:br>
-              <a:rPr lang="en-US" altLang="en-US" dirty="0" smtClean="0"/>
-            </a:br>
-            <a:r>
-              <a:rPr lang="en-US" altLang="en-US" dirty="0" smtClean="0"/>
-              <a:t/>
-            </a:r>
-            <a:br>
-              <a:rPr lang="en-US" altLang="en-US" dirty="0" smtClean="0"/>
-            </a:br>
-            <a:r>
-              <a:rPr lang="en-US" altLang="en-US" dirty="0" smtClean="0"/>
-              <a:t/>
-            </a:r>
-            <a:br>
-              <a:rPr lang="en-US" altLang="en-US" dirty="0" smtClean="0"/>
-            </a:br>
-            <a:endParaRPr lang="en-US" altLang="en-US" dirty="0" smtClean="0"/>
-          </a:p>
-          <a:p>
-            <a:pPr eaLnBrk="1" hangingPunct="1"/>
-            <a:r>
-              <a:rPr lang="en-US" altLang="en-US" dirty="0" smtClean="0"/>
-              <a:t>Checking for a value outside a range uses </a:t>
-            </a:r>
-            <a:r>
-              <a:rPr lang="en-US" altLang="en-US" i="1" dirty="0" smtClean="0"/>
-              <a:t>Or</a:t>
-            </a:r>
-            <a:endParaRPr lang="en-US" altLang="en-US" dirty="0" smtClean="0"/>
-          </a:p>
-        </p:txBody>
-      </p:sp>
-      <p:sp>
-        <p:nvSpPr>
-          <p:cNvPr id="44037" name="Text Box 4"/>
-          <p:cNvSpPr txBox="1">
-            <a:spLocks noChangeArrowheads="1"/>
-          </p:cNvSpPr>
-          <p:nvPr/>
-        </p:nvSpPr>
-        <p:spPr bwMode="auto">
-          <a:xfrm>
-            <a:off x="1905001" y="2438400"/>
-            <a:ext cx="8579593" cy="830997"/>
-          </a:xfrm>
-          <a:prstGeom prst="rect">
-            <a:avLst/>
-          </a:prstGeom>
-          <a:noFill/>
-          <a:ln>
-            <a:noFill/>
-          </a:ln>
-          <a:extLst>
-            <a:ext uri="{909E8E84-426E-40DD-AFC4-6F175D3DCCD1}">
-              <a14:hiddenFill xmlns:a14="http://schemas.microsoft.com/office/drawing/2010/main">
-                <a:solidFill>
-                  <a:srgbClr val="FFFFFF"/>
-                </a:solidFill>
-              </a14:hiddenFill>
-            </a:ext>
-            <a:ext uri="{91240B29-F687-4F45-9708-019B960494DF}">
-              <a14:hiddenLine xmlns:a14="http://schemas.microsoft.com/office/drawing/2010/main" w="9525">
-                <a:solidFill>
-                  <a:srgbClr val="000000"/>
-                </a:solidFill>
-                <a:miter lim="800000"/>
-                <a:headEnd/>
-                <a:tailEnd/>
-              </a14:hiddenLine>
-            </a:ext>
-          </a:extLst>
-        </p:spPr>
-        <p:txBody>
-          <a:bodyPr wrap="none">
-            <a:spAutoFit/>
-          </a:bodyPr>
-          <a:lstStyle>
-            <a:lvl1pPr eaLnBrk="0" hangingPunct="0">
-              <a:tabLst>
-                <a:tab pos="463550" algn="l"/>
-              </a:tabLst>
-              <a:defRPr sz="2400">
-                <a:solidFill>
-                  <a:schemeClr val="tx1"/>
-                </a:solidFill>
-                <a:latin typeface="Arial" panose="020B0604020202020204" pitchFamily="34" charset="0"/>
-              </a:defRPr>
-            </a:lvl1pPr>
-            <a:lvl2pPr marL="742950" indent="-285750" eaLnBrk="0" hangingPunct="0">
-              <a:tabLst>
-                <a:tab pos="463550" algn="l"/>
-              </a:tabLst>
-              <a:defRPr sz="2400">
-                <a:solidFill>
-                  <a:schemeClr val="tx1"/>
-                </a:solidFill>
-                <a:latin typeface="Arial" panose="020B0604020202020204" pitchFamily="34" charset="0"/>
-              </a:defRPr>
-            </a:lvl2pPr>
-            <a:lvl3pPr marL="1143000" indent="-228600" eaLnBrk="0" hangingPunct="0">
-              <a:tabLst>
-                <a:tab pos="463550" algn="l"/>
-              </a:tabLst>
-              <a:defRPr sz="2400">
-                <a:solidFill>
-                  <a:schemeClr val="tx1"/>
-                </a:solidFill>
-                <a:latin typeface="Arial" panose="020B0604020202020204" pitchFamily="34" charset="0"/>
-              </a:defRPr>
-            </a:lvl3pPr>
-            <a:lvl4pPr marL="1600200" indent="-228600" eaLnBrk="0" hangingPunct="0">
-              <a:tabLst>
-                <a:tab pos="463550" algn="l"/>
-              </a:tabLst>
-              <a:defRPr sz="2400">
-                <a:solidFill>
-                  <a:schemeClr val="tx1"/>
-                </a:solidFill>
-                <a:latin typeface="Arial" panose="020B0604020202020204" pitchFamily="34" charset="0"/>
-              </a:defRPr>
-            </a:lvl4pPr>
-            <a:lvl5pPr marL="2057400" indent="-228600" eaLnBrk="0" hangingPunct="0">
-              <a:tabLst>
-                <a:tab pos="463550" algn="l"/>
-              </a:tabLst>
-              <a:defRPr sz="2400">
-                <a:solidFill>
-                  <a:schemeClr val="tx1"/>
-                </a:solidFill>
-                <a:latin typeface="Arial" panose="020B0604020202020204" pitchFamily="34" charset="0"/>
-              </a:defRPr>
-            </a:lvl5pPr>
-            <a:lvl6pPr marL="2514600" indent="-228600" eaLnBrk="0" fontAlgn="base" hangingPunct="0">
-              <a:spcBef>
-                <a:spcPct val="0"/>
-              </a:spcBef>
-              <a:spcAft>
-                <a:spcPct val="0"/>
-              </a:spcAft>
-              <a:tabLst>
-                <a:tab pos="463550" algn="l"/>
-              </a:tabLst>
-              <a:defRPr sz="2400">
-                <a:solidFill>
-                  <a:schemeClr val="tx1"/>
-                </a:solidFill>
-                <a:latin typeface="Arial" panose="020B0604020202020204" pitchFamily="34" charset="0"/>
-              </a:defRPr>
-            </a:lvl6pPr>
-            <a:lvl7pPr marL="2971800" indent="-228600" eaLnBrk="0" fontAlgn="base" hangingPunct="0">
-              <a:spcBef>
-                <a:spcPct val="0"/>
-              </a:spcBef>
-              <a:spcAft>
-                <a:spcPct val="0"/>
-              </a:spcAft>
-              <a:tabLst>
-                <a:tab pos="463550" algn="l"/>
-              </a:tabLst>
-              <a:defRPr sz="2400">
-                <a:solidFill>
-                  <a:schemeClr val="tx1"/>
-                </a:solidFill>
-                <a:latin typeface="Arial" panose="020B0604020202020204" pitchFamily="34" charset="0"/>
-              </a:defRPr>
-            </a:lvl7pPr>
-            <a:lvl8pPr marL="3429000" indent="-228600" eaLnBrk="0" fontAlgn="base" hangingPunct="0">
-              <a:spcBef>
-                <a:spcPct val="0"/>
-              </a:spcBef>
-              <a:spcAft>
-                <a:spcPct val="0"/>
-              </a:spcAft>
-              <a:tabLst>
-                <a:tab pos="463550" algn="l"/>
-              </a:tabLst>
-              <a:defRPr sz="2400">
-                <a:solidFill>
-                  <a:schemeClr val="tx1"/>
-                </a:solidFill>
-                <a:latin typeface="Arial" panose="020B0604020202020204" pitchFamily="34" charset="0"/>
-              </a:defRPr>
-            </a:lvl8pPr>
-            <a:lvl9pPr marL="3886200" indent="-228600" eaLnBrk="0" fontAlgn="base" hangingPunct="0">
-              <a:spcBef>
-                <a:spcPct val="0"/>
-              </a:spcBef>
-              <a:spcAft>
-                <a:spcPct val="0"/>
-              </a:spcAft>
-              <a:tabLst>
-                <a:tab pos="463550" algn="l"/>
-              </a:tabLst>
-              <a:defRPr sz="2400">
-                <a:solidFill>
-                  <a:schemeClr val="tx1"/>
-                </a:solidFill>
-                <a:latin typeface="Arial" panose="020B0604020202020204" pitchFamily="34" charset="0"/>
-              </a:defRPr>
-            </a:lvl9pPr>
-          </a:lstStyle>
-          <a:p>
-            <a:r>
-              <a:rPr lang="en-US" altLang="en-US" b="1" dirty="0" smtClean="0">
-                <a:latin typeface="Courier New" panose="02070309020205020404" pitchFamily="49" charset="0"/>
-              </a:rPr>
-              <a:t>if </a:t>
-            </a:r>
-            <a:r>
-              <a:rPr lang="en-US" altLang="en-US" b="1" dirty="0">
-                <a:latin typeface="Courier New" panose="02070309020205020404" pitchFamily="49" charset="0"/>
-              </a:rPr>
-              <a:t>x &gt;= 20 </a:t>
-            </a:r>
-            <a:r>
-              <a:rPr lang="en-US" altLang="en-US" b="1" dirty="0" smtClean="0">
-                <a:latin typeface="Courier New" panose="02070309020205020404" pitchFamily="49" charset="0"/>
-              </a:rPr>
-              <a:t>and </a:t>
-            </a:r>
-            <a:r>
-              <a:rPr lang="en-US" altLang="en-US" b="1" dirty="0">
-                <a:latin typeface="Courier New" panose="02070309020205020404" pitchFamily="49" charset="0"/>
-              </a:rPr>
-              <a:t>x &lt;= </a:t>
-            </a:r>
-            <a:r>
-              <a:rPr lang="en-US" altLang="en-US" b="1" dirty="0" smtClean="0">
-                <a:latin typeface="Courier New" panose="02070309020205020404" pitchFamily="49" charset="0"/>
-              </a:rPr>
-              <a:t>40:</a:t>
-            </a:r>
-            <a:endParaRPr lang="en-US" altLang="en-US" b="1" dirty="0">
-              <a:latin typeface="Courier New" panose="02070309020205020404" pitchFamily="49" charset="0"/>
-            </a:endParaRPr>
-          </a:p>
-          <a:p>
-            <a:r>
-              <a:rPr lang="en-US" altLang="en-US" b="1" dirty="0">
-                <a:latin typeface="Courier New" panose="02070309020205020404" pitchFamily="49" charset="0"/>
-              </a:rPr>
-              <a:t>	</a:t>
-            </a:r>
-            <a:r>
-              <a:rPr lang="en-US" altLang="en-US" b="1" dirty="0" smtClean="0">
-                <a:latin typeface="Courier New" panose="02070309020205020404" pitchFamily="49" charset="0"/>
-              </a:rPr>
-              <a:t> print(“Value </a:t>
-            </a:r>
-            <a:r>
-              <a:rPr lang="en-US" altLang="en-US" b="1" dirty="0">
-                <a:latin typeface="Courier New" panose="02070309020205020404" pitchFamily="49" charset="0"/>
-              </a:rPr>
-              <a:t>is in the acceptable range</a:t>
-            </a:r>
-            <a:r>
-              <a:rPr lang="en-US" altLang="en-US" b="1" dirty="0" smtClean="0">
-                <a:latin typeface="Courier New" panose="02070309020205020404" pitchFamily="49" charset="0"/>
-              </a:rPr>
-              <a:t>.“)</a:t>
-            </a:r>
-            <a:endParaRPr lang="en-US" altLang="en-US" b="1" dirty="0">
-              <a:latin typeface="Courier New" panose="02070309020205020404" pitchFamily="49" charset="0"/>
-            </a:endParaRPr>
-          </a:p>
-        </p:txBody>
-      </p:sp>
-      <p:sp>
-        <p:nvSpPr>
-          <p:cNvPr id="44038" name="Text Box 5"/>
-          <p:cNvSpPr txBox="1">
-            <a:spLocks noChangeArrowheads="1"/>
-          </p:cNvSpPr>
-          <p:nvPr/>
-        </p:nvSpPr>
-        <p:spPr bwMode="auto">
-          <a:xfrm>
-            <a:off x="1905000" y="4267200"/>
-            <a:ext cx="9368270" cy="1200329"/>
-          </a:xfrm>
-          <a:prstGeom prst="rect">
-            <a:avLst/>
-          </a:prstGeom>
-          <a:noFill/>
-          <a:ln>
-            <a:noFill/>
-          </a:ln>
-          <a:extLst>
-            <a:ext uri="{909E8E84-426E-40DD-AFC4-6F175D3DCCD1}">
-              <a14:hiddenFill xmlns:a14="http://schemas.microsoft.com/office/drawing/2010/main">
-                <a:solidFill>
-                  <a:srgbClr val="FFFFFF"/>
-                </a:solidFill>
-              </a14:hiddenFill>
-            </a:ext>
-            <a:ext uri="{91240B29-F687-4F45-9708-019B960494DF}">
-              <a14:hiddenLine xmlns:a14="http://schemas.microsoft.com/office/drawing/2010/main" w="9525">
-                <a:solidFill>
-                  <a:srgbClr val="000000"/>
-                </a:solidFill>
-                <a:miter lim="800000"/>
-                <a:headEnd/>
-                <a:tailEnd/>
-              </a14:hiddenLine>
-            </a:ext>
-          </a:extLst>
-        </p:spPr>
-        <p:txBody>
-          <a:bodyPr wrap="none">
-            <a:spAutoFit/>
-          </a:bodyPr>
-          <a:lstStyle>
-            <a:lvl1pPr eaLnBrk="0" hangingPunct="0">
-              <a:tabLst>
-                <a:tab pos="514350" algn="l"/>
-              </a:tabLst>
-              <a:defRPr sz="2400">
-                <a:solidFill>
-                  <a:schemeClr val="tx1"/>
-                </a:solidFill>
-                <a:latin typeface="Arial" panose="020B0604020202020204" pitchFamily="34" charset="0"/>
-              </a:defRPr>
-            </a:lvl1pPr>
-            <a:lvl2pPr marL="742950" indent="-285750" eaLnBrk="0" hangingPunct="0">
-              <a:tabLst>
-                <a:tab pos="514350" algn="l"/>
-              </a:tabLst>
-              <a:defRPr sz="2400">
-                <a:solidFill>
-                  <a:schemeClr val="tx1"/>
-                </a:solidFill>
-                <a:latin typeface="Arial" panose="020B0604020202020204" pitchFamily="34" charset="0"/>
-              </a:defRPr>
-            </a:lvl2pPr>
-            <a:lvl3pPr marL="1143000" indent="-228600" eaLnBrk="0" hangingPunct="0">
-              <a:tabLst>
-                <a:tab pos="514350" algn="l"/>
-              </a:tabLst>
-              <a:defRPr sz="2400">
-                <a:solidFill>
-                  <a:schemeClr val="tx1"/>
-                </a:solidFill>
-                <a:latin typeface="Arial" panose="020B0604020202020204" pitchFamily="34" charset="0"/>
-              </a:defRPr>
-            </a:lvl3pPr>
-            <a:lvl4pPr marL="1600200" indent="-228600" eaLnBrk="0" hangingPunct="0">
-              <a:tabLst>
-                <a:tab pos="514350" algn="l"/>
-              </a:tabLst>
-              <a:defRPr sz="2400">
-                <a:solidFill>
-                  <a:schemeClr val="tx1"/>
-                </a:solidFill>
-                <a:latin typeface="Arial" panose="020B0604020202020204" pitchFamily="34" charset="0"/>
-              </a:defRPr>
-            </a:lvl4pPr>
-            <a:lvl5pPr marL="2057400" indent="-228600" eaLnBrk="0" hangingPunct="0">
-              <a:tabLst>
-                <a:tab pos="514350" algn="l"/>
-              </a:tabLst>
-              <a:defRPr sz="2400">
-                <a:solidFill>
-                  <a:schemeClr val="tx1"/>
-                </a:solidFill>
-                <a:latin typeface="Arial" panose="020B0604020202020204" pitchFamily="34" charset="0"/>
-              </a:defRPr>
-            </a:lvl5pPr>
-            <a:lvl6pPr marL="2514600" indent="-228600" eaLnBrk="0" fontAlgn="base" hangingPunct="0">
-              <a:spcBef>
-                <a:spcPct val="0"/>
-              </a:spcBef>
-              <a:spcAft>
-                <a:spcPct val="0"/>
-              </a:spcAft>
-              <a:tabLst>
-                <a:tab pos="514350" algn="l"/>
-              </a:tabLst>
-              <a:defRPr sz="2400">
-                <a:solidFill>
-                  <a:schemeClr val="tx1"/>
-                </a:solidFill>
-                <a:latin typeface="Arial" panose="020B0604020202020204" pitchFamily="34" charset="0"/>
-              </a:defRPr>
-            </a:lvl6pPr>
-            <a:lvl7pPr marL="2971800" indent="-228600" eaLnBrk="0" fontAlgn="base" hangingPunct="0">
-              <a:spcBef>
-                <a:spcPct val="0"/>
-              </a:spcBef>
-              <a:spcAft>
-                <a:spcPct val="0"/>
-              </a:spcAft>
-              <a:tabLst>
-                <a:tab pos="514350" algn="l"/>
-              </a:tabLst>
-              <a:defRPr sz="2400">
-                <a:solidFill>
-                  <a:schemeClr val="tx1"/>
-                </a:solidFill>
-                <a:latin typeface="Arial" panose="020B0604020202020204" pitchFamily="34" charset="0"/>
-              </a:defRPr>
-            </a:lvl7pPr>
-            <a:lvl8pPr marL="3429000" indent="-228600" eaLnBrk="0" fontAlgn="base" hangingPunct="0">
-              <a:spcBef>
-                <a:spcPct val="0"/>
-              </a:spcBef>
-              <a:spcAft>
-                <a:spcPct val="0"/>
-              </a:spcAft>
-              <a:tabLst>
-                <a:tab pos="514350" algn="l"/>
-              </a:tabLst>
-              <a:defRPr sz="2400">
-                <a:solidFill>
-                  <a:schemeClr val="tx1"/>
-                </a:solidFill>
-                <a:latin typeface="Arial" panose="020B0604020202020204" pitchFamily="34" charset="0"/>
-              </a:defRPr>
-            </a:lvl8pPr>
-            <a:lvl9pPr marL="3886200" indent="-228600" eaLnBrk="0" fontAlgn="base" hangingPunct="0">
-              <a:spcBef>
-                <a:spcPct val="0"/>
-              </a:spcBef>
-              <a:spcAft>
-                <a:spcPct val="0"/>
-              </a:spcAft>
-              <a:tabLst>
-                <a:tab pos="514350" algn="l"/>
-              </a:tabLst>
-              <a:defRPr sz="2400">
-                <a:solidFill>
-                  <a:schemeClr val="tx1"/>
-                </a:solidFill>
-                <a:latin typeface="Arial" panose="020B0604020202020204" pitchFamily="34" charset="0"/>
-              </a:defRPr>
-            </a:lvl9pPr>
-          </a:lstStyle>
-          <a:p>
-            <a:r>
-              <a:rPr lang="en-US" altLang="en-US" b="1" dirty="0" smtClean="0">
-                <a:latin typeface="Courier New" panose="02070309020205020404" pitchFamily="49" charset="0"/>
-              </a:rPr>
-              <a:t>if </a:t>
-            </a:r>
-            <a:r>
-              <a:rPr lang="en-US" altLang="en-US" b="1" dirty="0">
-                <a:latin typeface="Courier New" panose="02070309020205020404" pitchFamily="49" charset="0"/>
-              </a:rPr>
-              <a:t>x &lt; 20 </a:t>
-            </a:r>
-            <a:r>
-              <a:rPr lang="en-US" altLang="en-US" b="1" dirty="0" smtClean="0">
-                <a:latin typeface="Courier New" panose="02070309020205020404" pitchFamily="49" charset="0"/>
-              </a:rPr>
-              <a:t>or </a:t>
-            </a:r>
-            <a:r>
-              <a:rPr lang="en-US" altLang="en-US" b="1" dirty="0">
-                <a:latin typeface="Courier New" panose="02070309020205020404" pitchFamily="49" charset="0"/>
-              </a:rPr>
-              <a:t>x &gt; </a:t>
-            </a:r>
-            <a:r>
-              <a:rPr lang="en-US" altLang="en-US" b="1" dirty="0" smtClean="0">
-                <a:latin typeface="Courier New" panose="02070309020205020404" pitchFamily="49" charset="0"/>
-              </a:rPr>
-              <a:t>40:</a:t>
-            </a:r>
-            <a:endParaRPr lang="en-US" altLang="en-US" b="1" dirty="0">
-              <a:latin typeface="Courier New" panose="02070309020205020404" pitchFamily="49" charset="0"/>
-            </a:endParaRPr>
-          </a:p>
-          <a:p>
-            <a:r>
-              <a:rPr lang="en-US" altLang="en-US" b="1" dirty="0">
-                <a:latin typeface="Courier New" panose="02070309020205020404" pitchFamily="49" charset="0"/>
-              </a:rPr>
-              <a:t>	</a:t>
-            </a:r>
-            <a:r>
-              <a:rPr lang="en-US" altLang="en-US" b="1" dirty="0" smtClean="0">
-                <a:latin typeface="Courier New" panose="02070309020205020404" pitchFamily="49" charset="0"/>
-              </a:rPr>
-              <a:t>print(“Value </a:t>
-            </a:r>
-            <a:r>
-              <a:rPr lang="en-US" altLang="en-US" b="1" dirty="0">
-                <a:latin typeface="Courier New" panose="02070309020205020404" pitchFamily="49" charset="0"/>
-              </a:rPr>
-              <a:t>is outside the acceptable range</a:t>
-            </a:r>
-            <a:r>
-              <a:rPr lang="en-US" altLang="en-US" b="1" dirty="0" smtClean="0">
-                <a:latin typeface="Courier New" panose="02070309020205020404" pitchFamily="49" charset="0"/>
-              </a:rPr>
-              <a:t>.“)</a:t>
-            </a:r>
-            <a:endParaRPr lang="en-US" altLang="en-US" b="1" dirty="0">
-              <a:latin typeface="Courier New" panose="02070309020205020404" pitchFamily="49" charset="0"/>
-            </a:endParaRPr>
-          </a:p>
-          <a:p>
-            <a:endParaRPr lang="en-US" altLang="en-US" b="1" dirty="0">
-              <a:latin typeface="Courier New" panose="02070309020205020404" pitchFamily="49" charset="0"/>
-            </a:endParaRPr>
-          </a:p>
-        </p:txBody>
-      </p:sp>
-    </p:spTree>
-    <p:extLst>
-      <p:ext uri="{BB962C8B-B14F-4D97-AF65-F5344CB8AC3E}">
-        <p14:creationId xmlns:p14="http://schemas.microsoft.com/office/powerpoint/2010/main" val="3283053772"/>
-      </p:ext>
-    </p:extLst>
-  </p:cSld>
-  <p:clrMapOvr>
-    <a:masterClrMapping/>
-  </p:clrMapOvr>
-  <mc:AlternateContent xmlns:mc="http://schemas.openxmlformats.org/markup-compatibility/2006" xmlns:p14="http://schemas.microsoft.com/office/powerpoint/2010/main">
-    <mc:Choice Requires="p14">
-      <p:transition spd="slow" p14:dur="2000"/>
-    </mc:Choice>
-    <mc:Fallback xmlns="">
-      <p:transition spd="slow"/>
-    </mc:Fallback>
-  </mc:AlternateContent>
-</p:sld>
-</file>
-
-<file path=ppt/slides/slide17.xml><?xml version="1.0" encoding="utf-8"?>
-<p:sld xmlns:a="http://schemas.openxmlformats.org/drawingml/2006/main" xmlns:r="http://schemas.openxmlformats.org/officeDocument/2006/relationships" xmlns:p="http://schemas.openxmlformats.org/presentationml/2006/main">
-  <p:cSld>
-    <p:spTree>
-      <p:nvGrpSpPr>
-        <p:cNvPr id="1" name=""/>
-        <p:cNvGrpSpPr/>
-        <p:nvPr/>
-      </p:nvGrpSpPr>
-      <p:grpSpPr>
-        <a:xfrm>
-          <a:off x="0" y="0"/>
-          <a:ext cx="0" cy="0"/>
-          <a:chOff x="0" y="0"/>
-          <a:chExt cx="0" cy="0"/>
-        </a:xfrm>
-      </p:grpSpPr>
-      <p:sp>
-        <p:nvSpPr>
-          <p:cNvPr id="2" name="Title 1"/>
-          <p:cNvSpPr>
-            <a:spLocks noGrp="1"/>
-          </p:cNvSpPr>
-          <p:nvPr>
-            <p:ph type="title"/>
-          </p:nvPr>
-        </p:nvSpPr>
-        <p:spPr/>
-        <p:txBody>
-          <a:bodyPr/>
-          <a:lstStyle/>
-          <a:p>
-            <a:r>
-              <a:rPr lang="en-US" dirty="0" smtClean="0"/>
-              <a:t>Work Through Example – Rewrite using the logic operator</a:t>
-            </a:r>
-            <a:endParaRPr lang="en-US" dirty="0"/>
-          </a:p>
-        </p:txBody>
-      </p:sp>
-      <p:sp>
-        <p:nvSpPr>
-          <p:cNvPr id="3" name="Content Placeholder 2"/>
-          <p:cNvSpPr>
-            <a:spLocks noGrp="1"/>
-          </p:cNvSpPr>
-          <p:nvPr>
-            <p:ph idx="1"/>
-          </p:nvPr>
-        </p:nvSpPr>
-        <p:spPr/>
-        <p:txBody>
-          <a:bodyPr>
-            <a:normAutofit/>
-          </a:bodyPr>
-          <a:lstStyle/>
-          <a:p>
-            <a:r>
-              <a:rPr lang="en-US" dirty="0" smtClean="0"/>
-              <a:t>Change your BMI.py </a:t>
-            </a:r>
-          </a:p>
-          <a:p>
-            <a:pPr marL="0" indent="0">
-              <a:buNone/>
-            </a:pPr>
-            <a:r>
-              <a:rPr lang="en-US" dirty="0" smtClean="0"/>
-              <a:t>Calculate your BMI and display  the  a congratulation message “Great! Your are in the normal range”  </a:t>
-            </a:r>
-            <a:r>
-              <a:rPr lang="en-US" dirty="0"/>
-              <a:t>if  your BMI is 18.5 to </a:t>
-            </a:r>
-            <a:r>
-              <a:rPr lang="en-US" dirty="0" smtClean="0"/>
-              <a:t> 25</a:t>
-            </a:r>
-          </a:p>
-        </p:txBody>
-      </p:sp>
-    </p:spTree>
-    <p:extLst>
-      <p:ext uri="{BB962C8B-B14F-4D97-AF65-F5344CB8AC3E}">
-        <p14:creationId xmlns:p14="http://schemas.microsoft.com/office/powerpoint/2010/main" val="3356045585"/>
-      </p:ext>
-    </p:extLst>
-  </p:cSld>
-  <p:clrMapOvr>
-    <a:masterClrMapping/>
-  </p:clrMapOvr>
-</p:sld>
-</file>
-
-<file path=ppt/slides/slide18.xml><?xml version="1.0" encoding="utf-8"?>
-<p:sld xmlns:a="http://schemas.openxmlformats.org/drawingml/2006/main" xmlns:r="http://schemas.openxmlformats.org/officeDocument/2006/relationships" xmlns:p="http://schemas.openxmlformats.org/presentationml/2006/main">
-  <p:cSld>
-    <p:spTree>
-      <p:nvGrpSpPr>
-        <p:cNvPr id="1" name=""/>
-        <p:cNvGrpSpPr/>
-        <p:nvPr/>
-      </p:nvGrpSpPr>
-      <p:grpSpPr>
-        <a:xfrm>
-          <a:off x="0" y="0"/>
-          <a:ext cx="0" cy="0"/>
-          <a:chOff x="0" y="0"/>
-          <a:chExt cx="0" cy="0"/>
-        </a:xfrm>
-      </p:grpSpPr>
-      <p:sp>
-        <p:nvSpPr>
-          <p:cNvPr id="2" name="Title 1"/>
-          <p:cNvSpPr>
-            <a:spLocks noGrp="1"/>
-          </p:cNvSpPr>
-          <p:nvPr>
-            <p:ph type="title"/>
-          </p:nvPr>
-        </p:nvSpPr>
-        <p:spPr/>
-        <p:txBody>
-          <a:bodyPr/>
-          <a:lstStyle/>
-          <a:p>
-            <a:r>
-              <a:rPr lang="en-US" smtClean="0"/>
-              <a:t>Homework Assignment. </a:t>
-            </a:r>
-            <a:endParaRPr lang="en-US"/>
-          </a:p>
-        </p:txBody>
-      </p:sp>
-      <p:sp>
-        <p:nvSpPr>
-          <p:cNvPr id="3" name="Content Placeholder 2"/>
-          <p:cNvSpPr>
-            <a:spLocks noGrp="1"/>
-          </p:cNvSpPr>
-          <p:nvPr>
-            <p:ph idx="1"/>
-          </p:nvPr>
-        </p:nvSpPr>
-        <p:spPr/>
-        <p:txBody>
-          <a:bodyPr/>
-          <a:lstStyle/>
-          <a:p>
-            <a:endParaRPr lang="en-US"/>
-          </a:p>
-        </p:txBody>
-      </p:sp>
-    </p:spTree>
-    <p:extLst>
-      <p:ext uri="{BB962C8B-B14F-4D97-AF65-F5344CB8AC3E}">
-        <p14:creationId xmlns:p14="http://schemas.microsoft.com/office/powerpoint/2010/main" val="449419556"/>
-      </p:ext>
-    </p:extLst>
-  </p:cSld>
-  <p:clrMapOvr>
-    <a:masterClrMapping/>
-  </p:clrMapOvr>
 </p:sld>
 </file>
 
@@ -11058,6 +11115,2000 @@
     <p:extLst>
       <p:ext uri="{BB962C8B-B14F-4D97-AF65-F5344CB8AC3E}">
         <p14:creationId xmlns:p14="http://schemas.microsoft.com/office/powerpoint/2010/main" val="2886685240"/>
+      </p:ext>
+    </p:extLst>
+  </p:cSld>
+  <p:clrMapOvr>
+    <a:masterClrMapping/>
+  </p:clrMapOvr>
+</p:sld>
+</file>
+
+<file path=ppt/slides/slide20.xml><?xml version="1.0" encoding="utf-8"?>
+<p:sld xmlns:a="http://schemas.openxmlformats.org/drawingml/2006/main" xmlns:r="http://schemas.openxmlformats.org/officeDocument/2006/relationships" xmlns:p="http://schemas.openxmlformats.org/presentationml/2006/main">
+  <p:cSld>
+    <p:spTree>
+      <p:nvGrpSpPr>
+        <p:cNvPr id="1" name=""/>
+        <p:cNvGrpSpPr/>
+        <p:nvPr/>
+      </p:nvGrpSpPr>
+      <p:grpSpPr>
+        <a:xfrm>
+          <a:off x="0" y="0"/>
+          <a:ext cx="0" cy="0"/>
+          <a:chOff x="0" y="0"/>
+          <a:chExt cx="0" cy="0"/>
+        </a:xfrm>
+      </p:grpSpPr>
+      <p:sp>
+        <p:nvSpPr>
+          <p:cNvPr id="44034" name="Slide Number Placeholder 3"/>
+          <p:cNvSpPr>
+            <a:spLocks noGrp="1"/>
+          </p:cNvSpPr>
+          <p:nvPr>
+            <p:ph type="sldNum" sz="quarter" idx="10"/>
+          </p:nvPr>
+        </p:nvSpPr>
+        <p:spPr>
+          <a:noFill/>
+          <a:ln/>
+          <a:extLst>
+            <a:ext uri="{909E8E84-426E-40DD-AFC4-6F175D3DCCD1}">
+              <a14:hiddenFill xmlns:a14="http://schemas.microsoft.com/office/drawing/2010/main">
+                <a:solidFill>
+                  <a:srgbClr val="FFFFFF"/>
+                </a:solidFill>
+              </a14:hiddenFill>
+            </a:ext>
+            <a:ext uri="{91240B29-F687-4F45-9708-019B960494DF}">
+              <a14:hiddenLine xmlns:a14="http://schemas.microsoft.com/office/drawing/2010/main" w="9525">
+                <a:solidFill>
+                  <a:srgbClr val="000000"/>
+                </a:solidFill>
+                <a:miter lim="800000"/>
+                <a:headEnd/>
+                <a:tailEnd/>
+              </a14:hiddenLine>
+            </a:ext>
+          </a:extLst>
+        </p:spPr>
+        <p:txBody>
+          <a:bodyPr/>
+          <a:lstStyle>
+            <a:lvl1pPr eaLnBrk="0" hangingPunct="0">
+              <a:defRPr sz="2400">
+                <a:solidFill>
+                  <a:schemeClr val="tx1"/>
+                </a:solidFill>
+                <a:latin typeface="Arial" panose="020B0604020202020204" pitchFamily="34" charset="0"/>
+              </a:defRPr>
+            </a:lvl1pPr>
+            <a:lvl2pPr marL="742950" indent="-285750" eaLnBrk="0" hangingPunct="0">
+              <a:defRPr sz="2400">
+                <a:solidFill>
+                  <a:schemeClr val="tx1"/>
+                </a:solidFill>
+                <a:latin typeface="Arial" panose="020B0604020202020204" pitchFamily="34" charset="0"/>
+              </a:defRPr>
+            </a:lvl2pPr>
+            <a:lvl3pPr marL="1143000" indent="-228600" eaLnBrk="0" hangingPunct="0">
+              <a:defRPr sz="2400">
+                <a:solidFill>
+                  <a:schemeClr val="tx1"/>
+                </a:solidFill>
+                <a:latin typeface="Arial" panose="020B0604020202020204" pitchFamily="34" charset="0"/>
+              </a:defRPr>
+            </a:lvl3pPr>
+            <a:lvl4pPr marL="1600200" indent="-228600" eaLnBrk="0" hangingPunct="0">
+              <a:defRPr sz="2400">
+                <a:solidFill>
+                  <a:schemeClr val="tx1"/>
+                </a:solidFill>
+                <a:latin typeface="Arial" panose="020B0604020202020204" pitchFamily="34" charset="0"/>
+              </a:defRPr>
+            </a:lvl4pPr>
+            <a:lvl5pPr marL="2057400" indent="-228600" eaLnBrk="0" hangingPunct="0">
+              <a:defRPr sz="2400">
+                <a:solidFill>
+                  <a:schemeClr val="tx1"/>
+                </a:solidFill>
+                <a:latin typeface="Arial" panose="020B0604020202020204" pitchFamily="34" charset="0"/>
+              </a:defRPr>
+            </a:lvl5pPr>
+            <a:lvl6pPr marL="2514600" indent="-228600" eaLnBrk="0" fontAlgn="base" hangingPunct="0">
+              <a:spcBef>
+                <a:spcPct val="0"/>
+              </a:spcBef>
+              <a:spcAft>
+                <a:spcPct val="0"/>
+              </a:spcAft>
+              <a:defRPr sz="2400">
+                <a:solidFill>
+                  <a:schemeClr val="tx1"/>
+                </a:solidFill>
+                <a:latin typeface="Arial" panose="020B0604020202020204" pitchFamily="34" charset="0"/>
+              </a:defRPr>
+            </a:lvl6pPr>
+            <a:lvl7pPr marL="2971800" indent="-228600" eaLnBrk="0" fontAlgn="base" hangingPunct="0">
+              <a:spcBef>
+                <a:spcPct val="0"/>
+              </a:spcBef>
+              <a:spcAft>
+                <a:spcPct val="0"/>
+              </a:spcAft>
+              <a:defRPr sz="2400">
+                <a:solidFill>
+                  <a:schemeClr val="tx1"/>
+                </a:solidFill>
+                <a:latin typeface="Arial" panose="020B0604020202020204" pitchFamily="34" charset="0"/>
+              </a:defRPr>
+            </a:lvl7pPr>
+            <a:lvl8pPr marL="3429000" indent="-228600" eaLnBrk="0" fontAlgn="base" hangingPunct="0">
+              <a:spcBef>
+                <a:spcPct val="0"/>
+              </a:spcBef>
+              <a:spcAft>
+                <a:spcPct val="0"/>
+              </a:spcAft>
+              <a:defRPr sz="2400">
+                <a:solidFill>
+                  <a:schemeClr val="tx1"/>
+                </a:solidFill>
+                <a:latin typeface="Arial" panose="020B0604020202020204" pitchFamily="34" charset="0"/>
+              </a:defRPr>
+            </a:lvl8pPr>
+            <a:lvl9pPr marL="3886200" indent="-228600" eaLnBrk="0" fontAlgn="base" hangingPunct="0">
+              <a:spcBef>
+                <a:spcPct val="0"/>
+              </a:spcBef>
+              <a:spcAft>
+                <a:spcPct val="0"/>
+              </a:spcAft>
+              <a:defRPr sz="2400">
+                <a:solidFill>
+                  <a:schemeClr val="tx1"/>
+                </a:solidFill>
+                <a:latin typeface="Arial" panose="020B0604020202020204" pitchFamily="34" charset="0"/>
+              </a:defRPr>
+            </a:lvl9pPr>
+          </a:lstStyle>
+          <a:p>
+            <a:pPr eaLnBrk="1" hangingPunct="1"/>
+            <a:r>
+              <a:rPr lang="en-US" altLang="en-US" sz="1400">
+                <a:solidFill>
+                  <a:srgbClr val="CC0000"/>
+                </a:solidFill>
+              </a:rPr>
+              <a:t>Slide 4- </a:t>
+            </a:r>
+            <a:fld id="{8CF26D0B-2B45-4C5C-AD8F-64C3EF074742}" type="slidenum">
+              <a:rPr lang="en-US" altLang="en-US" sz="1400">
+                <a:solidFill>
+                  <a:srgbClr val="CC0000"/>
+                </a:solidFill>
+              </a:rPr>
+              <a:pPr eaLnBrk="1" hangingPunct="1"/>
+              <a:t>20</a:t>
+            </a:fld>
+            <a:endParaRPr lang="en-CA" altLang="en-US" sz="1400">
+              <a:solidFill>
+                <a:srgbClr val="CC0000"/>
+              </a:solidFill>
+            </a:endParaRPr>
+          </a:p>
+        </p:txBody>
+      </p:sp>
+      <p:sp>
+        <p:nvSpPr>
+          <p:cNvPr id="44035" name="Rectangle 2"/>
+          <p:cNvSpPr>
+            <a:spLocks noGrp="1" noChangeArrowheads="1"/>
+          </p:cNvSpPr>
+          <p:nvPr>
+            <p:ph type="title"/>
+          </p:nvPr>
+        </p:nvSpPr>
+        <p:spPr/>
+        <p:txBody>
+          <a:bodyPr/>
+          <a:lstStyle/>
+          <a:p>
+            <a:pPr eaLnBrk="1" hangingPunct="1"/>
+            <a:r>
+              <a:rPr lang="en-US" altLang="en-US" dirty="0" smtClean="0"/>
+              <a:t>Checking Numerical Ranges</a:t>
+            </a:r>
+          </a:p>
+        </p:txBody>
+      </p:sp>
+      <p:sp>
+        <p:nvSpPr>
+          <p:cNvPr id="44036" name="Rectangle 3"/>
+          <p:cNvSpPr>
+            <a:spLocks noGrp="1" noChangeArrowheads="1"/>
+          </p:cNvSpPr>
+          <p:nvPr>
+            <p:ph type="body" idx="1"/>
+          </p:nvPr>
+        </p:nvSpPr>
+        <p:spPr>
+          <a:xfrm>
+            <a:off x="2057400" y="1219200"/>
+            <a:ext cx="8305800" cy="5029200"/>
+          </a:xfrm>
+        </p:spPr>
+        <p:txBody>
+          <a:bodyPr/>
+          <a:lstStyle/>
+          <a:p>
+            <a:pPr eaLnBrk="1" hangingPunct="1"/>
+            <a:endParaRPr lang="en-US" altLang="en-US" dirty="0" smtClean="0"/>
+          </a:p>
+          <a:p>
+            <a:pPr eaLnBrk="1" hangingPunct="1"/>
+            <a:r>
+              <a:rPr lang="en-US" altLang="en-US" dirty="0" smtClean="0"/>
+              <a:t>Checking for a value inside a range uses </a:t>
+            </a:r>
+            <a:r>
+              <a:rPr lang="en-US" altLang="en-US" i="1" dirty="0" smtClean="0"/>
+              <a:t>And</a:t>
+            </a:r>
+            <a:r>
+              <a:rPr lang="en-US" altLang="en-US" dirty="0" smtClean="0"/>
+              <a:t/>
+            </a:r>
+            <a:br>
+              <a:rPr lang="en-US" altLang="en-US" dirty="0" smtClean="0"/>
+            </a:br>
+            <a:r>
+              <a:rPr lang="en-US" altLang="en-US" dirty="0" smtClean="0"/>
+              <a:t/>
+            </a:r>
+            <a:br>
+              <a:rPr lang="en-US" altLang="en-US" dirty="0" smtClean="0"/>
+            </a:br>
+            <a:r>
+              <a:rPr lang="en-US" altLang="en-US" dirty="0" smtClean="0"/>
+              <a:t/>
+            </a:r>
+            <a:br>
+              <a:rPr lang="en-US" altLang="en-US" dirty="0" smtClean="0"/>
+            </a:br>
+            <a:endParaRPr lang="en-US" altLang="en-US" dirty="0" smtClean="0"/>
+          </a:p>
+          <a:p>
+            <a:pPr eaLnBrk="1" hangingPunct="1"/>
+            <a:r>
+              <a:rPr lang="en-US" altLang="en-US" dirty="0" smtClean="0"/>
+              <a:t>Checking for a value outside a range uses </a:t>
+            </a:r>
+            <a:r>
+              <a:rPr lang="en-US" altLang="en-US" i="1" dirty="0" smtClean="0"/>
+              <a:t>Or</a:t>
+            </a:r>
+            <a:endParaRPr lang="en-US" altLang="en-US" dirty="0" smtClean="0"/>
+          </a:p>
+        </p:txBody>
+      </p:sp>
+      <p:sp>
+        <p:nvSpPr>
+          <p:cNvPr id="44037" name="Text Box 4"/>
+          <p:cNvSpPr txBox="1">
+            <a:spLocks noChangeArrowheads="1"/>
+          </p:cNvSpPr>
+          <p:nvPr/>
+        </p:nvSpPr>
+        <p:spPr bwMode="auto">
+          <a:xfrm>
+            <a:off x="1905001" y="2438400"/>
+            <a:ext cx="8579593" cy="830997"/>
+          </a:xfrm>
+          <a:prstGeom prst="rect">
+            <a:avLst/>
+          </a:prstGeom>
+          <a:noFill/>
+          <a:ln>
+            <a:noFill/>
+          </a:ln>
+          <a:extLst>
+            <a:ext uri="{909E8E84-426E-40DD-AFC4-6F175D3DCCD1}">
+              <a14:hiddenFill xmlns:a14="http://schemas.microsoft.com/office/drawing/2010/main">
+                <a:solidFill>
+                  <a:srgbClr val="FFFFFF"/>
+                </a:solidFill>
+              </a14:hiddenFill>
+            </a:ext>
+            <a:ext uri="{91240B29-F687-4F45-9708-019B960494DF}">
+              <a14:hiddenLine xmlns:a14="http://schemas.microsoft.com/office/drawing/2010/main" w="9525">
+                <a:solidFill>
+                  <a:srgbClr val="000000"/>
+                </a:solidFill>
+                <a:miter lim="800000"/>
+                <a:headEnd/>
+                <a:tailEnd/>
+              </a14:hiddenLine>
+            </a:ext>
+          </a:extLst>
+        </p:spPr>
+        <p:txBody>
+          <a:bodyPr wrap="none">
+            <a:spAutoFit/>
+          </a:bodyPr>
+          <a:lstStyle>
+            <a:lvl1pPr eaLnBrk="0" hangingPunct="0">
+              <a:tabLst>
+                <a:tab pos="463550" algn="l"/>
+              </a:tabLst>
+              <a:defRPr sz="2400">
+                <a:solidFill>
+                  <a:schemeClr val="tx1"/>
+                </a:solidFill>
+                <a:latin typeface="Arial" panose="020B0604020202020204" pitchFamily="34" charset="0"/>
+              </a:defRPr>
+            </a:lvl1pPr>
+            <a:lvl2pPr marL="742950" indent="-285750" eaLnBrk="0" hangingPunct="0">
+              <a:tabLst>
+                <a:tab pos="463550" algn="l"/>
+              </a:tabLst>
+              <a:defRPr sz="2400">
+                <a:solidFill>
+                  <a:schemeClr val="tx1"/>
+                </a:solidFill>
+                <a:latin typeface="Arial" panose="020B0604020202020204" pitchFamily="34" charset="0"/>
+              </a:defRPr>
+            </a:lvl2pPr>
+            <a:lvl3pPr marL="1143000" indent="-228600" eaLnBrk="0" hangingPunct="0">
+              <a:tabLst>
+                <a:tab pos="463550" algn="l"/>
+              </a:tabLst>
+              <a:defRPr sz="2400">
+                <a:solidFill>
+                  <a:schemeClr val="tx1"/>
+                </a:solidFill>
+                <a:latin typeface="Arial" panose="020B0604020202020204" pitchFamily="34" charset="0"/>
+              </a:defRPr>
+            </a:lvl3pPr>
+            <a:lvl4pPr marL="1600200" indent="-228600" eaLnBrk="0" hangingPunct="0">
+              <a:tabLst>
+                <a:tab pos="463550" algn="l"/>
+              </a:tabLst>
+              <a:defRPr sz="2400">
+                <a:solidFill>
+                  <a:schemeClr val="tx1"/>
+                </a:solidFill>
+                <a:latin typeface="Arial" panose="020B0604020202020204" pitchFamily="34" charset="0"/>
+              </a:defRPr>
+            </a:lvl4pPr>
+            <a:lvl5pPr marL="2057400" indent="-228600" eaLnBrk="0" hangingPunct="0">
+              <a:tabLst>
+                <a:tab pos="463550" algn="l"/>
+              </a:tabLst>
+              <a:defRPr sz="2400">
+                <a:solidFill>
+                  <a:schemeClr val="tx1"/>
+                </a:solidFill>
+                <a:latin typeface="Arial" panose="020B0604020202020204" pitchFamily="34" charset="0"/>
+              </a:defRPr>
+            </a:lvl5pPr>
+            <a:lvl6pPr marL="2514600" indent="-228600" eaLnBrk="0" fontAlgn="base" hangingPunct="0">
+              <a:spcBef>
+                <a:spcPct val="0"/>
+              </a:spcBef>
+              <a:spcAft>
+                <a:spcPct val="0"/>
+              </a:spcAft>
+              <a:tabLst>
+                <a:tab pos="463550" algn="l"/>
+              </a:tabLst>
+              <a:defRPr sz="2400">
+                <a:solidFill>
+                  <a:schemeClr val="tx1"/>
+                </a:solidFill>
+                <a:latin typeface="Arial" panose="020B0604020202020204" pitchFamily="34" charset="0"/>
+              </a:defRPr>
+            </a:lvl6pPr>
+            <a:lvl7pPr marL="2971800" indent="-228600" eaLnBrk="0" fontAlgn="base" hangingPunct="0">
+              <a:spcBef>
+                <a:spcPct val="0"/>
+              </a:spcBef>
+              <a:spcAft>
+                <a:spcPct val="0"/>
+              </a:spcAft>
+              <a:tabLst>
+                <a:tab pos="463550" algn="l"/>
+              </a:tabLst>
+              <a:defRPr sz="2400">
+                <a:solidFill>
+                  <a:schemeClr val="tx1"/>
+                </a:solidFill>
+                <a:latin typeface="Arial" panose="020B0604020202020204" pitchFamily="34" charset="0"/>
+              </a:defRPr>
+            </a:lvl7pPr>
+            <a:lvl8pPr marL="3429000" indent="-228600" eaLnBrk="0" fontAlgn="base" hangingPunct="0">
+              <a:spcBef>
+                <a:spcPct val="0"/>
+              </a:spcBef>
+              <a:spcAft>
+                <a:spcPct val="0"/>
+              </a:spcAft>
+              <a:tabLst>
+                <a:tab pos="463550" algn="l"/>
+              </a:tabLst>
+              <a:defRPr sz="2400">
+                <a:solidFill>
+                  <a:schemeClr val="tx1"/>
+                </a:solidFill>
+                <a:latin typeface="Arial" panose="020B0604020202020204" pitchFamily="34" charset="0"/>
+              </a:defRPr>
+            </a:lvl8pPr>
+            <a:lvl9pPr marL="3886200" indent="-228600" eaLnBrk="0" fontAlgn="base" hangingPunct="0">
+              <a:spcBef>
+                <a:spcPct val="0"/>
+              </a:spcBef>
+              <a:spcAft>
+                <a:spcPct val="0"/>
+              </a:spcAft>
+              <a:tabLst>
+                <a:tab pos="463550" algn="l"/>
+              </a:tabLst>
+              <a:defRPr sz="2400">
+                <a:solidFill>
+                  <a:schemeClr val="tx1"/>
+                </a:solidFill>
+                <a:latin typeface="Arial" panose="020B0604020202020204" pitchFamily="34" charset="0"/>
+              </a:defRPr>
+            </a:lvl9pPr>
+          </a:lstStyle>
+          <a:p>
+            <a:r>
+              <a:rPr lang="en-US" altLang="en-US" b="1" dirty="0" smtClean="0">
+                <a:latin typeface="Courier New" panose="02070309020205020404" pitchFamily="49" charset="0"/>
+              </a:rPr>
+              <a:t>if </a:t>
+            </a:r>
+            <a:r>
+              <a:rPr lang="en-US" altLang="en-US" b="1" dirty="0">
+                <a:latin typeface="Courier New" panose="02070309020205020404" pitchFamily="49" charset="0"/>
+              </a:rPr>
+              <a:t>x &gt;= 20 </a:t>
+            </a:r>
+            <a:r>
+              <a:rPr lang="en-US" altLang="en-US" b="1" dirty="0" smtClean="0">
+                <a:latin typeface="Courier New" panose="02070309020205020404" pitchFamily="49" charset="0"/>
+              </a:rPr>
+              <a:t>and </a:t>
+            </a:r>
+            <a:r>
+              <a:rPr lang="en-US" altLang="en-US" b="1" dirty="0">
+                <a:latin typeface="Courier New" panose="02070309020205020404" pitchFamily="49" charset="0"/>
+              </a:rPr>
+              <a:t>x &lt;= </a:t>
+            </a:r>
+            <a:r>
+              <a:rPr lang="en-US" altLang="en-US" b="1" dirty="0" smtClean="0">
+                <a:latin typeface="Courier New" panose="02070309020205020404" pitchFamily="49" charset="0"/>
+              </a:rPr>
+              <a:t>40:</a:t>
+            </a:r>
+            <a:endParaRPr lang="en-US" altLang="en-US" b="1" dirty="0">
+              <a:latin typeface="Courier New" panose="02070309020205020404" pitchFamily="49" charset="0"/>
+            </a:endParaRPr>
+          </a:p>
+          <a:p>
+            <a:r>
+              <a:rPr lang="en-US" altLang="en-US" b="1" dirty="0">
+                <a:latin typeface="Courier New" panose="02070309020205020404" pitchFamily="49" charset="0"/>
+              </a:rPr>
+              <a:t>	</a:t>
+            </a:r>
+            <a:r>
+              <a:rPr lang="en-US" altLang="en-US" b="1" dirty="0" smtClean="0">
+                <a:latin typeface="Courier New" panose="02070309020205020404" pitchFamily="49" charset="0"/>
+              </a:rPr>
+              <a:t> print(“Value </a:t>
+            </a:r>
+            <a:r>
+              <a:rPr lang="en-US" altLang="en-US" b="1" dirty="0">
+                <a:latin typeface="Courier New" panose="02070309020205020404" pitchFamily="49" charset="0"/>
+              </a:rPr>
+              <a:t>is in the acceptable range</a:t>
+            </a:r>
+            <a:r>
+              <a:rPr lang="en-US" altLang="en-US" b="1" dirty="0" smtClean="0">
+                <a:latin typeface="Courier New" panose="02070309020205020404" pitchFamily="49" charset="0"/>
+              </a:rPr>
+              <a:t>.“)</a:t>
+            </a:r>
+            <a:endParaRPr lang="en-US" altLang="en-US" b="1" dirty="0">
+              <a:latin typeface="Courier New" panose="02070309020205020404" pitchFamily="49" charset="0"/>
+            </a:endParaRPr>
+          </a:p>
+        </p:txBody>
+      </p:sp>
+      <p:sp>
+        <p:nvSpPr>
+          <p:cNvPr id="44038" name="Text Box 5"/>
+          <p:cNvSpPr txBox="1">
+            <a:spLocks noChangeArrowheads="1"/>
+          </p:cNvSpPr>
+          <p:nvPr/>
+        </p:nvSpPr>
+        <p:spPr bwMode="auto">
+          <a:xfrm>
+            <a:off x="1905000" y="4267200"/>
+            <a:ext cx="9368270" cy="1200329"/>
+          </a:xfrm>
+          <a:prstGeom prst="rect">
+            <a:avLst/>
+          </a:prstGeom>
+          <a:noFill/>
+          <a:ln>
+            <a:noFill/>
+          </a:ln>
+          <a:extLst>
+            <a:ext uri="{909E8E84-426E-40DD-AFC4-6F175D3DCCD1}">
+              <a14:hiddenFill xmlns:a14="http://schemas.microsoft.com/office/drawing/2010/main">
+                <a:solidFill>
+                  <a:srgbClr val="FFFFFF"/>
+                </a:solidFill>
+              </a14:hiddenFill>
+            </a:ext>
+            <a:ext uri="{91240B29-F687-4F45-9708-019B960494DF}">
+              <a14:hiddenLine xmlns:a14="http://schemas.microsoft.com/office/drawing/2010/main" w="9525">
+                <a:solidFill>
+                  <a:srgbClr val="000000"/>
+                </a:solidFill>
+                <a:miter lim="800000"/>
+                <a:headEnd/>
+                <a:tailEnd/>
+              </a14:hiddenLine>
+            </a:ext>
+          </a:extLst>
+        </p:spPr>
+        <p:txBody>
+          <a:bodyPr wrap="none">
+            <a:spAutoFit/>
+          </a:bodyPr>
+          <a:lstStyle>
+            <a:lvl1pPr eaLnBrk="0" hangingPunct="0">
+              <a:tabLst>
+                <a:tab pos="514350" algn="l"/>
+              </a:tabLst>
+              <a:defRPr sz="2400">
+                <a:solidFill>
+                  <a:schemeClr val="tx1"/>
+                </a:solidFill>
+                <a:latin typeface="Arial" panose="020B0604020202020204" pitchFamily="34" charset="0"/>
+              </a:defRPr>
+            </a:lvl1pPr>
+            <a:lvl2pPr marL="742950" indent="-285750" eaLnBrk="0" hangingPunct="0">
+              <a:tabLst>
+                <a:tab pos="514350" algn="l"/>
+              </a:tabLst>
+              <a:defRPr sz="2400">
+                <a:solidFill>
+                  <a:schemeClr val="tx1"/>
+                </a:solidFill>
+                <a:latin typeface="Arial" panose="020B0604020202020204" pitchFamily="34" charset="0"/>
+              </a:defRPr>
+            </a:lvl2pPr>
+            <a:lvl3pPr marL="1143000" indent="-228600" eaLnBrk="0" hangingPunct="0">
+              <a:tabLst>
+                <a:tab pos="514350" algn="l"/>
+              </a:tabLst>
+              <a:defRPr sz="2400">
+                <a:solidFill>
+                  <a:schemeClr val="tx1"/>
+                </a:solidFill>
+                <a:latin typeface="Arial" panose="020B0604020202020204" pitchFamily="34" charset="0"/>
+              </a:defRPr>
+            </a:lvl3pPr>
+            <a:lvl4pPr marL="1600200" indent="-228600" eaLnBrk="0" hangingPunct="0">
+              <a:tabLst>
+                <a:tab pos="514350" algn="l"/>
+              </a:tabLst>
+              <a:defRPr sz="2400">
+                <a:solidFill>
+                  <a:schemeClr val="tx1"/>
+                </a:solidFill>
+                <a:latin typeface="Arial" panose="020B0604020202020204" pitchFamily="34" charset="0"/>
+              </a:defRPr>
+            </a:lvl4pPr>
+            <a:lvl5pPr marL="2057400" indent="-228600" eaLnBrk="0" hangingPunct="0">
+              <a:tabLst>
+                <a:tab pos="514350" algn="l"/>
+              </a:tabLst>
+              <a:defRPr sz="2400">
+                <a:solidFill>
+                  <a:schemeClr val="tx1"/>
+                </a:solidFill>
+                <a:latin typeface="Arial" panose="020B0604020202020204" pitchFamily="34" charset="0"/>
+              </a:defRPr>
+            </a:lvl5pPr>
+            <a:lvl6pPr marL="2514600" indent="-228600" eaLnBrk="0" fontAlgn="base" hangingPunct="0">
+              <a:spcBef>
+                <a:spcPct val="0"/>
+              </a:spcBef>
+              <a:spcAft>
+                <a:spcPct val="0"/>
+              </a:spcAft>
+              <a:tabLst>
+                <a:tab pos="514350" algn="l"/>
+              </a:tabLst>
+              <a:defRPr sz="2400">
+                <a:solidFill>
+                  <a:schemeClr val="tx1"/>
+                </a:solidFill>
+                <a:latin typeface="Arial" panose="020B0604020202020204" pitchFamily="34" charset="0"/>
+              </a:defRPr>
+            </a:lvl6pPr>
+            <a:lvl7pPr marL="2971800" indent="-228600" eaLnBrk="0" fontAlgn="base" hangingPunct="0">
+              <a:spcBef>
+                <a:spcPct val="0"/>
+              </a:spcBef>
+              <a:spcAft>
+                <a:spcPct val="0"/>
+              </a:spcAft>
+              <a:tabLst>
+                <a:tab pos="514350" algn="l"/>
+              </a:tabLst>
+              <a:defRPr sz="2400">
+                <a:solidFill>
+                  <a:schemeClr val="tx1"/>
+                </a:solidFill>
+                <a:latin typeface="Arial" panose="020B0604020202020204" pitchFamily="34" charset="0"/>
+              </a:defRPr>
+            </a:lvl7pPr>
+            <a:lvl8pPr marL="3429000" indent="-228600" eaLnBrk="0" fontAlgn="base" hangingPunct="0">
+              <a:spcBef>
+                <a:spcPct val="0"/>
+              </a:spcBef>
+              <a:spcAft>
+                <a:spcPct val="0"/>
+              </a:spcAft>
+              <a:tabLst>
+                <a:tab pos="514350" algn="l"/>
+              </a:tabLst>
+              <a:defRPr sz="2400">
+                <a:solidFill>
+                  <a:schemeClr val="tx1"/>
+                </a:solidFill>
+                <a:latin typeface="Arial" panose="020B0604020202020204" pitchFamily="34" charset="0"/>
+              </a:defRPr>
+            </a:lvl8pPr>
+            <a:lvl9pPr marL="3886200" indent="-228600" eaLnBrk="0" fontAlgn="base" hangingPunct="0">
+              <a:spcBef>
+                <a:spcPct val="0"/>
+              </a:spcBef>
+              <a:spcAft>
+                <a:spcPct val="0"/>
+              </a:spcAft>
+              <a:tabLst>
+                <a:tab pos="514350" algn="l"/>
+              </a:tabLst>
+              <a:defRPr sz="2400">
+                <a:solidFill>
+                  <a:schemeClr val="tx1"/>
+                </a:solidFill>
+                <a:latin typeface="Arial" panose="020B0604020202020204" pitchFamily="34" charset="0"/>
+              </a:defRPr>
+            </a:lvl9pPr>
+          </a:lstStyle>
+          <a:p>
+            <a:r>
+              <a:rPr lang="en-US" altLang="en-US" b="1" dirty="0" smtClean="0">
+                <a:latin typeface="Courier New" panose="02070309020205020404" pitchFamily="49" charset="0"/>
+              </a:rPr>
+              <a:t>if </a:t>
+            </a:r>
+            <a:r>
+              <a:rPr lang="en-US" altLang="en-US" b="1" dirty="0">
+                <a:latin typeface="Courier New" panose="02070309020205020404" pitchFamily="49" charset="0"/>
+              </a:rPr>
+              <a:t>x &lt; 20 </a:t>
+            </a:r>
+            <a:r>
+              <a:rPr lang="en-US" altLang="en-US" b="1" dirty="0" smtClean="0">
+                <a:latin typeface="Courier New" panose="02070309020205020404" pitchFamily="49" charset="0"/>
+              </a:rPr>
+              <a:t>or </a:t>
+            </a:r>
+            <a:r>
+              <a:rPr lang="en-US" altLang="en-US" b="1" dirty="0">
+                <a:latin typeface="Courier New" panose="02070309020205020404" pitchFamily="49" charset="0"/>
+              </a:rPr>
+              <a:t>x &gt; </a:t>
+            </a:r>
+            <a:r>
+              <a:rPr lang="en-US" altLang="en-US" b="1" dirty="0" smtClean="0">
+                <a:latin typeface="Courier New" panose="02070309020205020404" pitchFamily="49" charset="0"/>
+              </a:rPr>
+              <a:t>40:</a:t>
+            </a:r>
+            <a:endParaRPr lang="en-US" altLang="en-US" b="1" dirty="0">
+              <a:latin typeface="Courier New" panose="02070309020205020404" pitchFamily="49" charset="0"/>
+            </a:endParaRPr>
+          </a:p>
+          <a:p>
+            <a:r>
+              <a:rPr lang="en-US" altLang="en-US" b="1" dirty="0">
+                <a:latin typeface="Courier New" panose="02070309020205020404" pitchFamily="49" charset="0"/>
+              </a:rPr>
+              <a:t>	</a:t>
+            </a:r>
+            <a:r>
+              <a:rPr lang="en-US" altLang="en-US" b="1" dirty="0" smtClean="0">
+                <a:latin typeface="Courier New" panose="02070309020205020404" pitchFamily="49" charset="0"/>
+              </a:rPr>
+              <a:t>print(“Value </a:t>
+            </a:r>
+            <a:r>
+              <a:rPr lang="en-US" altLang="en-US" b="1" dirty="0">
+                <a:latin typeface="Courier New" panose="02070309020205020404" pitchFamily="49" charset="0"/>
+              </a:rPr>
+              <a:t>is outside the acceptable range</a:t>
+            </a:r>
+            <a:r>
+              <a:rPr lang="en-US" altLang="en-US" b="1" dirty="0" smtClean="0">
+                <a:latin typeface="Courier New" panose="02070309020205020404" pitchFamily="49" charset="0"/>
+              </a:rPr>
+              <a:t>.“)</a:t>
+            </a:r>
+            <a:endParaRPr lang="en-US" altLang="en-US" b="1" dirty="0">
+              <a:latin typeface="Courier New" panose="02070309020205020404" pitchFamily="49" charset="0"/>
+            </a:endParaRPr>
+          </a:p>
+          <a:p>
+            <a:endParaRPr lang="en-US" altLang="en-US" b="1" dirty="0">
+              <a:latin typeface="Courier New" panose="02070309020205020404" pitchFamily="49" charset="0"/>
+            </a:endParaRPr>
+          </a:p>
+        </p:txBody>
+      </p:sp>
+    </p:spTree>
+    <p:extLst>
+      <p:ext uri="{BB962C8B-B14F-4D97-AF65-F5344CB8AC3E}">
+        <p14:creationId xmlns:p14="http://schemas.microsoft.com/office/powerpoint/2010/main" val="3283053772"/>
+      </p:ext>
+    </p:extLst>
+  </p:cSld>
+  <p:clrMapOvr>
+    <a:masterClrMapping/>
+  </p:clrMapOvr>
+  <mc:AlternateContent xmlns:mc="http://schemas.openxmlformats.org/markup-compatibility/2006" xmlns:p14="http://schemas.microsoft.com/office/powerpoint/2010/main">
+    <mc:Choice Requires="p14">
+      <p:transition spd="slow" p14:dur="2000"/>
+    </mc:Choice>
+    <mc:Fallback xmlns="">
+      <p:transition spd="slow"/>
+    </mc:Fallback>
+  </mc:AlternateContent>
+</p:sld>
+</file>
+
+<file path=ppt/slides/slide21.xml><?xml version="1.0" encoding="utf-8"?>
+<p:sld xmlns:a="http://schemas.openxmlformats.org/drawingml/2006/main" xmlns:r="http://schemas.openxmlformats.org/officeDocument/2006/relationships" xmlns:p="http://schemas.openxmlformats.org/presentationml/2006/main">
+  <p:cSld>
+    <p:spTree>
+      <p:nvGrpSpPr>
+        <p:cNvPr id="1" name=""/>
+        <p:cNvGrpSpPr/>
+        <p:nvPr/>
+      </p:nvGrpSpPr>
+      <p:grpSpPr>
+        <a:xfrm>
+          <a:off x="0" y="0"/>
+          <a:ext cx="0" cy="0"/>
+          <a:chOff x="0" y="0"/>
+          <a:chExt cx="0" cy="0"/>
+        </a:xfrm>
+      </p:grpSpPr>
+      <p:sp>
+        <p:nvSpPr>
+          <p:cNvPr id="2" name="Title 1"/>
+          <p:cNvSpPr>
+            <a:spLocks noGrp="1"/>
+          </p:cNvSpPr>
+          <p:nvPr>
+            <p:ph type="title"/>
+          </p:nvPr>
+        </p:nvSpPr>
+        <p:spPr/>
+        <p:txBody>
+          <a:bodyPr/>
+          <a:lstStyle/>
+          <a:p>
+            <a:r>
+              <a:rPr lang="en-US" dirty="0" smtClean="0"/>
+              <a:t>Work Through Example – Rewrite using the logic operator</a:t>
+            </a:r>
+            <a:endParaRPr lang="en-US" dirty="0"/>
+          </a:p>
+        </p:txBody>
+      </p:sp>
+      <p:sp>
+        <p:nvSpPr>
+          <p:cNvPr id="3" name="Content Placeholder 2"/>
+          <p:cNvSpPr>
+            <a:spLocks noGrp="1"/>
+          </p:cNvSpPr>
+          <p:nvPr>
+            <p:ph idx="1"/>
+          </p:nvPr>
+        </p:nvSpPr>
+        <p:spPr/>
+        <p:txBody>
+          <a:bodyPr>
+            <a:normAutofit/>
+          </a:bodyPr>
+          <a:lstStyle/>
+          <a:p>
+            <a:r>
+              <a:rPr lang="en-US" dirty="0" smtClean="0"/>
+              <a:t>Change your BMI.py </a:t>
+            </a:r>
+          </a:p>
+          <a:p>
+            <a:pPr marL="0" indent="0">
+              <a:buNone/>
+            </a:pPr>
+            <a:r>
+              <a:rPr lang="en-US" dirty="0" smtClean="0"/>
+              <a:t>Calculate your BMI and display  the  a congratulation message “Great! Your are in the normal range”  </a:t>
+            </a:r>
+            <a:r>
+              <a:rPr lang="en-US" dirty="0"/>
+              <a:t>if  your BMI is 18.5 to </a:t>
+            </a:r>
+            <a:r>
+              <a:rPr lang="en-US" dirty="0" smtClean="0"/>
+              <a:t> 25</a:t>
+            </a:r>
+          </a:p>
+        </p:txBody>
+      </p:sp>
+    </p:spTree>
+    <p:extLst>
+      <p:ext uri="{BB962C8B-B14F-4D97-AF65-F5344CB8AC3E}">
+        <p14:creationId xmlns:p14="http://schemas.microsoft.com/office/powerpoint/2010/main" val="3356045585"/>
+      </p:ext>
+    </p:extLst>
+  </p:cSld>
+  <p:clrMapOvr>
+    <a:masterClrMapping/>
+  </p:clrMapOvr>
+</p:sld>
+</file>
+
+<file path=ppt/slides/slide22.xml><?xml version="1.0" encoding="utf-8"?>
+<p:sld xmlns:a="http://schemas.openxmlformats.org/drawingml/2006/main" xmlns:r="http://schemas.openxmlformats.org/officeDocument/2006/relationships" xmlns:p="http://schemas.openxmlformats.org/presentationml/2006/main">
+  <p:cSld>
+    <p:spTree>
+      <p:nvGrpSpPr>
+        <p:cNvPr id="1" name=""/>
+        <p:cNvGrpSpPr/>
+        <p:nvPr/>
+      </p:nvGrpSpPr>
+      <p:grpSpPr>
+        <a:xfrm>
+          <a:off x="0" y="0"/>
+          <a:ext cx="0" cy="0"/>
+          <a:chOff x="0" y="0"/>
+          <a:chExt cx="0" cy="0"/>
+        </a:xfrm>
+      </p:grpSpPr>
+      <p:sp>
+        <p:nvSpPr>
+          <p:cNvPr id="2" name="Title 1"/>
+          <p:cNvSpPr>
+            <a:spLocks noGrp="1"/>
+          </p:cNvSpPr>
+          <p:nvPr>
+            <p:ph type="title"/>
+          </p:nvPr>
+        </p:nvSpPr>
+        <p:spPr/>
+        <p:txBody>
+          <a:bodyPr/>
+          <a:lstStyle/>
+          <a:p>
+            <a:r>
+              <a:rPr lang="en-US" dirty="0" smtClean="0"/>
+              <a:t>Rewrite using the logic operator</a:t>
+            </a:r>
+            <a:endParaRPr lang="en-US" dirty="0"/>
+          </a:p>
+        </p:txBody>
+      </p:sp>
+      <p:sp>
+        <p:nvSpPr>
+          <p:cNvPr id="3" name="Content Placeholder 2"/>
+          <p:cNvSpPr>
+            <a:spLocks noGrp="1"/>
+          </p:cNvSpPr>
+          <p:nvPr>
+            <p:ph idx="1"/>
+          </p:nvPr>
+        </p:nvSpPr>
+        <p:spPr/>
+        <p:txBody>
+          <a:bodyPr/>
+          <a:lstStyle/>
+          <a:p>
+            <a:r>
+              <a:rPr lang="en-US" altLang="en-US" sz="2600" dirty="0"/>
+              <a:t>A bank customer qualifies for a special loan if:</a:t>
+            </a:r>
+          </a:p>
+          <a:p>
+            <a:pPr lvl="1"/>
+            <a:r>
+              <a:rPr lang="en-US" altLang="en-US" sz="2600" dirty="0"/>
+              <a:t>Earns over 30000 &amp; on the job more than 2 years</a:t>
+            </a:r>
+          </a:p>
+          <a:p>
+            <a:pPr lvl="1"/>
+            <a:r>
+              <a:rPr lang="en-US" altLang="en-US" sz="2600" dirty="0"/>
+              <a:t>Or been on the job more than 5 years</a:t>
+            </a:r>
+          </a:p>
+          <a:p>
+            <a:pPr marL="0" indent="0">
+              <a:buNone/>
+            </a:pPr>
+            <a:endParaRPr lang="en-US" dirty="0"/>
+          </a:p>
+        </p:txBody>
+      </p:sp>
+    </p:spTree>
+    <p:extLst>
+      <p:ext uri="{BB962C8B-B14F-4D97-AF65-F5344CB8AC3E}">
+        <p14:creationId xmlns:p14="http://schemas.microsoft.com/office/powerpoint/2010/main" val="30898602"/>
+      </p:ext>
+    </p:extLst>
+  </p:cSld>
+  <p:clrMapOvr>
+    <a:masterClrMapping/>
+  </p:clrMapOvr>
+</p:sld>
+</file>
+
+<file path=ppt/slides/slide23.xml><?xml version="1.0" encoding="utf-8"?>
+<p:sld xmlns:a="http://schemas.openxmlformats.org/drawingml/2006/main" xmlns:r="http://schemas.openxmlformats.org/officeDocument/2006/relationships" xmlns:p="http://schemas.openxmlformats.org/presentationml/2006/main">
+  <p:cSld>
+    <p:spTree>
+      <p:nvGrpSpPr>
+        <p:cNvPr id="1" name=""/>
+        <p:cNvGrpSpPr/>
+        <p:nvPr/>
+      </p:nvGrpSpPr>
+      <p:grpSpPr>
+        <a:xfrm>
+          <a:off x="0" y="0"/>
+          <a:ext cx="0" cy="0"/>
+          <a:chOff x="0" y="0"/>
+          <a:chExt cx="0" cy="0"/>
+        </a:xfrm>
+      </p:grpSpPr>
+      <p:sp>
+        <p:nvSpPr>
+          <p:cNvPr id="2" name="Title 1"/>
+          <p:cNvSpPr>
+            <a:spLocks noGrp="1"/>
+          </p:cNvSpPr>
+          <p:nvPr>
+            <p:ph type="title"/>
+          </p:nvPr>
+        </p:nvSpPr>
+        <p:spPr/>
+        <p:txBody>
+          <a:bodyPr/>
+          <a:lstStyle/>
+          <a:p>
+            <a:r>
+              <a:rPr lang="en-US" dirty="0"/>
+              <a:t>Rewrite using the logic operator</a:t>
+            </a:r>
+          </a:p>
+        </p:txBody>
+      </p:sp>
+      <p:sp>
+        <p:nvSpPr>
+          <p:cNvPr id="3" name="Content Placeholder 2"/>
+          <p:cNvSpPr>
+            <a:spLocks noGrp="1"/>
+          </p:cNvSpPr>
+          <p:nvPr>
+            <p:ph idx="1"/>
+          </p:nvPr>
+        </p:nvSpPr>
+        <p:spPr/>
+        <p:txBody>
+          <a:bodyPr/>
+          <a:lstStyle/>
+          <a:p>
+            <a:r>
+              <a:rPr lang="en-US" dirty="0"/>
+              <a:t>A </a:t>
+            </a:r>
+            <a:r>
+              <a:rPr lang="en-US" dirty="0" smtClean="0"/>
+              <a:t>teacher </a:t>
+            </a:r>
+            <a:r>
+              <a:rPr lang="en-US" dirty="0"/>
+              <a:t>qualifies for </a:t>
+            </a:r>
+            <a:r>
+              <a:rPr lang="en-US" dirty="0" smtClean="0"/>
+              <a:t>salary adjustment </a:t>
+            </a:r>
+            <a:r>
+              <a:rPr lang="en-US" dirty="0"/>
+              <a:t>if:</a:t>
+            </a:r>
+          </a:p>
+          <a:p>
+            <a:pPr lvl="1"/>
+            <a:r>
+              <a:rPr lang="en-US" dirty="0"/>
+              <a:t>Earns </a:t>
+            </a:r>
+            <a:r>
+              <a:rPr lang="en-US" dirty="0" smtClean="0"/>
+              <a:t>less than  40000 </a:t>
+            </a:r>
+            <a:r>
+              <a:rPr lang="en-US" dirty="0"/>
+              <a:t>&amp; on the job more than </a:t>
+            </a:r>
+            <a:r>
+              <a:rPr lang="en-US" dirty="0" smtClean="0"/>
+              <a:t>5 </a:t>
+            </a:r>
+            <a:r>
+              <a:rPr lang="en-US" dirty="0"/>
+              <a:t>years</a:t>
+            </a:r>
+          </a:p>
+          <a:p>
+            <a:pPr lvl="1"/>
+            <a:r>
+              <a:rPr lang="en-US" dirty="0" smtClean="0"/>
+              <a:t>Earns less than  60000 &amp;  </a:t>
+            </a:r>
+            <a:r>
+              <a:rPr lang="en-US" dirty="0"/>
+              <a:t>on the job more than </a:t>
+            </a:r>
+            <a:r>
+              <a:rPr lang="en-US" dirty="0" smtClean="0"/>
+              <a:t>25 years</a:t>
+            </a:r>
+          </a:p>
+          <a:p>
+            <a:r>
+              <a:rPr lang="en-US" dirty="0" smtClean="0"/>
+              <a:t>No salary adjustment for any teacher with salary more than 70000</a:t>
+            </a:r>
+            <a:endParaRPr lang="en-US" dirty="0"/>
+          </a:p>
+          <a:p>
+            <a:endParaRPr lang="en-US" dirty="0"/>
+          </a:p>
+        </p:txBody>
+      </p:sp>
+    </p:spTree>
+    <p:extLst>
+      <p:ext uri="{BB962C8B-B14F-4D97-AF65-F5344CB8AC3E}">
+        <p14:creationId xmlns:p14="http://schemas.microsoft.com/office/powerpoint/2010/main" val="2139189801"/>
+      </p:ext>
+    </p:extLst>
+  </p:cSld>
+  <p:clrMapOvr>
+    <a:masterClrMapping/>
+  </p:clrMapOvr>
+</p:sld>
+</file>
+
+<file path=ppt/slides/slide24.xml><?xml version="1.0" encoding="utf-8"?>
+<p:sld xmlns:a="http://schemas.openxmlformats.org/drawingml/2006/main" xmlns:r="http://schemas.openxmlformats.org/officeDocument/2006/relationships" xmlns:p="http://schemas.openxmlformats.org/presentationml/2006/main">
+  <p:cSld>
+    <p:spTree>
+      <p:nvGrpSpPr>
+        <p:cNvPr id="1" name=""/>
+        <p:cNvGrpSpPr/>
+        <p:nvPr/>
+      </p:nvGrpSpPr>
+      <p:grpSpPr>
+        <a:xfrm>
+          <a:off x="0" y="0"/>
+          <a:ext cx="0" cy="0"/>
+          <a:chOff x="0" y="0"/>
+          <a:chExt cx="0" cy="0"/>
+        </a:xfrm>
+      </p:grpSpPr>
+      <p:sp>
+        <p:nvSpPr>
+          <p:cNvPr id="2" name="Title 1"/>
+          <p:cNvSpPr>
+            <a:spLocks noGrp="1"/>
+          </p:cNvSpPr>
+          <p:nvPr>
+            <p:ph type="title"/>
+          </p:nvPr>
+        </p:nvSpPr>
+        <p:spPr/>
+        <p:txBody>
+          <a:bodyPr/>
+          <a:lstStyle/>
+          <a:p>
+            <a:r>
+              <a:rPr lang="en-US" dirty="0" smtClean="0"/>
+              <a:t>Python Standard Library -random</a:t>
+            </a:r>
+            <a:endParaRPr lang="en-US" dirty="0"/>
+          </a:p>
+        </p:txBody>
+      </p:sp>
+      <p:sp>
+        <p:nvSpPr>
+          <p:cNvPr id="3" name="Content Placeholder 2"/>
+          <p:cNvSpPr>
+            <a:spLocks noGrp="1"/>
+          </p:cNvSpPr>
+          <p:nvPr>
+            <p:ph idx="1"/>
+          </p:nvPr>
+        </p:nvSpPr>
+        <p:spPr/>
+        <p:txBody>
+          <a:bodyPr/>
+          <a:lstStyle/>
+          <a:p>
+            <a:r>
+              <a:rPr lang="en-US" dirty="0">
+                <a:hlinkClick r:id="rId2"/>
+              </a:rPr>
+              <a:t>https://</a:t>
+            </a:r>
+            <a:r>
+              <a:rPr lang="en-US" dirty="0" smtClean="0">
+                <a:hlinkClick r:id="rId2"/>
+              </a:rPr>
+              <a:t>docs.python.org/3/library/index.html</a:t>
+            </a:r>
+            <a:endParaRPr lang="en-US" dirty="0" smtClean="0"/>
+          </a:p>
+          <a:p>
+            <a:pPr marL="0" indent="0">
+              <a:buNone/>
+            </a:pPr>
+            <a:endParaRPr lang="en-US" dirty="0"/>
+          </a:p>
+          <a:p>
+            <a:pPr marL="0" indent="0">
+              <a:buNone/>
+            </a:pPr>
+            <a:r>
+              <a:rPr lang="en-US" dirty="0" smtClean="0"/>
+              <a:t>Import Library</a:t>
+            </a:r>
+          </a:p>
+          <a:p>
+            <a:pPr marL="0" indent="0">
+              <a:buNone/>
+            </a:pPr>
+            <a:endParaRPr lang="en-US" dirty="0"/>
+          </a:p>
+          <a:p>
+            <a:pPr marL="0" indent="0">
+              <a:buNone/>
+            </a:pPr>
+            <a:r>
+              <a:rPr lang="en-US" dirty="0">
+                <a:solidFill>
+                  <a:srgbClr val="FF0000"/>
+                </a:solidFill>
+              </a:rPr>
+              <a:t>i</a:t>
+            </a:r>
+            <a:r>
+              <a:rPr lang="en-US" dirty="0" smtClean="0">
+                <a:solidFill>
+                  <a:srgbClr val="FF0000"/>
+                </a:solidFill>
+              </a:rPr>
+              <a:t>mport random</a:t>
+            </a:r>
+          </a:p>
+          <a:p>
+            <a:pPr marL="0" indent="0">
+              <a:buNone/>
+            </a:pPr>
+            <a:endParaRPr lang="en-US" dirty="0"/>
+          </a:p>
+        </p:txBody>
+      </p:sp>
+    </p:spTree>
+    <p:extLst>
+      <p:ext uri="{BB962C8B-B14F-4D97-AF65-F5344CB8AC3E}">
+        <p14:creationId xmlns:p14="http://schemas.microsoft.com/office/powerpoint/2010/main" val="347766131"/>
+      </p:ext>
+    </p:extLst>
+  </p:cSld>
+  <p:clrMapOvr>
+    <a:masterClrMapping/>
+  </p:clrMapOvr>
+</p:sld>
+</file>
+
+<file path=ppt/slides/slide25.xml><?xml version="1.0" encoding="utf-8"?>
+<p:sld xmlns:a="http://schemas.openxmlformats.org/drawingml/2006/main" xmlns:r="http://schemas.openxmlformats.org/officeDocument/2006/relationships" xmlns:p="http://schemas.openxmlformats.org/presentationml/2006/main">
+  <p:cSld>
+    <p:spTree>
+      <p:nvGrpSpPr>
+        <p:cNvPr id="1" name=""/>
+        <p:cNvGrpSpPr/>
+        <p:nvPr/>
+      </p:nvGrpSpPr>
+      <p:grpSpPr>
+        <a:xfrm>
+          <a:off x="0" y="0"/>
+          <a:ext cx="0" cy="0"/>
+          <a:chOff x="0" y="0"/>
+          <a:chExt cx="0" cy="0"/>
+        </a:xfrm>
+      </p:grpSpPr>
+      <p:sp>
+        <p:nvSpPr>
+          <p:cNvPr id="2" name="Title 1"/>
+          <p:cNvSpPr>
+            <a:spLocks noGrp="1"/>
+          </p:cNvSpPr>
+          <p:nvPr>
+            <p:ph type="title"/>
+          </p:nvPr>
+        </p:nvSpPr>
+        <p:spPr/>
+        <p:txBody>
+          <a:bodyPr/>
+          <a:lstStyle/>
+          <a:p>
+            <a:r>
+              <a:rPr lang="en-US" dirty="0" smtClean="0"/>
+              <a:t>Use standard library - random </a:t>
+            </a:r>
+            <a:endParaRPr lang="en-US" dirty="0"/>
+          </a:p>
+        </p:txBody>
+      </p:sp>
+      <p:sp>
+        <p:nvSpPr>
+          <p:cNvPr id="3" name="Content Placeholder 2"/>
+          <p:cNvSpPr>
+            <a:spLocks noGrp="1"/>
+          </p:cNvSpPr>
+          <p:nvPr>
+            <p:ph idx="1"/>
+          </p:nvPr>
+        </p:nvSpPr>
+        <p:spPr>
+          <a:xfrm>
+            <a:off x="990600" y="2095788"/>
+            <a:ext cx="3962400" cy="4267200"/>
+          </a:xfrm>
+        </p:spPr>
+        <p:txBody>
+          <a:bodyPr>
+            <a:normAutofit/>
+          </a:bodyPr>
+          <a:lstStyle/>
+          <a:p>
+            <a:pPr marL="0" indent="0">
+              <a:buNone/>
+            </a:pPr>
+            <a:r>
+              <a:rPr lang="en-US" dirty="0" err="1" smtClean="0"/>
+              <a:t>random.choice</a:t>
+            </a:r>
+            <a:r>
+              <a:rPr lang="en-US" dirty="0" smtClean="0"/>
+              <a:t>(</a:t>
+            </a:r>
+            <a:r>
+              <a:rPr lang="en-US" dirty="0" err="1" smtClean="0"/>
+              <a:t>seq</a:t>
+            </a:r>
+            <a:r>
+              <a:rPr lang="en-US" dirty="0"/>
+              <a:t>)</a:t>
+            </a:r>
+          </a:p>
+          <a:p>
+            <a:pPr marL="0" indent="0">
+              <a:buNone/>
+            </a:pPr>
+            <a:r>
+              <a:rPr lang="en-US" dirty="0" smtClean="0"/>
+              <a:t>	  </a:t>
+            </a:r>
+            <a:r>
+              <a:rPr lang="en-US" dirty="0"/>
+              <a:t>Return a random element from the </a:t>
+            </a:r>
+            <a:r>
+              <a:rPr lang="en-US" dirty="0" smtClean="0"/>
+              <a:t>non-empty sequence </a:t>
+            </a:r>
+            <a:r>
+              <a:rPr lang="en-US" dirty="0"/>
+              <a:t>seq. If </a:t>
+            </a:r>
+            <a:r>
+              <a:rPr lang="en-US" dirty="0" err="1"/>
+              <a:t>seq</a:t>
+            </a:r>
+            <a:r>
+              <a:rPr lang="en-US" dirty="0"/>
+              <a:t> is empty, raises </a:t>
+            </a:r>
+            <a:r>
+              <a:rPr lang="en-US" dirty="0" err="1"/>
+              <a:t>IndexError</a:t>
+            </a:r>
+            <a:r>
+              <a:rPr lang="en-US" dirty="0"/>
+              <a:t>.</a:t>
+            </a:r>
+          </a:p>
+          <a:p>
+            <a:pPr marL="0" indent="0">
+              <a:buNone/>
+            </a:pPr>
+            <a:endParaRPr lang="en-US" dirty="0"/>
+          </a:p>
+        </p:txBody>
+      </p:sp>
+      <p:sp>
+        <p:nvSpPr>
+          <p:cNvPr id="4" name="TextBox 3"/>
+          <p:cNvSpPr txBox="1"/>
+          <p:nvPr/>
+        </p:nvSpPr>
+        <p:spPr>
+          <a:xfrm>
+            <a:off x="6400800" y="1600200"/>
+            <a:ext cx="4724400" cy="5539978"/>
+          </a:xfrm>
+          <a:prstGeom prst="rect">
+            <a:avLst/>
+          </a:prstGeom>
+          <a:noFill/>
+        </p:spPr>
+        <p:txBody>
+          <a:bodyPr wrap="square" rtlCol="0">
+            <a:spAutoFit/>
+          </a:bodyPr>
+          <a:lstStyle/>
+          <a:p>
+            <a:r>
+              <a:rPr lang="en-US" sz="2400" dirty="0"/>
+              <a:t>&gt;&gt;&gt; import random</a:t>
+            </a:r>
+          </a:p>
+          <a:p>
+            <a:r>
+              <a:rPr lang="en-US" sz="2400" dirty="0"/>
+              <a:t>&gt;&gt;&gt; </a:t>
+            </a:r>
+            <a:r>
+              <a:rPr lang="en-US" sz="2400" dirty="0" err="1"/>
+              <a:t>random.choice</a:t>
+            </a:r>
+            <a:r>
+              <a:rPr lang="en-US" sz="2400" dirty="0"/>
+              <a:t>([1, 2, 3, 4, 5, 6])</a:t>
+            </a:r>
+          </a:p>
+          <a:p>
+            <a:r>
+              <a:rPr lang="en-US" sz="2400" dirty="0"/>
+              <a:t>2</a:t>
+            </a:r>
+          </a:p>
+          <a:p>
+            <a:r>
+              <a:rPr lang="en-US" sz="2400" dirty="0"/>
+              <a:t>&gt;&gt;&gt; </a:t>
+            </a:r>
+            <a:r>
+              <a:rPr lang="en-US" sz="2400" dirty="0" err="1"/>
+              <a:t>random.choice</a:t>
+            </a:r>
+            <a:r>
+              <a:rPr lang="en-US" sz="2400" dirty="0"/>
+              <a:t>([1, 2, 3, 4, 5, 6])</a:t>
+            </a:r>
+          </a:p>
+          <a:p>
+            <a:r>
+              <a:rPr lang="en-US" sz="2400" dirty="0"/>
+              <a:t>5</a:t>
+            </a:r>
+          </a:p>
+          <a:p>
+            <a:r>
+              <a:rPr lang="en-US" sz="2400" dirty="0"/>
+              <a:t>&gt;&gt;&gt; </a:t>
+            </a:r>
+            <a:r>
+              <a:rPr lang="en-US" sz="2400" dirty="0" err="1"/>
+              <a:t>random.choice</a:t>
+            </a:r>
+            <a:r>
+              <a:rPr lang="en-US" sz="2400" dirty="0"/>
+              <a:t>([1, 2, 3, 4, 5, 6])</a:t>
+            </a:r>
+          </a:p>
+          <a:p>
+            <a:r>
+              <a:rPr lang="en-US" sz="2400" dirty="0"/>
+              <a:t>3</a:t>
+            </a:r>
+          </a:p>
+          <a:p>
+            <a:r>
+              <a:rPr lang="en-US" sz="2400" dirty="0"/>
+              <a:t>&gt;&gt;&gt; </a:t>
+            </a:r>
+            <a:r>
+              <a:rPr lang="en-US" sz="2400" dirty="0" err="1"/>
+              <a:t>random.choice</a:t>
+            </a:r>
+            <a:r>
+              <a:rPr lang="en-US" sz="2400" dirty="0"/>
+              <a:t>([1, 2, 3, 4, 5, 6])</a:t>
+            </a:r>
+          </a:p>
+          <a:p>
+            <a:r>
+              <a:rPr lang="en-US" sz="2400" dirty="0"/>
+              <a:t>5</a:t>
+            </a:r>
+          </a:p>
+          <a:p>
+            <a:r>
+              <a:rPr lang="en-US" sz="2400" dirty="0"/>
+              <a:t>&gt;&gt;&gt; </a:t>
+            </a:r>
+            <a:r>
+              <a:rPr lang="en-US" sz="2400" dirty="0" err="1"/>
+              <a:t>random.choice</a:t>
+            </a:r>
+            <a:r>
+              <a:rPr lang="en-US" sz="2400" dirty="0"/>
+              <a:t>([1, 2, 3, 4, 5, 6])</a:t>
+            </a:r>
+          </a:p>
+          <a:p>
+            <a:r>
+              <a:rPr lang="en-US" sz="2400" dirty="0"/>
+              <a:t>4</a:t>
+            </a:r>
+          </a:p>
+          <a:p>
+            <a:r>
+              <a:rPr lang="en-US" sz="2400" dirty="0"/>
+              <a:t>&gt;&gt;&gt; </a:t>
+            </a:r>
+            <a:r>
+              <a:rPr lang="en-US" sz="2400" dirty="0" err="1"/>
+              <a:t>random.choice</a:t>
+            </a:r>
+            <a:r>
+              <a:rPr lang="en-US" sz="2400" dirty="0"/>
+              <a:t>([1, 2, 3, 4, 5, 6])</a:t>
+            </a:r>
+          </a:p>
+          <a:p>
+            <a:r>
+              <a:rPr lang="en-US" sz="2400" dirty="0"/>
+              <a:t>3</a:t>
+            </a:r>
+          </a:p>
+          <a:p>
+            <a:r>
+              <a:rPr lang="en-US" sz="2400" dirty="0"/>
+              <a:t>&gt;&gt;&gt; </a:t>
+            </a:r>
+          </a:p>
+          <a:p>
+            <a:endParaRPr lang="en-US" dirty="0"/>
+          </a:p>
+        </p:txBody>
+      </p:sp>
+    </p:spTree>
+    <p:extLst>
+      <p:ext uri="{BB962C8B-B14F-4D97-AF65-F5344CB8AC3E}">
+        <p14:creationId xmlns:p14="http://schemas.microsoft.com/office/powerpoint/2010/main" val="2236592876"/>
+      </p:ext>
+    </p:extLst>
+  </p:cSld>
+  <p:clrMapOvr>
+    <a:masterClrMapping/>
+  </p:clrMapOvr>
+</p:sld>
+</file>
+
+<file path=ppt/slides/slide26.xml><?xml version="1.0" encoding="utf-8"?>
+<p:sld xmlns:a="http://schemas.openxmlformats.org/drawingml/2006/main" xmlns:r="http://schemas.openxmlformats.org/officeDocument/2006/relationships" xmlns:p="http://schemas.openxmlformats.org/presentationml/2006/main">
+  <p:cSld>
+    <p:spTree>
+      <p:nvGrpSpPr>
+        <p:cNvPr id="1" name=""/>
+        <p:cNvGrpSpPr/>
+        <p:nvPr/>
+      </p:nvGrpSpPr>
+      <p:grpSpPr>
+        <a:xfrm>
+          <a:off x="0" y="0"/>
+          <a:ext cx="0" cy="0"/>
+          <a:chOff x="0" y="0"/>
+          <a:chExt cx="0" cy="0"/>
+        </a:xfrm>
+      </p:grpSpPr>
+      <p:sp>
+        <p:nvSpPr>
+          <p:cNvPr id="2" name="Title 1"/>
+          <p:cNvSpPr>
+            <a:spLocks noGrp="1"/>
+          </p:cNvSpPr>
+          <p:nvPr>
+            <p:ph type="title"/>
+          </p:nvPr>
+        </p:nvSpPr>
+        <p:spPr/>
+        <p:txBody>
+          <a:bodyPr/>
+          <a:lstStyle/>
+          <a:p>
+            <a:r>
+              <a:rPr lang="en-US" dirty="0" smtClean="0"/>
+              <a:t>Use standard library  -- random</a:t>
+            </a:r>
+            <a:endParaRPr lang="en-US" dirty="0"/>
+          </a:p>
+        </p:txBody>
+      </p:sp>
+      <p:sp>
+        <p:nvSpPr>
+          <p:cNvPr id="3" name="Content Placeholder 2"/>
+          <p:cNvSpPr>
+            <a:spLocks noGrp="1"/>
+          </p:cNvSpPr>
+          <p:nvPr>
+            <p:ph idx="1"/>
+          </p:nvPr>
+        </p:nvSpPr>
+        <p:spPr>
+          <a:xfrm>
+            <a:off x="1524000" y="1828800"/>
+            <a:ext cx="4419600" cy="3733800"/>
+          </a:xfrm>
+        </p:spPr>
+        <p:txBody>
+          <a:bodyPr/>
+          <a:lstStyle/>
+          <a:p>
+            <a:pPr marL="0" indent="0">
+              <a:buNone/>
+            </a:pPr>
+            <a:endParaRPr lang="en-US" dirty="0"/>
+          </a:p>
+          <a:p>
+            <a:pPr marL="0" indent="0">
+              <a:buNone/>
+            </a:pPr>
+            <a:r>
+              <a:rPr lang="en-US" dirty="0" err="1"/>
+              <a:t>random.randint</a:t>
+            </a:r>
+            <a:r>
+              <a:rPr lang="en-US" dirty="0"/>
+              <a:t>(a, b</a:t>
+            </a:r>
+            <a:r>
+              <a:rPr lang="en-US" dirty="0" smtClean="0"/>
+              <a:t>)</a:t>
+            </a:r>
+            <a:endParaRPr lang="en-US" dirty="0"/>
+          </a:p>
+          <a:p>
+            <a:pPr marL="0" indent="0">
+              <a:buNone/>
+            </a:pPr>
+            <a:r>
+              <a:rPr lang="en-US" dirty="0"/>
+              <a:t>    Return a random integer N such that a &lt;= N &lt;= b. Alias for </a:t>
+            </a:r>
+            <a:r>
+              <a:rPr lang="en-US" dirty="0" err="1"/>
+              <a:t>randrange</a:t>
+            </a:r>
+            <a:r>
+              <a:rPr lang="en-US" dirty="0"/>
+              <a:t>(a, b+1).</a:t>
+            </a:r>
+          </a:p>
+          <a:p>
+            <a:pPr marL="0" indent="0">
+              <a:buNone/>
+            </a:pPr>
+            <a:endParaRPr lang="en-US" dirty="0"/>
+          </a:p>
+        </p:txBody>
+      </p:sp>
+      <p:sp>
+        <p:nvSpPr>
+          <p:cNvPr id="4" name="TextBox 3"/>
+          <p:cNvSpPr txBox="1"/>
+          <p:nvPr/>
+        </p:nvSpPr>
+        <p:spPr>
+          <a:xfrm>
+            <a:off x="6400800" y="1600200"/>
+            <a:ext cx="4724400" cy="5909310"/>
+          </a:xfrm>
+          <a:prstGeom prst="rect">
+            <a:avLst/>
+          </a:prstGeom>
+          <a:noFill/>
+        </p:spPr>
+        <p:txBody>
+          <a:bodyPr wrap="square" rtlCol="0">
+            <a:spAutoFit/>
+          </a:bodyPr>
+          <a:lstStyle/>
+          <a:p>
+            <a:r>
+              <a:rPr lang="en-US" sz="2400" dirty="0"/>
+              <a:t>&gt;&gt;&gt; </a:t>
+            </a:r>
+            <a:r>
+              <a:rPr lang="en-US" sz="2400" dirty="0" err="1"/>
+              <a:t>random.randint</a:t>
+            </a:r>
+            <a:r>
+              <a:rPr lang="en-US" sz="2400" dirty="0"/>
+              <a:t>(1,6)</a:t>
+            </a:r>
+          </a:p>
+          <a:p>
+            <a:r>
+              <a:rPr lang="en-US" sz="2400" dirty="0"/>
+              <a:t>6</a:t>
+            </a:r>
+          </a:p>
+          <a:p>
+            <a:r>
+              <a:rPr lang="en-US" sz="2400" dirty="0"/>
+              <a:t>&gt;&gt;&gt; </a:t>
+            </a:r>
+            <a:r>
+              <a:rPr lang="en-US" sz="2400" dirty="0" err="1"/>
+              <a:t>random.randint</a:t>
+            </a:r>
+            <a:r>
+              <a:rPr lang="en-US" sz="2400" dirty="0"/>
+              <a:t>(1,6)</a:t>
+            </a:r>
+          </a:p>
+          <a:p>
+            <a:r>
+              <a:rPr lang="en-US" sz="2400" dirty="0"/>
+              <a:t>4</a:t>
+            </a:r>
+          </a:p>
+          <a:p>
+            <a:r>
+              <a:rPr lang="en-US" sz="2400" dirty="0"/>
+              <a:t>&gt;&gt;&gt; </a:t>
+            </a:r>
+            <a:r>
+              <a:rPr lang="en-US" sz="2400" dirty="0" err="1"/>
+              <a:t>random.randint</a:t>
+            </a:r>
+            <a:r>
+              <a:rPr lang="en-US" sz="2400" dirty="0"/>
+              <a:t>(1,6)</a:t>
+            </a:r>
+          </a:p>
+          <a:p>
+            <a:r>
+              <a:rPr lang="en-US" sz="2400" dirty="0"/>
+              <a:t>2</a:t>
+            </a:r>
+          </a:p>
+          <a:p>
+            <a:r>
+              <a:rPr lang="en-US" sz="2400" dirty="0"/>
+              <a:t>&gt;&gt;&gt; </a:t>
+            </a:r>
+            <a:r>
+              <a:rPr lang="en-US" sz="2400" dirty="0" err="1"/>
+              <a:t>random.randint</a:t>
+            </a:r>
+            <a:r>
+              <a:rPr lang="en-US" sz="2400" dirty="0"/>
+              <a:t>(1,6)</a:t>
+            </a:r>
+          </a:p>
+          <a:p>
+            <a:r>
+              <a:rPr lang="en-US" sz="2400" dirty="0"/>
+              <a:t>5</a:t>
+            </a:r>
+          </a:p>
+          <a:p>
+            <a:r>
+              <a:rPr lang="en-US" sz="2400" dirty="0"/>
+              <a:t>&gt;&gt;&gt; </a:t>
+            </a:r>
+            <a:r>
+              <a:rPr lang="en-US" sz="2400" dirty="0" err="1"/>
+              <a:t>random.randint</a:t>
+            </a:r>
+            <a:r>
+              <a:rPr lang="en-US" sz="2400" dirty="0"/>
+              <a:t>(1,6)</a:t>
+            </a:r>
+          </a:p>
+          <a:p>
+            <a:r>
+              <a:rPr lang="en-US" sz="2400" dirty="0"/>
+              <a:t>5</a:t>
+            </a:r>
+          </a:p>
+          <a:p>
+            <a:r>
+              <a:rPr lang="en-US" sz="2400" dirty="0"/>
+              <a:t>&gt;&gt;&gt; </a:t>
+            </a:r>
+            <a:r>
+              <a:rPr lang="en-US" sz="2400" dirty="0" err="1"/>
+              <a:t>random.randint</a:t>
+            </a:r>
+            <a:r>
+              <a:rPr lang="en-US" sz="2400" dirty="0"/>
+              <a:t>(1,6)</a:t>
+            </a:r>
+          </a:p>
+          <a:p>
+            <a:r>
+              <a:rPr lang="en-US" sz="2400" dirty="0"/>
+              <a:t>4</a:t>
+            </a:r>
+          </a:p>
+          <a:p>
+            <a:r>
+              <a:rPr lang="en-US" sz="2400" dirty="0"/>
+              <a:t>&gt;&gt;&gt; </a:t>
+            </a:r>
+            <a:r>
+              <a:rPr lang="en-US" sz="2400" dirty="0" err="1"/>
+              <a:t>random.randint</a:t>
+            </a:r>
+            <a:r>
+              <a:rPr lang="en-US" sz="2400" dirty="0"/>
+              <a:t>(1,6)</a:t>
+            </a:r>
+          </a:p>
+          <a:p>
+            <a:r>
+              <a:rPr lang="en-US" sz="2400" dirty="0"/>
+              <a:t>3</a:t>
+            </a:r>
+          </a:p>
+          <a:p>
+            <a:r>
+              <a:rPr lang="en-US" sz="2400" dirty="0"/>
+              <a:t>&gt;&gt;&gt; </a:t>
+            </a:r>
+          </a:p>
+          <a:p>
+            <a:endParaRPr lang="en-US" dirty="0"/>
+          </a:p>
+        </p:txBody>
+      </p:sp>
+    </p:spTree>
+    <p:extLst>
+      <p:ext uri="{BB962C8B-B14F-4D97-AF65-F5344CB8AC3E}">
+        <p14:creationId xmlns:p14="http://schemas.microsoft.com/office/powerpoint/2010/main" val="70095845"/>
+      </p:ext>
+    </p:extLst>
+  </p:cSld>
+  <p:clrMapOvr>
+    <a:masterClrMapping/>
+  </p:clrMapOvr>
+</p:sld>
+</file>
+
+<file path=ppt/slides/slide27.xml><?xml version="1.0" encoding="utf-8"?>
+<p:sld xmlns:a="http://schemas.openxmlformats.org/drawingml/2006/main" xmlns:r="http://schemas.openxmlformats.org/officeDocument/2006/relationships" xmlns:p="http://schemas.openxmlformats.org/presentationml/2006/main">
+  <p:cSld>
+    <p:spTree>
+      <p:nvGrpSpPr>
+        <p:cNvPr id="1" name=""/>
+        <p:cNvGrpSpPr/>
+        <p:nvPr/>
+      </p:nvGrpSpPr>
+      <p:grpSpPr>
+        <a:xfrm>
+          <a:off x="0" y="0"/>
+          <a:ext cx="0" cy="0"/>
+          <a:chOff x="0" y="0"/>
+          <a:chExt cx="0" cy="0"/>
+        </a:xfrm>
+      </p:grpSpPr>
+      <p:sp>
+        <p:nvSpPr>
+          <p:cNvPr id="2" name="Title 1"/>
+          <p:cNvSpPr>
+            <a:spLocks noGrp="1"/>
+          </p:cNvSpPr>
+          <p:nvPr>
+            <p:ph type="title"/>
+          </p:nvPr>
+        </p:nvSpPr>
+        <p:spPr/>
+        <p:txBody>
+          <a:bodyPr/>
+          <a:lstStyle/>
+          <a:p>
+            <a:r>
+              <a:rPr lang="en-US" dirty="0" smtClean="0"/>
+              <a:t>Work through example</a:t>
+            </a:r>
+            <a:endParaRPr lang="en-US" dirty="0"/>
+          </a:p>
+        </p:txBody>
+      </p:sp>
+      <p:sp>
+        <p:nvSpPr>
+          <p:cNvPr id="3" name="Content Placeholder 2"/>
+          <p:cNvSpPr>
+            <a:spLocks noGrp="1"/>
+          </p:cNvSpPr>
+          <p:nvPr>
+            <p:ph idx="1"/>
+          </p:nvPr>
+        </p:nvSpPr>
+        <p:spPr/>
+        <p:txBody>
+          <a:bodyPr/>
+          <a:lstStyle/>
+          <a:p>
+            <a:r>
+              <a:rPr lang="en-US" dirty="0" smtClean="0"/>
+              <a:t>Simulate the “knock out” dice game for Kids</a:t>
+            </a:r>
+          </a:p>
+          <a:p>
+            <a:pPr marL="0" indent="0">
+              <a:buNone/>
+            </a:pPr>
+            <a:r>
+              <a:rPr lang="en-US" dirty="0"/>
+              <a:t> Each player chooses a “knock out number” – either 6, 7, 8, or 9. More than one player can choose the same number.</a:t>
+            </a:r>
+          </a:p>
+          <a:p>
+            <a:pPr marL="0" indent="0">
+              <a:buNone/>
+            </a:pPr>
+            <a:r>
+              <a:rPr lang="en-US" dirty="0"/>
+              <a:t>    Players take turns throwing both dice, once each turn. Add the number of both dice for the score.</a:t>
+            </a:r>
+          </a:p>
+          <a:p>
+            <a:pPr marL="0" indent="0">
+              <a:buNone/>
+            </a:pPr>
+            <a:r>
+              <a:rPr lang="en-US" dirty="0"/>
+              <a:t>    If a player throws a 6, 7, or 8, they are knocked out of the game until the next round.</a:t>
+            </a:r>
+          </a:p>
+        </p:txBody>
+      </p:sp>
+    </p:spTree>
+    <p:extLst>
+      <p:ext uri="{BB962C8B-B14F-4D97-AF65-F5344CB8AC3E}">
+        <p14:creationId xmlns:p14="http://schemas.microsoft.com/office/powerpoint/2010/main" val="1127723341"/>
+      </p:ext>
+    </p:extLst>
+  </p:cSld>
+  <p:clrMapOvr>
+    <a:masterClrMapping/>
+  </p:clrMapOvr>
+</p:sld>
+</file>
+
+<file path=ppt/slides/slide28.xml><?xml version="1.0" encoding="utf-8"?>
+<p:sld xmlns:a="http://schemas.openxmlformats.org/drawingml/2006/main" xmlns:r="http://schemas.openxmlformats.org/officeDocument/2006/relationships" xmlns:p="http://schemas.openxmlformats.org/presentationml/2006/main">
+  <p:cSld>
+    <p:spTree>
+      <p:nvGrpSpPr>
+        <p:cNvPr id="1" name=""/>
+        <p:cNvGrpSpPr/>
+        <p:nvPr/>
+      </p:nvGrpSpPr>
+      <p:grpSpPr>
+        <a:xfrm>
+          <a:off x="0" y="0"/>
+          <a:ext cx="0" cy="0"/>
+          <a:chOff x="0" y="0"/>
+          <a:chExt cx="0" cy="0"/>
+        </a:xfrm>
+      </p:grpSpPr>
+      <p:sp>
+        <p:nvSpPr>
+          <p:cNvPr id="2" name="Title 1"/>
+          <p:cNvSpPr>
+            <a:spLocks noGrp="1"/>
+          </p:cNvSpPr>
+          <p:nvPr>
+            <p:ph type="title"/>
+          </p:nvPr>
+        </p:nvSpPr>
+        <p:spPr/>
+        <p:txBody>
+          <a:bodyPr/>
+          <a:lstStyle/>
+          <a:p>
+            <a:r>
+              <a:rPr lang="en-US" smtClean="0"/>
+              <a:t>Homework Assignment. </a:t>
+            </a:r>
+            <a:endParaRPr lang="en-US"/>
+          </a:p>
+        </p:txBody>
+      </p:sp>
+      <p:sp>
+        <p:nvSpPr>
+          <p:cNvPr id="3" name="Content Placeholder 2"/>
+          <p:cNvSpPr>
+            <a:spLocks noGrp="1"/>
+          </p:cNvSpPr>
+          <p:nvPr>
+            <p:ph idx="1"/>
+          </p:nvPr>
+        </p:nvSpPr>
+        <p:spPr/>
+        <p:txBody>
+          <a:bodyPr/>
+          <a:lstStyle/>
+          <a:p>
+            <a:r>
+              <a:rPr lang="en-US" dirty="0" smtClean="0"/>
+              <a:t>On K:/ Drive</a:t>
+            </a:r>
+            <a:endParaRPr lang="en-US" dirty="0"/>
+          </a:p>
+        </p:txBody>
+      </p:sp>
+    </p:spTree>
+    <p:extLst>
+      <p:ext uri="{BB962C8B-B14F-4D97-AF65-F5344CB8AC3E}">
+        <p14:creationId xmlns:p14="http://schemas.microsoft.com/office/powerpoint/2010/main" val="449419556"/>
       </p:ext>
     </p:extLst>
   </p:cSld>
@@ -11916,6 +13967,200 @@
               </a:rPr>
               <a:t>False</a:t>
             </a:r>
+          </a:p>
+        </p:txBody>
+      </p:sp>
+      <p:sp>
+        <p:nvSpPr>
+          <p:cNvPr id="12" name="Rectangle 11"/>
+          <p:cNvSpPr/>
+          <p:nvPr/>
+        </p:nvSpPr>
+        <p:spPr>
+          <a:xfrm>
+            <a:off x="7772400" y="1265538"/>
+            <a:ext cx="3695700" cy="1077218"/>
+          </a:xfrm>
+          <a:prstGeom prst="rect">
+            <a:avLst/>
+          </a:prstGeom>
+          <a:solidFill>
+            <a:schemeClr val="accent5">
+              <a:lumMod val="75000"/>
+            </a:schemeClr>
+          </a:solidFill>
+        </p:spPr>
+        <p:txBody>
+          <a:bodyPr wrap="square">
+            <a:spAutoFit/>
+          </a:bodyPr>
+          <a:lstStyle/>
+          <a:p>
+            <a:r>
+              <a:rPr lang="en-US" sz="3200" dirty="0">
+                <a:solidFill>
+                  <a:srgbClr val="C586C0"/>
+                </a:solidFill>
+                <a:latin typeface="Consolas" panose="020B0609020204030204" pitchFamily="49" charset="0"/>
+              </a:rPr>
+              <a:t>if</a:t>
+            </a:r>
+            <a:r>
+              <a:rPr lang="en-US" sz="3200" dirty="0">
+                <a:solidFill>
+                  <a:srgbClr val="D4D4D4"/>
+                </a:solidFill>
+                <a:latin typeface="Consolas" panose="020B0609020204030204" pitchFamily="49" charset="0"/>
+              </a:rPr>
+              <a:t> expression:</a:t>
+            </a:r>
+          </a:p>
+          <a:p>
+            <a:r>
+              <a:rPr lang="en-US" sz="3200" dirty="0">
+                <a:solidFill>
+                  <a:srgbClr val="D4D4D4"/>
+                </a:solidFill>
+                <a:latin typeface="Consolas" panose="020B0609020204030204" pitchFamily="49" charset="0"/>
+              </a:rPr>
+              <a:t>    </a:t>
+            </a:r>
+            <a:r>
+              <a:rPr lang="en-US" sz="3200" dirty="0">
+                <a:solidFill>
+                  <a:srgbClr val="C586C0"/>
+                </a:solidFill>
+                <a:latin typeface="Consolas" panose="020B0609020204030204" pitchFamily="49" charset="0"/>
+              </a:rPr>
+              <a:t>pass</a:t>
+            </a:r>
+            <a:endParaRPr lang="en-US" sz="3200" b="0" dirty="0">
+              <a:solidFill>
+                <a:srgbClr val="D4D4D4"/>
+              </a:solidFill>
+              <a:effectLst/>
+              <a:latin typeface="Consolas" panose="020B0609020204030204" pitchFamily="49" charset="0"/>
+            </a:endParaRPr>
+          </a:p>
+        </p:txBody>
+      </p:sp>
+      <p:sp>
+        <p:nvSpPr>
+          <p:cNvPr id="13" name="Rectangle 12"/>
+          <p:cNvSpPr/>
+          <p:nvPr/>
+        </p:nvSpPr>
+        <p:spPr>
+          <a:xfrm>
+            <a:off x="8553450" y="3222812"/>
+            <a:ext cx="3486150" cy="2062103"/>
+          </a:xfrm>
+          <a:prstGeom prst="rect">
+            <a:avLst/>
+          </a:prstGeom>
+          <a:solidFill>
+            <a:schemeClr val="accent5">
+              <a:lumMod val="75000"/>
+            </a:schemeClr>
+          </a:solidFill>
+        </p:spPr>
+        <p:txBody>
+          <a:bodyPr wrap="square">
+            <a:spAutoFit/>
+          </a:bodyPr>
+          <a:lstStyle/>
+          <a:p>
+            <a:r>
+              <a:rPr lang="en-US" sz="3200" dirty="0">
+                <a:solidFill>
+                  <a:srgbClr val="C586C0"/>
+                </a:solidFill>
+                <a:latin typeface="Consolas" panose="020B0609020204030204" pitchFamily="49" charset="0"/>
+              </a:rPr>
+              <a:t>if</a:t>
+            </a:r>
+            <a:r>
+              <a:rPr lang="en-US" sz="3200" dirty="0">
+                <a:solidFill>
+                  <a:srgbClr val="D4D4D4"/>
+                </a:solidFill>
+                <a:latin typeface="Consolas" panose="020B0609020204030204" pitchFamily="49" charset="0"/>
+              </a:rPr>
+              <a:t> condition:</a:t>
+            </a:r>
+          </a:p>
+          <a:p>
+            <a:r>
+              <a:rPr lang="en-US" sz="3200" dirty="0">
+                <a:solidFill>
+                  <a:srgbClr val="D4D4D4"/>
+                </a:solidFill>
+                <a:latin typeface="Consolas" panose="020B0609020204030204" pitchFamily="49" charset="0"/>
+              </a:rPr>
+              <a:t>    </a:t>
+            </a:r>
+            <a:r>
+              <a:rPr lang="en-US" sz="3200" dirty="0">
+                <a:solidFill>
+                  <a:srgbClr val="C586C0"/>
+                </a:solidFill>
+                <a:latin typeface="Consolas" panose="020B0609020204030204" pitchFamily="49" charset="0"/>
+              </a:rPr>
+              <a:t>pass</a:t>
+            </a:r>
+            <a:endParaRPr lang="en-US" sz="3200" dirty="0">
+              <a:solidFill>
+                <a:srgbClr val="D4D4D4"/>
+              </a:solidFill>
+              <a:latin typeface="Consolas" panose="020B0609020204030204" pitchFamily="49" charset="0"/>
+            </a:endParaRPr>
+          </a:p>
+          <a:p>
+            <a:r>
+              <a:rPr lang="en-US" sz="3200" dirty="0">
+                <a:solidFill>
+                  <a:srgbClr val="C586C0"/>
+                </a:solidFill>
+                <a:latin typeface="Consolas" panose="020B0609020204030204" pitchFamily="49" charset="0"/>
+              </a:rPr>
+              <a:t>else</a:t>
+            </a:r>
+            <a:r>
+              <a:rPr lang="en-US" sz="3200" dirty="0">
+                <a:solidFill>
+                  <a:srgbClr val="D4D4D4"/>
+                </a:solidFill>
+                <a:latin typeface="Consolas" panose="020B0609020204030204" pitchFamily="49" charset="0"/>
+              </a:rPr>
+              <a:t>:</a:t>
+            </a:r>
+          </a:p>
+          <a:p>
+            <a:r>
+              <a:rPr lang="en-US" sz="3200" dirty="0">
+                <a:solidFill>
+                  <a:srgbClr val="D4D4D4"/>
+                </a:solidFill>
+                <a:latin typeface="Consolas" panose="020B0609020204030204" pitchFamily="49" charset="0"/>
+              </a:rPr>
+              <a:t>    </a:t>
+            </a:r>
+            <a:r>
+              <a:rPr lang="en-US" sz="3200" dirty="0">
+                <a:solidFill>
+                  <a:srgbClr val="C586C0"/>
+                </a:solidFill>
+                <a:latin typeface="Consolas" panose="020B0609020204030204" pitchFamily="49" charset="0"/>
+              </a:rPr>
+              <a:t>pass</a:t>
+            </a:r>
+            <a:endParaRPr lang="en-US" sz="3200" b="0" dirty="0">
+              <a:solidFill>
+                <a:srgbClr val="D4D4D4"/>
+              </a:solidFill>
+              <a:effectLst/>
+              <a:latin typeface="Consolas" panose="020B0609020204030204" pitchFamily="49" charset="0"/>
+            </a:endParaRPr>
           </a:p>
         </p:txBody>
       </p:sp>
@@ -11965,20 +14210,8 @@
           <a:lstStyle/>
           <a:p>
             <a:r>
-              <a:rPr lang="en-US" dirty="0"/>
-              <a:t>i</a:t>
-            </a:r>
-            <a:r>
               <a:rPr lang="en-US" dirty="0" smtClean="0"/>
-              <a:t>f </a:t>
-            </a:r>
-            <a:r>
-              <a:rPr lang="en-US" dirty="0" err="1" smtClean="0"/>
-              <a:t>elif</a:t>
-            </a:r>
-            <a:r>
-              <a:rPr lang="en-US" dirty="0" smtClean="0"/>
-              <a:t>  else  syntax</a:t>
+              <a:t>Condition expression --- True or False</a:t>
             </a:r>
             <a:endParaRPr lang="en-US" dirty="0"/>
           </a:p>
@@ -11994,219 +14227,130 @@
             <p:ph idx="1"/>
           </p:nvPr>
         </p:nvSpPr>
-        <p:spPr/>
+        <p:spPr>
+          <a:xfrm>
+            <a:off x="1524000" y="1828800"/>
+            <a:ext cx="9448800" cy="4572000"/>
+          </a:xfrm>
+        </p:spPr>
         <p:txBody>
           <a:bodyPr>
-            <a:normAutofit fontScale="92500" lnSpcReduction="10000"/>
+            <a:normAutofit/>
           </a:bodyPr>
           <a:lstStyle/>
+          <a:p>
+            <a:r>
+              <a:rPr lang="en-US" altLang="en-US" dirty="0"/>
+              <a:t>Usually a condition is formed using a </a:t>
+            </a:r>
+            <a:r>
+              <a:rPr lang="en-US" altLang="en-US" i="1" dirty="0">
+                <a:solidFill>
+                  <a:srgbClr val="CC6600"/>
+                </a:solidFill>
+              </a:rPr>
+              <a:t>relational operator</a:t>
+            </a:r>
+          </a:p>
+          <a:p>
+            <a:r>
+              <a:rPr lang="en-US" altLang="en-US" dirty="0"/>
+              <a:t>A relational operator determines if a specific relationship exists between two values</a:t>
+            </a:r>
+          </a:p>
+          <a:p>
+            <a:pPr marL="365760" lvl="1" indent="0">
+              <a:buNone/>
+            </a:pPr>
+            <a:r>
+              <a:rPr lang="en-US" altLang="en-US" dirty="0"/>
+              <a:t>&gt;	Greater than</a:t>
+            </a:r>
+          </a:p>
+          <a:p>
+            <a:pPr marL="365760" lvl="1" indent="0">
+              <a:buNone/>
+            </a:pPr>
+            <a:r>
+              <a:rPr lang="en-US" altLang="en-US" dirty="0"/>
+              <a:t>&lt;	Less than</a:t>
+            </a:r>
+          </a:p>
+          <a:p>
+            <a:pPr marL="365760" lvl="1" indent="0">
+              <a:buNone/>
+            </a:pPr>
+            <a:r>
+              <a:rPr lang="en-US" altLang="en-US" dirty="0" smtClean="0"/>
+              <a:t>==</a:t>
+            </a:r>
+            <a:r>
+              <a:rPr lang="en-US" altLang="en-US" dirty="0"/>
+              <a:t>	Equal to</a:t>
+            </a:r>
+          </a:p>
+          <a:p>
+            <a:pPr marL="365760" lvl="1" indent="0">
+              <a:buNone/>
+            </a:pPr>
+            <a:r>
+              <a:rPr lang="en-US" altLang="en-US" dirty="0" smtClean="0"/>
+              <a:t>!=</a:t>
+            </a:r>
+            <a:r>
+              <a:rPr lang="en-US" altLang="en-US" dirty="0"/>
+              <a:t>	Not equal to</a:t>
+            </a:r>
+          </a:p>
+          <a:p>
+            <a:pPr marL="365760" lvl="1" indent="0">
+              <a:buNone/>
+            </a:pPr>
+            <a:r>
+              <a:rPr lang="en-US" altLang="en-US" dirty="0"/>
+              <a:t>&gt;=	Greater than or equal to</a:t>
+            </a:r>
+          </a:p>
+          <a:p>
+            <a:pPr marL="365760" lvl="1" indent="0">
+              <a:buNone/>
+            </a:pPr>
+            <a:r>
+              <a:rPr lang="en-US" altLang="en-US" dirty="0"/>
+              <a:t>&lt;=	Less than or equal </a:t>
+            </a:r>
+            <a:r>
+              <a:rPr lang="en-US" altLang="en-US" dirty="0" smtClean="0"/>
+              <a:t>to</a:t>
+            </a:r>
+          </a:p>
           <a:p>
             <a:pPr marL="0" indent="0">
               <a:buNone/>
             </a:pPr>
             <a:r>
-              <a:rPr lang="en-US" dirty="0"/>
-              <a:t>if grade &gt;= 90:</a:t>
+              <a:rPr lang="en-US" altLang="en-US" dirty="0"/>
+              <a:t>Relational operators yield a True or False result</a:t>
             </a:r>
           </a:p>
           <a:p>
             <a:pPr marL="0" indent="0">
               <a:buNone/>
             </a:pPr>
-            <a:r>
-              <a:rPr lang="en-US" dirty="0"/>
-              <a:t>    print( "A")</a:t>
-            </a:r>
+            <a:endParaRPr lang="en-US" altLang="en-US" dirty="0"/>
           </a:p>
           <a:p>
             <a:pPr marL="0" indent="0">
               <a:buNone/>
             </a:pPr>
-            <a:r>
-              <a:rPr lang="en-US" dirty="0" err="1"/>
-              <a:t>elif</a:t>
-            </a:r>
-            <a:r>
-              <a:rPr lang="en-US" dirty="0"/>
-              <a:t> grade &gt;=80:</a:t>
-            </a:r>
-          </a:p>
-          <a:p>
-            <a:pPr marL="0" indent="0">
-              <a:buNone/>
-            </a:pPr>
-            <a:r>
-              <a:rPr lang="en-US" dirty="0"/>
-              <a:t>    print("B")</a:t>
-            </a:r>
-          </a:p>
-          <a:p>
-            <a:pPr marL="0" indent="0">
-              <a:buNone/>
-            </a:pPr>
-            <a:r>
-              <a:rPr lang="en-US" dirty="0" err="1"/>
-              <a:t>elif</a:t>
-            </a:r>
-            <a:r>
-              <a:rPr lang="en-US" dirty="0"/>
-              <a:t> grade &gt;=70:</a:t>
-            </a:r>
-          </a:p>
-          <a:p>
-            <a:pPr marL="0" indent="0">
-              <a:buNone/>
-            </a:pPr>
-            <a:r>
-              <a:rPr lang="en-US" dirty="0"/>
-              <a:t>    print("C")</a:t>
-            </a:r>
-          </a:p>
-          <a:p>
-            <a:pPr marL="0" indent="0">
-              <a:buNone/>
-            </a:pPr>
-            <a:r>
-              <a:rPr lang="en-US" dirty="0"/>
-              <a:t>else:</a:t>
-            </a:r>
-          </a:p>
-          <a:p>
-            <a:pPr marL="0" indent="0">
-              <a:buNone/>
-            </a:pPr>
-            <a:r>
-              <a:rPr lang="en-US" dirty="0"/>
-              <a:t>    print("F")</a:t>
-            </a:r>
-          </a:p>
-        </p:txBody>
-      </p:sp>
-      <p:sp>
-        <p:nvSpPr>
-          <p:cNvPr id="4" name="TextBox 3"/>
-          <p:cNvSpPr txBox="1"/>
-          <p:nvPr/>
-        </p:nvSpPr>
-        <p:spPr>
-          <a:xfrm>
-            <a:off x="6629400" y="1615440"/>
-            <a:ext cx="4648200" cy="4893647"/>
-          </a:xfrm>
-          <a:prstGeom prst="rect">
-            <a:avLst/>
-          </a:prstGeom>
-          <a:noFill/>
-        </p:spPr>
-        <p:txBody>
-          <a:bodyPr wrap="square" rtlCol="0">
-            <a:spAutoFit/>
-          </a:bodyPr>
-          <a:lstStyle/>
-          <a:p>
-            <a:r>
-              <a:rPr lang="en-US" sz="2400" dirty="0" smtClean="0"/>
-              <a:t>Indention matters</a:t>
-            </a:r>
-            <a:r>
-              <a:rPr lang="en-US" sz="2400" dirty="0"/>
-              <a:t>! indentation is Python’s way of grouping statements</a:t>
-            </a:r>
-            <a:r>
-              <a:rPr lang="en-US" sz="2400" dirty="0" smtClean="0"/>
-              <a:t>.</a:t>
-            </a:r>
-          </a:p>
-          <a:p>
-            <a:r>
-              <a:rPr lang="en-US" sz="2400" dirty="0"/>
-              <a:t>you have to type a tab or space(s) for each indented line.</a:t>
-            </a:r>
-            <a:endParaRPr lang="en-US" sz="2400" dirty="0" smtClean="0"/>
-          </a:p>
-          <a:p>
-            <a:endParaRPr lang="en-US" sz="2400" dirty="0"/>
-          </a:p>
-          <a:p>
-            <a:r>
-              <a:rPr lang="en-US" sz="2400" dirty="0" smtClean="0"/>
-              <a:t>Pay attention to   </a:t>
-            </a:r>
-            <a:r>
-              <a:rPr lang="en-US" sz="2400" dirty="0" smtClean="0">
-                <a:solidFill>
-                  <a:srgbClr val="FF0000"/>
-                </a:solidFill>
-              </a:rPr>
-              <a:t>: </a:t>
-            </a:r>
-          </a:p>
-          <a:p>
-            <a:endParaRPr lang="en-US" sz="2400" dirty="0"/>
-          </a:p>
-          <a:p>
-            <a:r>
-              <a:rPr lang="en-US" sz="2400" dirty="0" smtClean="0"/>
-              <a:t>Key word</a:t>
-            </a:r>
-          </a:p>
-          <a:p>
-            <a:endParaRPr lang="en-US" sz="2400" dirty="0"/>
-          </a:p>
-          <a:p>
-            <a:r>
-              <a:rPr lang="en-US" sz="2400" b="1" dirty="0" smtClean="0">
-                <a:solidFill>
-                  <a:srgbClr val="FF0000"/>
-                </a:solidFill>
-              </a:rPr>
-              <a:t>if </a:t>
-            </a:r>
-          </a:p>
-          <a:p>
-            <a:r>
-              <a:rPr lang="en-US" sz="2400" b="1" dirty="0" err="1" smtClean="0">
-                <a:solidFill>
-                  <a:srgbClr val="FF0000"/>
-                </a:solidFill>
-              </a:rPr>
-              <a:t>elif</a:t>
-            </a:r>
-            <a:r>
-              <a:rPr lang="en-US" sz="2400" b="1" dirty="0" smtClean="0">
-                <a:solidFill>
-                  <a:srgbClr val="FF0000"/>
-                </a:solidFill>
-              </a:rPr>
-              <a:t> </a:t>
-            </a:r>
-            <a:endParaRPr lang="en-US" sz="2400" b="1" dirty="0">
-              <a:solidFill>
-                <a:srgbClr val="FF0000"/>
-              </a:solidFill>
-            </a:endParaRPr>
-          </a:p>
-          <a:p>
-            <a:r>
-              <a:rPr lang="en-US" sz="2400" b="1" dirty="0" smtClean="0">
-                <a:solidFill>
-                  <a:srgbClr val="FF0000"/>
-                </a:solidFill>
-              </a:rPr>
-              <a:t>else</a:t>
-            </a:r>
-            <a:endParaRPr lang="en-US" sz="2400" b="1" dirty="0">
-              <a:solidFill>
-                <a:srgbClr val="FF0000"/>
-              </a:solidFill>
-            </a:endParaRPr>
+            <a:endParaRPr lang="en-US" dirty="0"/>
           </a:p>
         </p:txBody>
       </p:sp>
     </p:spTree>
     <p:extLst>
       <p:ext uri="{BB962C8B-B14F-4D97-AF65-F5344CB8AC3E}">
-        <p14:creationId xmlns:p14="http://schemas.microsoft.com/office/powerpoint/2010/main" val="2676134838"/>
+        <p14:creationId xmlns:p14="http://schemas.microsoft.com/office/powerpoint/2010/main" val="341938919"/>
       </p:ext>
     </p:extLst>
   </p:cSld>
@@ -12250,7 +14394,7 @@
           <a:p>
             <a:r>
               <a:rPr lang="en-US" dirty="0" smtClean="0"/>
-              <a:t>Condition expression</a:t>
+              <a:t>Check value of the following condition</a:t>
             </a:r>
             <a:endParaRPr lang="en-US" dirty="0"/>
           </a:p>
@@ -12269,8 +14413,13 @@
         <p:spPr>
           <a:xfrm>
             <a:off x="1524000" y="1828800"/>
-            <a:ext cx="9448800" cy="4572000"/>
+            <a:ext cx="3810000" cy="4572000"/>
           </a:xfrm>
+          <a:solidFill>
+            <a:schemeClr val="accent5">
+              <a:lumMod val="75000"/>
+            </a:schemeClr>
+          </a:solidFill>
         </p:spPr>
         <p:txBody>
           <a:bodyPr>
@@ -12278,118 +14427,169 @@
           </a:bodyPr>
           <a:lstStyle/>
           <a:p>
-            <a:r>
-              <a:rPr lang="en-US" altLang="en-US" dirty="0"/>
-              <a:t>Usually a condition is formed using a </a:t>
-            </a:r>
-            <a:r>
-              <a:rPr lang="en-US" altLang="en-US" i="1" dirty="0">
-                <a:solidFill>
-                  <a:srgbClr val="CC6600"/>
-                </a:solidFill>
-              </a:rPr>
-              <a:t>relational operator</a:t>
-            </a:r>
-          </a:p>
-          <a:p>
-            <a:r>
-              <a:rPr lang="en-US" altLang="en-US" dirty="0"/>
-              <a:t>A relational operator determines if a specific relationship exists between two values</a:t>
-            </a:r>
-          </a:p>
-          <a:p>
-            <a:pPr marL="365760" lvl="1" indent="0">
-              <a:buNone/>
-            </a:pPr>
-            <a:r>
-              <a:rPr lang="en-US" altLang="en-US" dirty="0"/>
-              <a:t>&gt;	Greater than</a:t>
-            </a:r>
-          </a:p>
-          <a:p>
-            <a:pPr marL="365760" lvl="1" indent="0">
-              <a:buNone/>
-            </a:pPr>
-            <a:r>
-              <a:rPr lang="en-US" altLang="en-US" dirty="0"/>
-              <a:t>&lt;	Less than</a:t>
-            </a:r>
-          </a:p>
-          <a:p>
-            <a:pPr marL="365760" lvl="1" indent="0">
-              <a:buNone/>
-            </a:pPr>
-            <a:r>
-              <a:rPr lang="en-US" altLang="en-US" dirty="0" smtClean="0"/>
-              <a:t>==</a:t>
-            </a:r>
-            <a:r>
-              <a:rPr lang="en-US" altLang="en-US" dirty="0"/>
-              <a:t>	Equal to</a:t>
-            </a:r>
-          </a:p>
-          <a:p>
-            <a:pPr marL="365760" lvl="1" indent="0">
-              <a:buNone/>
-            </a:pPr>
-            <a:r>
-              <a:rPr lang="en-US" altLang="en-US" dirty="0" smtClean="0"/>
-              <a:t>!=</a:t>
-            </a:r>
-            <a:r>
-              <a:rPr lang="en-US" altLang="en-US" dirty="0"/>
-              <a:t>	Not equal to</a:t>
-            </a:r>
-          </a:p>
-          <a:p>
-            <a:pPr marL="365760" lvl="1" indent="0">
-              <a:buNone/>
-            </a:pPr>
-            <a:r>
-              <a:rPr lang="en-US" altLang="en-US" dirty="0"/>
-              <a:t>&gt;=	Greater than or equal to</a:t>
-            </a:r>
-          </a:p>
-          <a:p>
-            <a:pPr marL="365760" lvl="1" indent="0">
-              <a:buNone/>
-            </a:pPr>
-            <a:r>
-              <a:rPr lang="en-US" altLang="en-US" dirty="0"/>
-              <a:t>&lt;=	Less than or equal </a:t>
-            </a:r>
-            <a:r>
-              <a:rPr lang="en-US" altLang="en-US" dirty="0" smtClean="0"/>
-              <a:t>to</a:t>
-            </a:r>
-          </a:p>
-          <a:p>
             <a:pPr marL="0" indent="0">
               <a:buNone/>
             </a:pPr>
             <a:r>
-              <a:rPr lang="en-US" altLang="en-US" dirty="0"/>
-              <a:t>Relational operators yield a True or False result</a:t>
+              <a:rPr lang="es-ES" dirty="0"/>
+              <a:t>&gt;&gt;&gt; x = 100</a:t>
             </a:r>
           </a:p>
           <a:p>
             <a:pPr marL="0" indent="0">
               <a:buNone/>
             </a:pPr>
-            <a:endParaRPr lang="en-US" altLang="en-US" dirty="0"/>
+            <a:r>
+              <a:rPr lang="es-ES" dirty="0"/>
+              <a:t>&gt;&gt;&gt; y = 80 </a:t>
+            </a:r>
+          </a:p>
+          <a:p>
+            <a:pPr marL="0" indent="0">
+              <a:buNone/>
+            </a:pPr>
+            <a:r>
+              <a:rPr lang="es-ES" dirty="0"/>
+              <a:t>&gt;&gt;&gt; x == </a:t>
+            </a:r>
+            <a:r>
+              <a:rPr lang="es-ES" dirty="0" smtClean="0"/>
+              <a:t>y</a:t>
+            </a:r>
+          </a:p>
+          <a:p>
+            <a:pPr marL="0" indent="0">
+              <a:buNone/>
+            </a:pPr>
+            <a:r>
+              <a:rPr lang="es-ES" dirty="0"/>
+              <a:t>&gt;&gt;&gt; x &gt; y</a:t>
+            </a:r>
+          </a:p>
+          <a:p>
+            <a:pPr marL="0" indent="0">
+              <a:buNone/>
+            </a:pPr>
+            <a:r>
+              <a:rPr lang="es-ES" dirty="0" smtClean="0"/>
+              <a:t>&gt;&gt;&gt; </a:t>
+            </a:r>
+            <a:r>
+              <a:rPr lang="es-ES" dirty="0"/>
+              <a:t>x &gt; 100</a:t>
+            </a:r>
+          </a:p>
+          <a:p>
+            <a:pPr marL="0" indent="0">
+              <a:buNone/>
+            </a:pPr>
+            <a:r>
+              <a:rPr lang="es-ES" dirty="0" smtClean="0"/>
+              <a:t>&gt;&gt;&gt; </a:t>
+            </a:r>
+            <a:r>
+              <a:rPr lang="es-ES" dirty="0"/>
+              <a:t>x &lt; 100</a:t>
+            </a:r>
+          </a:p>
+          <a:p>
+            <a:pPr marL="0" indent="0">
+              <a:buNone/>
+            </a:pPr>
+            <a:endParaRPr lang="es-ES" dirty="0"/>
           </a:p>
           <a:p>
             <a:pPr marL="0" indent="0">
               <a:buNone/>
             </a:pPr>
             <a:endParaRPr lang="en-US" dirty="0"/>
+          </a:p>
+        </p:txBody>
+      </p:sp>
+      <p:sp>
+        <p:nvSpPr>
+          <p:cNvPr id="4" name="Rectangle 3"/>
+          <p:cNvSpPr/>
+          <p:nvPr/>
+        </p:nvSpPr>
+        <p:spPr>
+          <a:xfrm>
+            <a:off x="7086600" y="1828800"/>
+            <a:ext cx="3124200" cy="1938992"/>
+          </a:xfrm>
+          <a:prstGeom prst="rect">
+            <a:avLst/>
+          </a:prstGeom>
+          <a:solidFill>
+            <a:schemeClr val="accent5">
+              <a:lumMod val="75000"/>
+            </a:schemeClr>
+          </a:solidFill>
+        </p:spPr>
+        <p:txBody>
+          <a:bodyPr wrap="square">
+            <a:spAutoFit/>
+          </a:bodyPr>
+          <a:lstStyle/>
+          <a:p>
+            <a:r>
+              <a:rPr lang="en-US" sz="2400" dirty="0"/>
+              <a:t>&gt;&gt;&gt; name = "Mary"</a:t>
+            </a:r>
+          </a:p>
+          <a:p>
+            <a:r>
+              <a:rPr lang="en-US" sz="2400" dirty="0"/>
+              <a:t>&gt;&gt;&gt; </a:t>
+            </a:r>
+            <a:r>
+              <a:rPr lang="en-US" sz="2400" dirty="0" err="1"/>
+              <a:t>hername</a:t>
+            </a:r>
+            <a:r>
+              <a:rPr lang="en-US" sz="2400" dirty="0"/>
+              <a:t> = "</a:t>
+            </a:r>
+            <a:r>
+              <a:rPr lang="en-US" sz="2400" dirty="0" err="1"/>
+              <a:t>mary</a:t>
+            </a:r>
+            <a:r>
+              <a:rPr lang="en-US" sz="2400" dirty="0"/>
+              <a:t>"</a:t>
+            </a:r>
+          </a:p>
+          <a:p>
+            <a:r>
+              <a:rPr lang="en-US" sz="2400" dirty="0"/>
+              <a:t>&gt;&gt;&gt; name == </a:t>
+            </a:r>
+            <a:r>
+              <a:rPr lang="en-US" sz="2400" dirty="0" err="1" smtClean="0"/>
+              <a:t>hername</a:t>
+            </a:r>
+            <a:endParaRPr lang="en-US" sz="2400" dirty="0" smtClean="0"/>
+          </a:p>
+          <a:p>
+            <a:r>
+              <a:rPr lang="en-US" sz="2400" dirty="0"/>
+              <a:t>&gt;&gt;&gt; name != </a:t>
+            </a:r>
+            <a:r>
+              <a:rPr lang="en-US" sz="2400" dirty="0" err="1"/>
+              <a:t>hername</a:t>
+            </a:r>
+            <a:endParaRPr lang="en-US" sz="2400" dirty="0"/>
+          </a:p>
+          <a:p>
+            <a:endParaRPr lang="en-US" sz="2400" dirty="0"/>
           </a:p>
         </p:txBody>
       </p:sp>
     </p:spTree>
     <p:extLst>
       <p:ext uri="{BB962C8B-B14F-4D97-AF65-F5344CB8AC3E}">
-        <p14:creationId xmlns:p14="http://schemas.microsoft.com/office/powerpoint/2010/main" val="1480509545"/>
+        <p14:creationId xmlns:p14="http://schemas.microsoft.com/office/powerpoint/2010/main" val="880051998"/>
       </p:ext>
     </p:extLst>
   </p:cSld>
@@ -12687,7 +14887,7 @@
           <a:p>
             <a:r>
               <a:rPr lang="en-US" dirty="0" smtClean="0"/>
-              <a:t>Work Through Example</a:t>
+              <a:t>Review Example</a:t>
             </a:r>
             <a:endParaRPr lang="en-US" dirty="0"/>
           </a:p>
@@ -12706,66 +14906,160 @@
         <p:spPr/>
         <p:txBody>
           <a:bodyPr>
-            <a:normAutofit/>
+            <a:normAutofit lnSpcReduction="10000"/>
           </a:bodyPr>
           <a:lstStyle/>
-          <a:p>
-            <a:r>
-              <a:rPr lang="en-US" dirty="0" smtClean="0"/>
-              <a:t>Change your BMI.py </a:t>
-            </a:r>
-          </a:p>
           <a:p>
             <a:pPr marL="0" indent="0">
               <a:buNone/>
             </a:pPr>
             <a:r>
               <a:rPr lang="en-US" dirty="0" smtClean="0"/>
-              <a:t>Calculate your BMI and display  the range according to the following  guidelines. </a:t>
-            </a:r>
-          </a:p>
-          <a:p>
-            <a:pPr marL="365760" lvl="1" indent="0">
+              <a:t>Check whether a </a:t>
+            </a:r>
+            <a:r>
+              <a:rPr lang="en-US" dirty="0" err="1" smtClean="0"/>
+              <a:t>keycode</a:t>
+            </a:r>
+            <a:r>
+              <a:rPr lang="en-US" dirty="0" smtClean="0"/>
+              <a:t> is correct,  if yes, print out a message “ Login successfully “ , otherwise print out a message “ Key code incorrect”</a:t>
+            </a:r>
+          </a:p>
+          <a:p>
+            <a:pPr marL="0" indent="0">
               <a:buNone/>
             </a:pPr>
-            <a:r>
-              <a:rPr lang="en-US" dirty="0"/>
-              <a:t>If your BMI is less than 18.5, it falls within the underweight range.</a:t>
-            </a:r>
-          </a:p>
-          <a:p>
-            <a:pPr marL="365760" lvl="1" indent="0">
+            <a:endParaRPr lang="en-US" dirty="0"/>
+          </a:p>
+          <a:p>
+            <a:pPr marL="0" indent="0">
               <a:buNone/>
             </a:pPr>
             <a:r>
-              <a:rPr lang="en-US" dirty="0"/>
-              <a:t>If your BMI is 18.5 to &lt;25, it falls within the normal.</a:t>
-            </a:r>
-          </a:p>
-          <a:p>
-            <a:pPr marL="365760" lvl="1" indent="0">
+              <a:rPr lang="en-US" b="1" dirty="0">
+                <a:solidFill>
+                  <a:srgbClr val="FF0000"/>
+                </a:solidFill>
+              </a:rPr>
+              <a:t>if </a:t>
+            </a:r>
+            <a:r>
+              <a:rPr lang="en-US" b="1" dirty="0" err="1">
+                <a:solidFill>
+                  <a:srgbClr val="FF0000"/>
+                </a:solidFill>
+              </a:rPr>
+              <a:t>keycode</a:t>
+            </a:r>
+            <a:r>
+              <a:rPr lang="en-US" b="1" dirty="0">
+                <a:solidFill>
+                  <a:srgbClr val="FF0000"/>
+                </a:solidFill>
+              </a:rPr>
+              <a:t> in </a:t>
+            </a:r>
+            <a:r>
+              <a:rPr lang="en-US" b="1" dirty="0" err="1">
+                <a:solidFill>
+                  <a:srgbClr val="FF0000"/>
+                </a:solidFill>
+              </a:rPr>
+              <a:t>codelist</a:t>
+            </a:r>
+            <a:r>
+              <a:rPr lang="en-US" b="1" dirty="0">
+                <a:solidFill>
+                  <a:srgbClr val="FF0000"/>
+                </a:solidFill>
+              </a:rPr>
+              <a:t>:</a:t>
+            </a:r>
+          </a:p>
+          <a:p>
+            <a:pPr marL="0" indent="0">
               <a:buNone/>
             </a:pPr>
             <a:r>
-              <a:rPr lang="en-US" dirty="0"/>
-              <a:t>If your BMI is 25.0 to &lt;30, it falls within the overweight range.</a:t>
-            </a:r>
-          </a:p>
-          <a:p>
-            <a:pPr marL="365760" lvl="1" indent="0">
+              <a:rPr lang="en-US" b="1" dirty="0">
+                <a:solidFill>
+                  <a:srgbClr val="FF0000"/>
+                </a:solidFill>
+              </a:rPr>
+              <a:t>    print("Login in successful")</a:t>
+            </a:r>
+          </a:p>
+          <a:p>
+            <a:pPr marL="0" indent="0">
               <a:buNone/>
             </a:pPr>
             <a:r>
-              <a:rPr lang="en-US" dirty="0"/>
-              <a:t>If your BMI is 30.0 or higher, it falls within the obese range</a:t>
-            </a:r>
+              <a:rPr lang="en-US" b="1" dirty="0">
+                <a:solidFill>
+                  <a:srgbClr val="FF0000"/>
+                </a:solidFill>
+              </a:rPr>
+              <a:t>else:</a:t>
+            </a:r>
+          </a:p>
+          <a:p>
+            <a:pPr marL="0" indent="0">
+              <a:buNone/>
+            </a:pPr>
+            <a:r>
+              <a:rPr lang="en-US" b="1" dirty="0">
+                <a:solidFill>
+                  <a:srgbClr val="FF0000"/>
+                </a:solidFill>
+              </a:rPr>
+              <a:t>    print(</a:t>
+            </a:r>
+            <a:r>
+              <a:rPr lang="en-US" b="1" dirty="0" err="1">
+                <a:solidFill>
+                  <a:srgbClr val="FF0000"/>
+                </a:solidFill>
+              </a:rPr>
+              <a:t>f"Sorry</a:t>
+            </a:r>
+            <a:r>
+              <a:rPr lang="en-US" b="1" dirty="0">
+                <a:solidFill>
+                  <a:srgbClr val="FF0000"/>
+                </a:solidFill>
+              </a:rPr>
+              <a:t>, your code {</a:t>
+            </a:r>
+            <a:r>
+              <a:rPr lang="en-US" b="1" dirty="0" err="1">
+                <a:solidFill>
+                  <a:srgbClr val="FF0000"/>
+                </a:solidFill>
+              </a:rPr>
+              <a:t>keycode</a:t>
+            </a:r>
+            <a:r>
+              <a:rPr lang="en-US" b="1" dirty="0">
+                <a:solidFill>
+                  <a:srgbClr val="FF0000"/>
+                </a:solidFill>
+              </a:rPr>
+              <a:t>} is incorrect")</a:t>
+            </a:r>
+          </a:p>
+          <a:p>
+            <a:pPr marL="0" indent="0">
+              <a:buNone/>
+            </a:pPr>
+            <a:endParaRPr lang="en-US" dirty="0"/>
           </a:p>
         </p:txBody>
       </p:sp>
     </p:spTree>
     <p:extLst>
       <p:ext uri="{BB962C8B-B14F-4D97-AF65-F5344CB8AC3E}">
-        <p14:creationId xmlns:p14="http://schemas.microsoft.com/office/powerpoint/2010/main" val="1279469961"/>
+        <p14:creationId xmlns:p14="http://schemas.microsoft.com/office/powerpoint/2010/main" val="1941729269"/>
       </p:ext>
     </p:extLst>
   </p:cSld>
@@ -12808,8 +15102,20 @@
           <a:lstStyle/>
           <a:p>
             <a:r>
-              <a:rPr lang="en-US" altLang="zh-CN" dirty="0" smtClean="0"/>
-              <a:t>More work through example</a:t>
+              <a:rPr lang="en-US" dirty="0"/>
+              <a:t>i</a:t>
+            </a:r>
+            <a:r>
+              <a:rPr lang="en-US" dirty="0" smtClean="0"/>
+              <a:t>f </a:t>
+            </a:r>
+            <a:r>
+              <a:rPr lang="en-US" dirty="0" err="1" smtClean="0"/>
+              <a:t>elif</a:t>
+            </a:r>
+            <a:r>
+              <a:rPr lang="en-US" dirty="0" smtClean="0"/>
+              <a:t>  else  syntax</a:t>
             </a:r>
             <a:endParaRPr lang="en-US" dirty="0"/>
           </a:p>
@@ -12827,95 +15133,475 @@
         </p:nvSpPr>
         <p:spPr/>
         <p:txBody>
-          <a:bodyPr/>
+          <a:bodyPr>
+            <a:normAutofit fontScale="92500" lnSpcReduction="10000"/>
+          </a:bodyPr>
           <a:lstStyle/>
-          <a:p>
-            <a:pPr>
-              <a:defRPr/>
-            </a:pPr>
-            <a:r>
-              <a:rPr lang="en-US" dirty="0"/>
-              <a:t>Find the shipping rate of a package</a:t>
-            </a:r>
-          </a:p>
-          <a:p>
-            <a:pPr marL="0" indent="0">
-              <a:buFont typeface="Wingdings" panose="05000000000000000000" pitchFamily="2" charset="2"/>
-              <a:buNone/>
-              <a:defRPr/>
-            </a:pPr>
-            <a:r>
-              <a:rPr lang="en-US" dirty="0"/>
-              <a:t>Weight of the package in kilogram        Shipping rate</a:t>
-            </a:r>
-          </a:p>
-          <a:p>
-            <a:pPr marL="0" indent="0">
-              <a:buFont typeface="Wingdings" panose="05000000000000000000" pitchFamily="2" charset="2"/>
-              <a:buNone/>
-              <a:defRPr/>
-            </a:pPr>
-            <a:r>
-              <a:rPr lang="en-US" dirty="0"/>
-              <a:t>   2kg or less                                              $0.01</a:t>
-            </a:r>
-          </a:p>
-          <a:p>
-            <a:pPr marL="0" indent="0">
-              <a:buFont typeface="Wingdings" panose="05000000000000000000" pitchFamily="2" charset="2"/>
-              <a:buNone/>
-              <a:defRPr/>
-            </a:pPr>
-            <a:r>
-              <a:rPr lang="en-US" dirty="0"/>
-              <a:t>  over 2kg, but not more than 6kg              $0.015</a:t>
-            </a:r>
-          </a:p>
-          <a:p>
-            <a:pPr marL="0" indent="0">
-              <a:buFont typeface="Wingdings" panose="05000000000000000000" pitchFamily="2" charset="2"/>
-              <a:buNone/>
-              <a:defRPr/>
-            </a:pPr>
-            <a:r>
-              <a:rPr lang="en-US" dirty="0"/>
-              <a:t>  over 6kg, but not more than 10kg            $0.02</a:t>
-            </a:r>
-          </a:p>
-          <a:p>
-            <a:pPr marL="0" indent="0">
-              <a:buFont typeface="Wingdings" panose="05000000000000000000" pitchFamily="2" charset="2"/>
-              <a:buNone/>
-              <a:defRPr/>
-            </a:pPr>
-            <a:r>
-              <a:rPr lang="en-US" dirty="0"/>
-              <a:t>  over 10kg, but not more than 20kg          $0.025</a:t>
-            </a:r>
-          </a:p>
-          <a:p>
-            <a:pPr marL="0" indent="0">
-              <a:buFont typeface="Wingdings" panose="05000000000000000000" pitchFamily="2" charset="2"/>
-              <a:buNone/>
-              <a:defRPr/>
-            </a:pPr>
-            <a:r>
-              <a:rPr lang="en-US" dirty="0"/>
-              <a:t>Over20kg  ----- No allowed for shipping</a:t>
-            </a:r>
-          </a:p>
           <a:p>
             <a:pPr marL="0" indent="0">
               <a:buNone/>
             </a:pPr>
-            <a:endParaRPr lang="en-US" dirty="0"/>
+            <a:r>
+              <a:rPr lang="en-US" dirty="0"/>
+              <a:t>if grade &gt;= 90:</a:t>
+            </a:r>
+          </a:p>
+          <a:p>
+            <a:pPr marL="0" indent="0">
+              <a:buNone/>
+            </a:pPr>
+            <a:r>
+              <a:rPr lang="en-US" dirty="0"/>
+              <a:t>    print( "A")</a:t>
+            </a:r>
+          </a:p>
+          <a:p>
+            <a:pPr marL="0" indent="0">
+              <a:buNone/>
+            </a:pPr>
+            <a:r>
+              <a:rPr lang="en-US" dirty="0" err="1"/>
+              <a:t>elif</a:t>
+            </a:r>
+            <a:r>
+              <a:rPr lang="en-US" dirty="0"/>
+              <a:t> grade &gt;=80:</a:t>
+            </a:r>
+          </a:p>
+          <a:p>
+            <a:pPr marL="0" indent="0">
+              <a:buNone/>
+            </a:pPr>
+            <a:r>
+              <a:rPr lang="en-US" dirty="0"/>
+              <a:t>    print("B")</a:t>
+            </a:r>
+          </a:p>
+          <a:p>
+            <a:pPr marL="0" indent="0">
+              <a:buNone/>
+            </a:pPr>
+            <a:r>
+              <a:rPr lang="en-US" dirty="0" err="1"/>
+              <a:t>elif</a:t>
+            </a:r>
+            <a:r>
+              <a:rPr lang="en-US" dirty="0"/>
+              <a:t> grade &gt;=70:</a:t>
+            </a:r>
+          </a:p>
+          <a:p>
+            <a:pPr marL="0" indent="0">
+              <a:buNone/>
+            </a:pPr>
+            <a:r>
+              <a:rPr lang="en-US" dirty="0"/>
+              <a:t>    print("C")</a:t>
+            </a:r>
+          </a:p>
+          <a:p>
+            <a:pPr marL="0" indent="0">
+              <a:buNone/>
+            </a:pPr>
+            <a:r>
+              <a:rPr lang="en-US" dirty="0"/>
+              <a:t>else:</a:t>
+            </a:r>
+          </a:p>
+          <a:p>
+            <a:pPr marL="0" indent="0">
+              <a:buNone/>
+            </a:pPr>
+            <a:r>
+              <a:rPr lang="en-US" dirty="0"/>
+              <a:t>    print("F")</a:t>
+            </a:r>
+          </a:p>
+        </p:txBody>
+      </p:sp>
+      <p:sp>
+        <p:nvSpPr>
+          <p:cNvPr id="4" name="TextBox 3"/>
+          <p:cNvSpPr txBox="1"/>
+          <p:nvPr/>
+        </p:nvSpPr>
+        <p:spPr>
+          <a:xfrm>
+            <a:off x="7543800" y="1515576"/>
+            <a:ext cx="4648200" cy="4893647"/>
+          </a:xfrm>
+          <a:prstGeom prst="rect">
+            <a:avLst/>
+          </a:prstGeom>
+          <a:noFill/>
+        </p:spPr>
+        <p:txBody>
+          <a:bodyPr wrap="square" rtlCol="0">
+            <a:spAutoFit/>
+          </a:bodyPr>
+          <a:lstStyle/>
+          <a:p>
+            <a:r>
+              <a:rPr lang="en-US" sz="2400" dirty="0" smtClean="0"/>
+              <a:t>Indention matters</a:t>
+            </a:r>
+            <a:r>
+              <a:rPr lang="en-US" sz="2400" dirty="0"/>
+              <a:t>! indentation is Python’s way of grouping statements</a:t>
+            </a:r>
+            <a:r>
+              <a:rPr lang="en-US" sz="2400" dirty="0" smtClean="0"/>
+              <a:t>.</a:t>
+            </a:r>
+          </a:p>
+          <a:p>
+            <a:r>
+              <a:rPr lang="en-US" sz="2400" dirty="0"/>
+              <a:t>you have to type a tab or space(s) for each indented line.</a:t>
+            </a:r>
+            <a:endParaRPr lang="en-US" sz="2400" dirty="0" smtClean="0"/>
+          </a:p>
+          <a:p>
+            <a:endParaRPr lang="en-US" sz="2400" dirty="0"/>
+          </a:p>
+          <a:p>
+            <a:r>
+              <a:rPr lang="en-US" sz="2400" dirty="0" smtClean="0"/>
+              <a:t>Pay attention to   </a:t>
+            </a:r>
+            <a:r>
+              <a:rPr lang="en-US" sz="2400" dirty="0" smtClean="0">
+                <a:solidFill>
+                  <a:srgbClr val="FF0000"/>
+                </a:solidFill>
+              </a:rPr>
+              <a:t>: </a:t>
+            </a:r>
+          </a:p>
+          <a:p>
+            <a:endParaRPr lang="en-US" sz="2400" dirty="0"/>
+          </a:p>
+          <a:p>
+            <a:r>
+              <a:rPr lang="en-US" sz="2400" dirty="0" smtClean="0"/>
+              <a:t>Key word</a:t>
+            </a:r>
+          </a:p>
+          <a:p>
+            <a:endParaRPr lang="en-US" sz="2400" dirty="0"/>
+          </a:p>
+          <a:p>
+            <a:r>
+              <a:rPr lang="en-US" sz="2400" b="1" dirty="0" smtClean="0">
+                <a:solidFill>
+                  <a:srgbClr val="FF0000"/>
+                </a:solidFill>
+              </a:rPr>
+              <a:t>if </a:t>
+            </a:r>
+          </a:p>
+          <a:p>
+            <a:r>
+              <a:rPr lang="en-US" sz="2400" b="1" dirty="0" err="1" smtClean="0">
+                <a:solidFill>
+                  <a:srgbClr val="FF0000"/>
+                </a:solidFill>
+              </a:rPr>
+              <a:t>elif</a:t>
+            </a:r>
+            <a:r>
+              <a:rPr lang="en-US" sz="2400" b="1" dirty="0" smtClean="0">
+                <a:solidFill>
+                  <a:srgbClr val="FF0000"/>
+                </a:solidFill>
+              </a:rPr>
+              <a:t> </a:t>
+            </a:r>
+            <a:endParaRPr lang="en-US" sz="2400" b="1" dirty="0">
+              <a:solidFill>
+                <a:srgbClr val="FF0000"/>
+              </a:solidFill>
+            </a:endParaRPr>
+          </a:p>
+          <a:p>
+            <a:r>
+              <a:rPr lang="en-US" sz="2400" b="1" dirty="0" smtClean="0">
+                <a:solidFill>
+                  <a:srgbClr val="FF0000"/>
+                </a:solidFill>
+              </a:rPr>
+              <a:t>else</a:t>
+            </a:r>
+            <a:endParaRPr lang="en-US" sz="2400" b="1" dirty="0">
+              <a:solidFill>
+                <a:srgbClr val="FF0000"/>
+              </a:solidFill>
+            </a:endParaRPr>
+          </a:p>
+        </p:txBody>
+      </p:sp>
+      <p:sp>
+        <p:nvSpPr>
+          <p:cNvPr id="5" name="Rectangle 4"/>
+          <p:cNvSpPr/>
+          <p:nvPr/>
+        </p:nvSpPr>
+        <p:spPr>
+          <a:xfrm>
+            <a:off x="4114800" y="1959129"/>
+            <a:ext cx="3124200" cy="3785652"/>
+          </a:xfrm>
+          <a:prstGeom prst="rect">
+            <a:avLst/>
+          </a:prstGeom>
+          <a:solidFill>
+            <a:schemeClr val="accent5">
+              <a:lumMod val="75000"/>
+            </a:schemeClr>
+          </a:solidFill>
+        </p:spPr>
+        <p:txBody>
+          <a:bodyPr wrap="square">
+            <a:spAutoFit/>
+          </a:bodyPr>
+          <a:lstStyle/>
+          <a:p>
+            <a:r>
+              <a:rPr lang="en-US" sz="2400" dirty="0">
+                <a:solidFill>
+                  <a:srgbClr val="C586C0"/>
+                </a:solidFill>
+                <a:latin typeface="Consolas" panose="020B0609020204030204" pitchFamily="49" charset="0"/>
+              </a:rPr>
+              <a:t>if</a:t>
+            </a:r>
+            <a:r>
+              <a:rPr lang="en-US" sz="2400" dirty="0">
+                <a:solidFill>
+                  <a:srgbClr val="D4D4D4"/>
+                </a:solidFill>
+                <a:latin typeface="Consolas" panose="020B0609020204030204" pitchFamily="49" charset="0"/>
+              </a:rPr>
+              <a:t> expression:</a:t>
+            </a:r>
+          </a:p>
+          <a:p>
+            <a:r>
+              <a:rPr lang="en-US" sz="2400" dirty="0">
+                <a:solidFill>
+                  <a:srgbClr val="D4D4D4"/>
+                </a:solidFill>
+                <a:latin typeface="Consolas" panose="020B0609020204030204" pitchFamily="49" charset="0"/>
+              </a:rPr>
+              <a:t>    </a:t>
+            </a:r>
+            <a:r>
+              <a:rPr lang="en-US" sz="2400" dirty="0">
+                <a:solidFill>
+                  <a:srgbClr val="C586C0"/>
+                </a:solidFill>
+                <a:latin typeface="Consolas" panose="020B0609020204030204" pitchFamily="49" charset="0"/>
+              </a:rPr>
+              <a:t>pass</a:t>
+            </a:r>
+            <a:endParaRPr lang="en-US" sz="2400" dirty="0">
+              <a:solidFill>
+                <a:srgbClr val="D4D4D4"/>
+              </a:solidFill>
+              <a:latin typeface="Consolas" panose="020B0609020204030204" pitchFamily="49" charset="0"/>
+            </a:endParaRPr>
+          </a:p>
+          <a:p>
+            <a:r>
+              <a:rPr lang="en-US" sz="2400" dirty="0" err="1">
+                <a:solidFill>
+                  <a:srgbClr val="C586C0"/>
+                </a:solidFill>
+                <a:latin typeface="Consolas" panose="020B0609020204030204" pitchFamily="49" charset="0"/>
+              </a:rPr>
+              <a:t>elif</a:t>
+            </a:r>
+            <a:r>
+              <a:rPr lang="en-US" sz="2400" dirty="0">
+                <a:solidFill>
+                  <a:srgbClr val="D4D4D4"/>
+                </a:solidFill>
+                <a:latin typeface="Consolas" panose="020B0609020204030204" pitchFamily="49" charset="0"/>
+              </a:rPr>
+              <a:t> expression:</a:t>
+            </a:r>
+          </a:p>
+          <a:p>
+            <a:r>
+              <a:rPr lang="en-US" sz="2400" dirty="0">
+                <a:solidFill>
+                  <a:srgbClr val="D4D4D4"/>
+                </a:solidFill>
+                <a:latin typeface="Consolas" panose="020B0609020204030204" pitchFamily="49" charset="0"/>
+              </a:rPr>
+              <a:t>    </a:t>
+            </a:r>
+            <a:r>
+              <a:rPr lang="en-US" sz="2400" dirty="0">
+                <a:solidFill>
+                  <a:srgbClr val="C586C0"/>
+                </a:solidFill>
+                <a:latin typeface="Consolas" panose="020B0609020204030204" pitchFamily="49" charset="0"/>
+              </a:rPr>
+              <a:t>pass</a:t>
+            </a:r>
+            <a:endParaRPr lang="en-US" sz="2400" dirty="0">
+              <a:solidFill>
+                <a:srgbClr val="D4D4D4"/>
+              </a:solidFill>
+              <a:latin typeface="Consolas" panose="020B0609020204030204" pitchFamily="49" charset="0"/>
+            </a:endParaRPr>
+          </a:p>
+          <a:p>
+            <a:r>
+              <a:rPr lang="en-US" sz="2400" dirty="0" err="1">
+                <a:solidFill>
+                  <a:srgbClr val="C586C0"/>
+                </a:solidFill>
+                <a:latin typeface="Consolas" panose="020B0609020204030204" pitchFamily="49" charset="0"/>
+              </a:rPr>
+              <a:t>elif</a:t>
+            </a:r>
+            <a:r>
+              <a:rPr lang="en-US" sz="2400" dirty="0">
+                <a:solidFill>
+                  <a:srgbClr val="D4D4D4"/>
+                </a:solidFill>
+                <a:latin typeface="Consolas" panose="020B0609020204030204" pitchFamily="49" charset="0"/>
+              </a:rPr>
+              <a:t> expression:</a:t>
+            </a:r>
+          </a:p>
+          <a:p>
+            <a:r>
+              <a:rPr lang="en-US" sz="2400" dirty="0">
+                <a:solidFill>
+                  <a:srgbClr val="D4D4D4"/>
+                </a:solidFill>
+                <a:latin typeface="Consolas" panose="020B0609020204030204" pitchFamily="49" charset="0"/>
+              </a:rPr>
+              <a:t>    </a:t>
+            </a:r>
+            <a:r>
+              <a:rPr lang="en-US" sz="2400" dirty="0">
+                <a:solidFill>
+                  <a:srgbClr val="C586C0"/>
+                </a:solidFill>
+                <a:latin typeface="Consolas" panose="020B0609020204030204" pitchFamily="49" charset="0"/>
+              </a:rPr>
+              <a:t>pass</a:t>
+            </a:r>
+            <a:endParaRPr lang="en-US" sz="2400" dirty="0">
+              <a:solidFill>
+                <a:srgbClr val="D4D4D4"/>
+              </a:solidFill>
+              <a:latin typeface="Consolas" panose="020B0609020204030204" pitchFamily="49" charset="0"/>
+            </a:endParaRPr>
+          </a:p>
+          <a:p>
+            <a:r>
+              <a:rPr lang="en-US" sz="2400" dirty="0" err="1">
+                <a:solidFill>
+                  <a:srgbClr val="C586C0"/>
+                </a:solidFill>
+                <a:latin typeface="Consolas" panose="020B0609020204030204" pitchFamily="49" charset="0"/>
+              </a:rPr>
+              <a:t>elif</a:t>
+            </a:r>
+            <a:r>
+              <a:rPr lang="en-US" sz="2400" dirty="0">
+                <a:solidFill>
+                  <a:srgbClr val="D4D4D4"/>
+                </a:solidFill>
+                <a:latin typeface="Consolas" panose="020B0609020204030204" pitchFamily="49" charset="0"/>
+              </a:rPr>
+              <a:t> expression:</a:t>
+            </a:r>
+          </a:p>
+          <a:p>
+            <a:r>
+              <a:rPr lang="en-US" sz="2400" dirty="0">
+                <a:solidFill>
+                  <a:srgbClr val="D4D4D4"/>
+                </a:solidFill>
+                <a:latin typeface="Consolas" panose="020B0609020204030204" pitchFamily="49" charset="0"/>
+              </a:rPr>
+              <a:t>    </a:t>
+            </a:r>
+            <a:r>
+              <a:rPr lang="en-US" sz="2400" dirty="0">
+                <a:solidFill>
+                  <a:srgbClr val="C586C0"/>
+                </a:solidFill>
+                <a:latin typeface="Consolas" panose="020B0609020204030204" pitchFamily="49" charset="0"/>
+              </a:rPr>
+              <a:t>pass</a:t>
+            </a:r>
+            <a:endParaRPr lang="en-US" sz="2400" dirty="0">
+              <a:solidFill>
+                <a:srgbClr val="D4D4D4"/>
+              </a:solidFill>
+              <a:latin typeface="Consolas" panose="020B0609020204030204" pitchFamily="49" charset="0"/>
+            </a:endParaRPr>
+          </a:p>
+          <a:p>
+            <a:r>
+              <a:rPr lang="en-US" sz="2400" dirty="0">
+                <a:solidFill>
+                  <a:srgbClr val="C586C0"/>
+                </a:solidFill>
+                <a:latin typeface="Consolas" panose="020B0609020204030204" pitchFamily="49" charset="0"/>
+              </a:rPr>
+              <a:t>else</a:t>
+            </a:r>
+            <a:r>
+              <a:rPr lang="en-US" sz="2400" dirty="0">
+                <a:solidFill>
+                  <a:srgbClr val="D4D4D4"/>
+                </a:solidFill>
+                <a:latin typeface="Consolas" panose="020B0609020204030204" pitchFamily="49" charset="0"/>
+              </a:rPr>
+              <a:t>:</a:t>
+            </a:r>
+          </a:p>
+          <a:p>
+            <a:r>
+              <a:rPr lang="en-US" sz="2400" dirty="0">
+                <a:solidFill>
+                  <a:srgbClr val="D4D4D4"/>
+                </a:solidFill>
+                <a:latin typeface="Consolas" panose="020B0609020204030204" pitchFamily="49" charset="0"/>
+              </a:rPr>
+              <a:t>    </a:t>
+            </a:r>
+            <a:r>
+              <a:rPr lang="en-US" sz="2400" dirty="0">
+                <a:solidFill>
+                  <a:srgbClr val="C586C0"/>
+                </a:solidFill>
+                <a:latin typeface="Consolas" panose="020B0609020204030204" pitchFamily="49" charset="0"/>
+              </a:rPr>
+              <a:t>pass</a:t>
+            </a:r>
+            <a:endParaRPr lang="en-US" sz="2400" b="0" dirty="0">
+              <a:solidFill>
+                <a:srgbClr val="D4D4D4"/>
+              </a:solidFill>
+              <a:effectLst/>
+              <a:latin typeface="Consolas" panose="020B0609020204030204" pitchFamily="49" charset="0"/>
+            </a:endParaRPr>
           </a:p>
         </p:txBody>
       </p:sp>
     </p:spTree>
     <p:extLst>
       <p:ext uri="{BB962C8B-B14F-4D97-AF65-F5344CB8AC3E}">
-        <p14:creationId xmlns:p14="http://schemas.microsoft.com/office/powerpoint/2010/main" val="3849930280"/>
+        <p14:creationId xmlns:p14="http://schemas.microsoft.com/office/powerpoint/2010/main" val="2676134838"/>
       </p:ext>
     </p:extLst>
   </p:cSld>
